--- a/Présentation/merkya.pptx
+++ b/Présentation/merkya.pptx
@@ -2,22 +2,26 @@
 <file path=ppt/presentation.xml><?xml version="1.0" encoding="utf-8"?>
 <p:presentation xmlns:a="http://schemas.openxmlformats.org/drawingml/2006/main" xmlns:r="http://schemas.openxmlformats.org/officeDocument/2006/relationships" xmlns:p="http://schemas.openxmlformats.org/presentationml/2006/main" saveSubsetFonts="1">
   <p:sldMasterIdLst>
-    <p:sldMasterId id="2147483648" r:id="rId1"/>
+    <p:sldMasterId id="2147483660" r:id="rId1"/>
   </p:sldMasterIdLst>
   <p:sldIdLst>
     <p:sldId id="256" r:id="rId2"/>
-    <p:sldId id="257" r:id="rId3"/>
-    <p:sldId id="258" r:id="rId4"/>
-    <p:sldId id="259" r:id="rId5"/>
-    <p:sldId id="260" r:id="rId6"/>
+    <p:sldId id="263" r:id="rId3"/>
+    <p:sldId id="257" r:id="rId4"/>
+    <p:sldId id="258" r:id="rId5"/>
+    <p:sldId id="259" r:id="rId6"/>
+    <p:sldId id="260" r:id="rId7"/>
+    <p:sldId id="262" r:id="rId8"/>
+    <p:sldId id="264" r:id="rId9"/>
+    <p:sldId id="261" r:id="rId10"/>
   </p:sldIdLst>
   <p:sldSz cx="12192000" cy="6858000"/>
   <p:notesSz cx="6858000" cy="9144000"/>
   <p:defaultTextStyle>
     <a:defPPr>
-      <a:defRPr lang="fr-FR"/>
+      <a:defRPr lang="en-US"/>
     </a:defPPr>
-    <a:lvl1pPr marL="0" algn="l" defTabSz="914400" rtl="0" eaLnBrk="1" latinLnBrk="0" hangingPunct="1">
+    <a:lvl1pPr marL="0" algn="l" defTabSz="457200" rtl="0" eaLnBrk="1" latinLnBrk="0" hangingPunct="1">
       <a:defRPr sz="1800" kern="1200">
         <a:solidFill>
           <a:schemeClr val="tx1"/>
@@ -27,7 +31,7 @@
         <a:cs typeface="+mn-cs"/>
       </a:defRPr>
     </a:lvl1pPr>
-    <a:lvl2pPr marL="457200" algn="l" defTabSz="914400" rtl="0" eaLnBrk="1" latinLnBrk="0" hangingPunct="1">
+    <a:lvl2pPr marL="457200" algn="l" defTabSz="457200" rtl="0" eaLnBrk="1" latinLnBrk="0" hangingPunct="1">
       <a:defRPr sz="1800" kern="1200">
         <a:solidFill>
           <a:schemeClr val="tx1"/>
@@ -37,7 +41,7 @@
         <a:cs typeface="+mn-cs"/>
       </a:defRPr>
     </a:lvl2pPr>
-    <a:lvl3pPr marL="914400" algn="l" defTabSz="914400" rtl="0" eaLnBrk="1" latinLnBrk="0" hangingPunct="1">
+    <a:lvl3pPr marL="914400" algn="l" defTabSz="457200" rtl="0" eaLnBrk="1" latinLnBrk="0" hangingPunct="1">
       <a:defRPr sz="1800" kern="1200">
         <a:solidFill>
           <a:schemeClr val="tx1"/>
@@ -47,7 +51,7 @@
         <a:cs typeface="+mn-cs"/>
       </a:defRPr>
     </a:lvl3pPr>
-    <a:lvl4pPr marL="1371600" algn="l" defTabSz="914400" rtl="0" eaLnBrk="1" latinLnBrk="0" hangingPunct="1">
+    <a:lvl4pPr marL="1371600" algn="l" defTabSz="457200" rtl="0" eaLnBrk="1" latinLnBrk="0" hangingPunct="1">
       <a:defRPr sz="1800" kern="1200">
         <a:solidFill>
           <a:schemeClr val="tx1"/>
@@ -57,7 +61,7 @@
         <a:cs typeface="+mn-cs"/>
       </a:defRPr>
     </a:lvl4pPr>
-    <a:lvl5pPr marL="1828800" algn="l" defTabSz="914400" rtl="0" eaLnBrk="1" latinLnBrk="0" hangingPunct="1">
+    <a:lvl5pPr marL="1828800" algn="l" defTabSz="457200" rtl="0" eaLnBrk="1" latinLnBrk="0" hangingPunct="1">
       <a:defRPr sz="1800" kern="1200">
         <a:solidFill>
           <a:schemeClr val="tx1"/>
@@ -67,7 +71,7 @@
         <a:cs typeface="+mn-cs"/>
       </a:defRPr>
     </a:lvl5pPr>
-    <a:lvl6pPr marL="2286000" algn="l" defTabSz="914400" rtl="0" eaLnBrk="1" latinLnBrk="0" hangingPunct="1">
+    <a:lvl6pPr marL="2286000" algn="l" defTabSz="457200" rtl="0" eaLnBrk="1" latinLnBrk="0" hangingPunct="1">
       <a:defRPr sz="1800" kern="1200">
         <a:solidFill>
           <a:schemeClr val="tx1"/>
@@ -77,7 +81,7 @@
         <a:cs typeface="+mn-cs"/>
       </a:defRPr>
     </a:lvl6pPr>
-    <a:lvl7pPr marL="2743200" algn="l" defTabSz="914400" rtl="0" eaLnBrk="1" latinLnBrk="0" hangingPunct="1">
+    <a:lvl7pPr marL="2743200" algn="l" defTabSz="457200" rtl="0" eaLnBrk="1" latinLnBrk="0" hangingPunct="1">
       <a:defRPr sz="1800" kern="1200">
         <a:solidFill>
           <a:schemeClr val="tx1"/>
@@ -87,7 +91,7 @@
         <a:cs typeface="+mn-cs"/>
       </a:defRPr>
     </a:lvl7pPr>
-    <a:lvl8pPr marL="3200400" algn="l" defTabSz="914400" rtl="0" eaLnBrk="1" latinLnBrk="0" hangingPunct="1">
+    <a:lvl8pPr marL="3200400" algn="l" defTabSz="457200" rtl="0" eaLnBrk="1" latinLnBrk="0" hangingPunct="1">
       <a:defRPr sz="1800" kern="1200">
         <a:solidFill>
           <a:schemeClr val="tx1"/>
@@ -97,7 +101,7 @@
         <a:cs typeface="+mn-cs"/>
       </a:defRPr>
     </a:lvl8pPr>
-    <a:lvl9pPr marL="3657600" algn="l" defTabSz="914400" rtl="0" eaLnBrk="1" latinLnBrk="0" hangingPunct="1">
+    <a:lvl9pPr marL="3657600" algn="l" defTabSz="457200" rtl="0" eaLnBrk="1" latinLnBrk="0" hangingPunct="1">
       <a:defRPr sz="1800" kern="1200">
         <a:solidFill>
           <a:schemeClr val="tx1"/>
@@ -108,6 +112,11 @@
       </a:defRPr>
     </a:lvl9pPr>
   </p:defaultTextStyle>
+  <p:extLst>
+    <p:ext uri="{EFAFB233-063F-42B5-8137-9DF3F51BA10A}">
+      <p15:sldGuideLst xmlns:p15="http://schemas.microsoft.com/office/powerpoint/2012/main"/>
+    </p:ext>
+  </p:extLst>
 </p:presentation>
 </file>
 
@@ -130,7 +139,7 @@
       </p:grpSpPr>
       <p:sp>
         <p:nvSpPr>
-          <p:cNvPr id="2" name="Titre 1"/>
+          <p:cNvPr id="2" name="Title 1"/>
           <p:cNvSpPr>
             <a:spLocks noGrp="1"/>
           </p:cNvSpPr>
@@ -140,15 +149,17 @@
         </p:nvSpPr>
         <p:spPr>
           <a:xfrm>
-            <a:off x="1524000" y="1122363"/>
-            <a:ext cx="9144000" cy="2387600"/>
+            <a:off x="1370693" y="1769540"/>
+            <a:ext cx="9440034" cy="1828801"/>
           </a:xfrm>
         </p:spPr>
         <p:txBody>
-          <a:bodyPr anchor="b"/>
+          <a:bodyPr anchor="b">
+            <a:normAutofit/>
+          </a:bodyPr>
           <a:lstStyle>
             <a:lvl1pPr algn="ctr">
-              <a:defRPr sz="6000"/>
+              <a:defRPr sz="5400"/>
             </a:lvl1pPr>
           </a:lstStyle>
           <a:p>
@@ -156,13 +167,13 @@
               <a:rPr lang="fr-FR" smtClean="0"/>
               <a:t>Modifiez le style du titre</a:t>
             </a:r>
-            <a:endParaRPr lang="fr-CH"/>
-          </a:p>
-        </p:txBody>
-      </p:sp>
-      <p:sp>
-        <p:nvSpPr>
-          <p:cNvPr id="3" name="Sous-titre 2"/>
+            <a:endParaRPr lang="en-US" dirty="0"/>
+          </a:p>
+        </p:txBody>
+      </p:sp>
+      <p:sp>
+        <p:nvSpPr>
+          <p:cNvPr id="3" name="Subtitle 2"/>
           <p:cNvSpPr>
             <a:spLocks noGrp="1"/>
           </p:cNvSpPr>
@@ -172,48 +183,100 @@
         </p:nvSpPr>
         <p:spPr>
           <a:xfrm>
-            <a:off x="1524000" y="3602038"/>
-            <a:ext cx="9144000" cy="1655762"/>
+            <a:off x="1370693" y="3598339"/>
+            <a:ext cx="9440034" cy="1049867"/>
           </a:xfrm>
         </p:spPr>
         <p:txBody>
-          <a:bodyPr/>
+          <a:bodyPr anchor="t"/>
           <a:lstStyle>
             <a:lvl1pPr marL="0" indent="0" algn="ctr">
               <a:buNone/>
-              <a:defRPr sz="2400"/>
+              <a:defRPr>
+                <a:solidFill>
+                  <a:schemeClr val="tx1"/>
+                </a:solidFill>
+              </a:defRPr>
             </a:lvl1pPr>
             <a:lvl2pPr marL="457200" indent="0" algn="ctr">
               <a:buNone/>
-              <a:defRPr sz="2000"/>
+              <a:defRPr>
+                <a:solidFill>
+                  <a:schemeClr val="tx1">
+                    <a:tint val="75000"/>
+                  </a:schemeClr>
+                </a:solidFill>
+              </a:defRPr>
             </a:lvl2pPr>
             <a:lvl3pPr marL="914400" indent="0" algn="ctr">
               <a:buNone/>
-              <a:defRPr sz="1800"/>
+              <a:defRPr>
+                <a:solidFill>
+                  <a:schemeClr val="tx1">
+                    <a:tint val="75000"/>
+                  </a:schemeClr>
+                </a:solidFill>
+              </a:defRPr>
             </a:lvl3pPr>
             <a:lvl4pPr marL="1371600" indent="0" algn="ctr">
               <a:buNone/>
-              <a:defRPr sz="1600"/>
+              <a:defRPr>
+                <a:solidFill>
+                  <a:schemeClr val="tx1">
+                    <a:tint val="75000"/>
+                  </a:schemeClr>
+                </a:solidFill>
+              </a:defRPr>
             </a:lvl4pPr>
             <a:lvl5pPr marL="1828800" indent="0" algn="ctr">
               <a:buNone/>
-              <a:defRPr sz="1600"/>
+              <a:defRPr>
+                <a:solidFill>
+                  <a:schemeClr val="tx1">
+                    <a:tint val="75000"/>
+                  </a:schemeClr>
+                </a:solidFill>
+              </a:defRPr>
             </a:lvl5pPr>
             <a:lvl6pPr marL="2286000" indent="0" algn="ctr">
               <a:buNone/>
-              <a:defRPr sz="1600"/>
+              <a:defRPr>
+                <a:solidFill>
+                  <a:schemeClr val="tx1">
+                    <a:tint val="75000"/>
+                  </a:schemeClr>
+                </a:solidFill>
+              </a:defRPr>
             </a:lvl6pPr>
             <a:lvl7pPr marL="2743200" indent="0" algn="ctr">
               <a:buNone/>
-              <a:defRPr sz="1600"/>
+              <a:defRPr>
+                <a:solidFill>
+                  <a:schemeClr val="tx1">
+                    <a:tint val="75000"/>
+                  </a:schemeClr>
+                </a:solidFill>
+              </a:defRPr>
             </a:lvl7pPr>
             <a:lvl8pPr marL="3200400" indent="0" algn="ctr">
               <a:buNone/>
-              <a:defRPr sz="1600"/>
+              <a:defRPr>
+                <a:solidFill>
+                  <a:schemeClr val="tx1">
+                    <a:tint val="75000"/>
+                  </a:schemeClr>
+                </a:solidFill>
+              </a:defRPr>
             </a:lvl8pPr>
             <a:lvl9pPr marL="3657600" indent="0" algn="ctr">
               <a:buNone/>
-              <a:defRPr sz="1600"/>
+              <a:defRPr>
+                <a:solidFill>
+                  <a:schemeClr val="tx1">
+                    <a:tint val="75000"/>
+                  </a:schemeClr>
+                </a:solidFill>
+              </a:defRPr>
             </a:lvl9pPr>
           </a:lstStyle>
           <a:p>
@@ -221,13 +284,13 @@
               <a:rPr lang="fr-FR" smtClean="0"/>
               <a:t>Modifier le style des sous-titres du masque</a:t>
             </a:r>
-            <a:endParaRPr lang="fr-CH"/>
-          </a:p>
-        </p:txBody>
-      </p:sp>
-      <p:sp>
-        <p:nvSpPr>
-          <p:cNvPr id="4" name="Espace réservé de la date 3"/>
+            <a:endParaRPr lang="en-US" dirty="0"/>
+          </a:p>
+        </p:txBody>
+      </p:sp>
+      <p:sp>
+        <p:nvSpPr>
+          <p:cNvPr id="4" name="Date Placeholder 3"/>
           <p:cNvSpPr>
             <a:spLocks noGrp="1"/>
           </p:cNvSpPr>
@@ -250,7 +313,7 @@
       </p:sp>
       <p:sp>
         <p:nvSpPr>
-          <p:cNvPr id="5" name="Espace réservé du pied de page 4"/>
+          <p:cNvPr id="5" name="Footer Placeholder 4"/>
           <p:cNvSpPr>
             <a:spLocks noGrp="1"/>
           </p:cNvSpPr>
@@ -269,7 +332,7 @@
       </p:sp>
       <p:sp>
         <p:nvSpPr>
-          <p:cNvPr id="6" name="Espace réservé du numéro de diapositive 5"/>
+          <p:cNvPr id="6" name="Slide Number Placeholder 5"/>
           <p:cNvSpPr>
             <a:spLocks noGrp="1"/>
           </p:cNvSpPr>
@@ -293,7 +356,7 @@
     </p:spTree>
     <p:extLst>
       <p:ext uri="{BB962C8B-B14F-4D97-AF65-F5344CB8AC3E}">
-        <p14:creationId xmlns:p14="http://schemas.microsoft.com/office/powerpoint/2010/main" val="535829259"/>
+        <p14:creationId xmlns:p14="http://schemas.microsoft.com/office/powerpoint/2010/main" val="2664082766"/>
       </p:ext>
     </p:extLst>
   </p:cSld>
@@ -303,10 +366,2593 @@
   <p:transition>
     <p:push dir="u"/>
   </p:transition>
+  <p:timing>
+    <p:tnLst>
+      <p:par>
+        <p:cTn id="1" dur="indefinite" restart="never" nodeType="tmRoot"/>
+      </p:par>
+    </p:tnLst>
+  </p:timing>
 </p:sldLayout>
 </file>
 
 <file path=ppt/slideLayouts/slideLayout10.xml><?xml version="1.0" encoding="utf-8"?>
+<p:sldLayout xmlns:a="http://schemas.openxmlformats.org/drawingml/2006/main" xmlns:r="http://schemas.openxmlformats.org/officeDocument/2006/relationships" xmlns:p="http://schemas.openxmlformats.org/presentationml/2006/main" preserve="1">
+  <p:cSld name="Image panoramique avec légende">
+    <p:spTree>
+      <p:nvGrpSpPr>
+        <p:cNvPr id="1" name=""/>
+        <p:cNvGrpSpPr/>
+        <p:nvPr/>
+      </p:nvGrpSpPr>
+      <p:grpSpPr>
+        <a:xfrm>
+          <a:off x="0" y="0"/>
+          <a:ext cx="0" cy="0"/>
+          <a:chOff x="0" y="0"/>
+          <a:chExt cx="0" cy="0"/>
+        </a:xfrm>
+      </p:grpSpPr>
+      <p:pic>
+        <p:nvPicPr>
+          <p:cNvPr id="16" name="Picture 15" descr="Slate-V2-HD-panoPhotoInset.png"/>
+          <p:cNvPicPr>
+            <a:picLocks noChangeAspect="1"/>
+          </p:cNvPicPr>
+          <p:nvPr/>
+        </p:nvPicPr>
+        <p:blipFill>
+          <a:blip r:embed="rId2">
+            <a:extLst>
+              <a:ext uri="{28A0092B-C50C-407E-A947-70E740481C1C}">
+                <a14:useLocalDpi xmlns:a14="http://schemas.microsoft.com/office/drawing/2010/main" val="0"/>
+              </a:ext>
+            </a:extLst>
+          </a:blip>
+          <a:stretch>
+            <a:fillRect/>
+          </a:stretch>
+        </p:blipFill>
+        <p:spPr>
+          <a:xfrm>
+            <a:off x="1013883" y="547807"/>
+            <a:ext cx="10141799" cy="3816806"/>
+          </a:xfrm>
+          <a:prstGeom prst="rect">
+            <a:avLst/>
+          </a:prstGeom>
+        </p:spPr>
+      </p:pic>
+      <p:sp>
+        <p:nvSpPr>
+          <p:cNvPr id="2" name="Title 1"/>
+          <p:cNvSpPr>
+            <a:spLocks noGrp="1"/>
+          </p:cNvSpPr>
+          <p:nvPr>
+            <p:ph type="title"/>
+          </p:nvPr>
+        </p:nvSpPr>
+        <p:spPr>
+          <a:xfrm>
+            <a:off x="913806" y="4565255"/>
+            <a:ext cx="10355326" cy="543472"/>
+          </a:xfrm>
+        </p:spPr>
+        <p:txBody>
+          <a:bodyPr anchor="b">
+            <a:normAutofit/>
+          </a:bodyPr>
+          <a:lstStyle>
+            <a:lvl1pPr algn="ctr">
+              <a:defRPr sz="2800"/>
+            </a:lvl1pPr>
+          </a:lstStyle>
+          <a:p>
+            <a:r>
+              <a:rPr lang="fr-FR" smtClean="0"/>
+              <a:t>Modifiez le style du titre</a:t>
+            </a:r>
+            <a:endParaRPr lang="en-US" dirty="0"/>
+          </a:p>
+        </p:txBody>
+      </p:sp>
+      <p:sp>
+        <p:nvSpPr>
+          <p:cNvPr id="3" name="Picture Placeholder 2"/>
+          <p:cNvSpPr>
+            <a:spLocks noGrp="1" noChangeAspect="1"/>
+          </p:cNvSpPr>
+          <p:nvPr>
+            <p:ph type="pic" idx="1"/>
+          </p:nvPr>
+        </p:nvSpPr>
+        <p:spPr>
+          <a:xfrm>
+            <a:off x="1169349" y="695009"/>
+            <a:ext cx="9845346" cy="3525671"/>
+          </a:xfrm>
+          <a:effectLst>
+            <a:outerShdw blurRad="38100" dist="25400" dir="4440000">
+              <a:srgbClr val="000000">
+                <a:alpha val="36000"/>
+              </a:srgbClr>
+            </a:outerShdw>
+          </a:effectLst>
+        </p:spPr>
+        <p:txBody>
+          <a:bodyPr anchor="t">
+            <a:normAutofit/>
+          </a:bodyPr>
+          <a:lstStyle>
+            <a:lvl1pPr marL="0" indent="0" algn="ctr">
+              <a:buNone/>
+              <a:defRPr sz="2000"/>
+            </a:lvl1pPr>
+            <a:lvl2pPr marL="457200" indent="0">
+              <a:buNone/>
+              <a:defRPr sz="2000"/>
+            </a:lvl2pPr>
+            <a:lvl3pPr marL="914400" indent="0">
+              <a:buNone/>
+              <a:defRPr sz="2000"/>
+            </a:lvl3pPr>
+            <a:lvl4pPr marL="1371600" indent="0">
+              <a:buNone/>
+              <a:defRPr sz="2000"/>
+            </a:lvl4pPr>
+            <a:lvl5pPr marL="1828800" indent="0">
+              <a:buNone/>
+              <a:defRPr sz="2000"/>
+            </a:lvl5pPr>
+            <a:lvl6pPr marL="2286000" indent="0">
+              <a:buNone/>
+              <a:defRPr sz="2000"/>
+            </a:lvl6pPr>
+            <a:lvl7pPr marL="2743200" indent="0">
+              <a:buNone/>
+              <a:defRPr sz="2000"/>
+            </a:lvl7pPr>
+            <a:lvl8pPr marL="3200400" indent="0">
+              <a:buNone/>
+              <a:defRPr sz="2000"/>
+            </a:lvl8pPr>
+            <a:lvl9pPr marL="3657600" indent="0">
+              <a:buNone/>
+              <a:defRPr sz="2000"/>
+            </a:lvl9pPr>
+          </a:lstStyle>
+          <a:p>
+            <a:r>
+              <a:rPr lang="fr-FR" smtClean="0"/>
+              <a:t>Cliquez sur l'icône pour ajouter une image</a:t>
+            </a:r>
+            <a:endParaRPr lang="en-US" dirty="0"/>
+          </a:p>
+        </p:txBody>
+      </p:sp>
+      <p:sp>
+        <p:nvSpPr>
+          <p:cNvPr id="4" name="Text Placeholder 3"/>
+          <p:cNvSpPr>
+            <a:spLocks noGrp="1"/>
+          </p:cNvSpPr>
+          <p:nvPr>
+            <p:ph type="body" sz="half" idx="2"/>
+          </p:nvPr>
+        </p:nvSpPr>
+        <p:spPr>
+          <a:xfrm>
+            <a:off x="913795" y="5108728"/>
+            <a:ext cx="10353762" cy="682472"/>
+          </a:xfrm>
+        </p:spPr>
+        <p:txBody>
+          <a:bodyPr anchor="t"/>
+          <a:lstStyle>
+            <a:lvl1pPr marL="0" indent="0" algn="ctr">
+              <a:buNone/>
+              <a:defRPr sz="1600"/>
+            </a:lvl1pPr>
+            <a:lvl2pPr marL="457200" indent="0">
+              <a:buNone/>
+              <a:defRPr sz="1400"/>
+            </a:lvl2pPr>
+            <a:lvl3pPr marL="914400" indent="0">
+              <a:buNone/>
+              <a:defRPr sz="1200"/>
+            </a:lvl3pPr>
+            <a:lvl4pPr marL="1371600" indent="0">
+              <a:buNone/>
+              <a:defRPr sz="1000"/>
+            </a:lvl4pPr>
+            <a:lvl5pPr marL="1828800" indent="0">
+              <a:buNone/>
+              <a:defRPr sz="1000"/>
+            </a:lvl5pPr>
+            <a:lvl6pPr marL="2286000" indent="0">
+              <a:buNone/>
+              <a:defRPr sz="1000"/>
+            </a:lvl6pPr>
+            <a:lvl7pPr marL="2743200" indent="0">
+              <a:buNone/>
+              <a:defRPr sz="1000"/>
+            </a:lvl7pPr>
+            <a:lvl8pPr marL="3200400" indent="0">
+              <a:buNone/>
+              <a:defRPr sz="1000"/>
+            </a:lvl8pPr>
+            <a:lvl9pPr marL="3657600" indent="0">
+              <a:buNone/>
+              <a:defRPr sz="1000"/>
+            </a:lvl9pPr>
+          </a:lstStyle>
+          <a:p>
+            <a:pPr lvl="0"/>
+            <a:r>
+              <a:rPr lang="fr-FR" smtClean="0"/>
+              <a:t>Modifier les styles du texte du masque</a:t>
+            </a:r>
+          </a:p>
+        </p:txBody>
+      </p:sp>
+      <p:sp>
+        <p:nvSpPr>
+          <p:cNvPr id="5" name="Date Placeholder 4"/>
+          <p:cNvSpPr>
+            <a:spLocks noGrp="1"/>
+          </p:cNvSpPr>
+          <p:nvPr>
+            <p:ph type="dt" sz="half" idx="10"/>
+          </p:nvPr>
+        </p:nvSpPr>
+        <p:spPr/>
+        <p:txBody>
+          <a:bodyPr/>
+          <a:lstStyle/>
+          <a:p>
+            <a:fld id="{FF38B628-3581-4A00-9B3B-E92F5EBE601F}" type="datetimeFigureOut">
+              <a:rPr lang="fr-CH" smtClean="0"/>
+              <a:t>14.12.2016</a:t>
+            </a:fld>
+            <a:endParaRPr lang="fr-CH"/>
+          </a:p>
+        </p:txBody>
+      </p:sp>
+      <p:sp>
+        <p:nvSpPr>
+          <p:cNvPr id="6" name="Footer Placeholder 5"/>
+          <p:cNvSpPr>
+            <a:spLocks noGrp="1"/>
+          </p:cNvSpPr>
+          <p:nvPr>
+            <p:ph type="ftr" sz="quarter" idx="11"/>
+          </p:nvPr>
+        </p:nvSpPr>
+        <p:spPr/>
+        <p:txBody>
+          <a:bodyPr/>
+          <a:lstStyle/>
+          <a:p>
+            <a:endParaRPr lang="fr-CH"/>
+          </a:p>
+        </p:txBody>
+      </p:sp>
+      <p:sp>
+        <p:nvSpPr>
+          <p:cNvPr id="7" name="Slide Number Placeholder 6"/>
+          <p:cNvSpPr>
+            <a:spLocks noGrp="1"/>
+          </p:cNvSpPr>
+          <p:nvPr>
+            <p:ph type="sldNum" sz="quarter" idx="12"/>
+          </p:nvPr>
+        </p:nvSpPr>
+        <p:spPr/>
+        <p:txBody>
+          <a:bodyPr/>
+          <a:lstStyle/>
+          <a:p>
+            <a:fld id="{FE1498A5-A2C9-4E83-AE84-F1882CE23D0F}" type="slidenum">
+              <a:rPr lang="fr-CH" smtClean="0"/>
+              <a:t>‹N°›</a:t>
+            </a:fld>
+            <a:endParaRPr lang="fr-CH"/>
+          </a:p>
+        </p:txBody>
+      </p:sp>
+    </p:spTree>
+    <p:extLst>
+      <p:ext uri="{BB962C8B-B14F-4D97-AF65-F5344CB8AC3E}">
+        <p14:creationId xmlns:p14="http://schemas.microsoft.com/office/powerpoint/2010/main" val="1669559495"/>
+      </p:ext>
+    </p:extLst>
+  </p:cSld>
+  <p:clrMapOvr>
+    <a:masterClrMapping/>
+  </p:clrMapOvr>
+</p:sldLayout>
+</file>
+
+<file path=ppt/slideLayouts/slideLayout11.xml><?xml version="1.0" encoding="utf-8"?>
+<p:sldLayout xmlns:a="http://schemas.openxmlformats.org/drawingml/2006/main" xmlns:r="http://schemas.openxmlformats.org/officeDocument/2006/relationships" xmlns:p="http://schemas.openxmlformats.org/presentationml/2006/main" preserve="1">
+  <p:cSld name="Titre et légende">
+    <p:spTree>
+      <p:nvGrpSpPr>
+        <p:cNvPr id="1" name=""/>
+        <p:cNvGrpSpPr/>
+        <p:nvPr/>
+      </p:nvGrpSpPr>
+      <p:grpSpPr>
+        <a:xfrm>
+          <a:off x="0" y="0"/>
+          <a:ext cx="0" cy="0"/>
+          <a:chOff x="0" y="0"/>
+          <a:chExt cx="0" cy="0"/>
+        </a:xfrm>
+      </p:grpSpPr>
+      <p:sp>
+        <p:nvSpPr>
+          <p:cNvPr id="2" name="Title 1"/>
+          <p:cNvSpPr>
+            <a:spLocks noGrp="1"/>
+          </p:cNvSpPr>
+          <p:nvPr>
+            <p:ph type="title"/>
+          </p:nvPr>
+        </p:nvSpPr>
+        <p:spPr>
+          <a:xfrm>
+            <a:off x="913795" y="608437"/>
+            <a:ext cx="10353762" cy="3534344"/>
+          </a:xfrm>
+        </p:spPr>
+        <p:txBody>
+          <a:bodyPr anchor="ctr"/>
+          <a:lstStyle>
+            <a:lvl1pPr>
+              <a:defRPr sz="3200"/>
+            </a:lvl1pPr>
+          </a:lstStyle>
+          <a:p>
+            <a:r>
+              <a:rPr lang="fr-FR" smtClean="0"/>
+              <a:t>Modifiez le style du titre</a:t>
+            </a:r>
+            <a:endParaRPr lang="en-US" dirty="0"/>
+          </a:p>
+        </p:txBody>
+      </p:sp>
+      <p:sp>
+        <p:nvSpPr>
+          <p:cNvPr id="4" name="Text Placeholder 3"/>
+          <p:cNvSpPr>
+            <a:spLocks noGrp="1"/>
+          </p:cNvSpPr>
+          <p:nvPr>
+            <p:ph type="body" sz="half" idx="2"/>
+          </p:nvPr>
+        </p:nvSpPr>
+        <p:spPr>
+          <a:xfrm>
+            <a:off x="913794" y="4295180"/>
+            <a:ext cx="10353763" cy="1501826"/>
+          </a:xfrm>
+        </p:spPr>
+        <p:txBody>
+          <a:bodyPr anchor="ctr"/>
+          <a:lstStyle>
+            <a:lvl1pPr marL="0" indent="0" algn="ctr">
+              <a:buNone/>
+              <a:defRPr sz="1600"/>
+            </a:lvl1pPr>
+            <a:lvl2pPr marL="457200" indent="0">
+              <a:buNone/>
+              <a:defRPr sz="1400"/>
+            </a:lvl2pPr>
+            <a:lvl3pPr marL="914400" indent="0">
+              <a:buNone/>
+              <a:defRPr sz="1200"/>
+            </a:lvl3pPr>
+            <a:lvl4pPr marL="1371600" indent="0">
+              <a:buNone/>
+              <a:defRPr sz="1000"/>
+            </a:lvl4pPr>
+            <a:lvl5pPr marL="1828800" indent="0">
+              <a:buNone/>
+              <a:defRPr sz="1000"/>
+            </a:lvl5pPr>
+            <a:lvl6pPr marL="2286000" indent="0">
+              <a:buNone/>
+              <a:defRPr sz="1000"/>
+            </a:lvl6pPr>
+            <a:lvl7pPr marL="2743200" indent="0">
+              <a:buNone/>
+              <a:defRPr sz="1000"/>
+            </a:lvl7pPr>
+            <a:lvl8pPr marL="3200400" indent="0">
+              <a:buNone/>
+              <a:defRPr sz="1000"/>
+            </a:lvl8pPr>
+            <a:lvl9pPr marL="3657600" indent="0">
+              <a:buNone/>
+              <a:defRPr sz="1000"/>
+            </a:lvl9pPr>
+          </a:lstStyle>
+          <a:p>
+            <a:pPr lvl="0"/>
+            <a:r>
+              <a:rPr lang="fr-FR" smtClean="0"/>
+              <a:t>Modifier les styles du texte du masque</a:t>
+            </a:r>
+          </a:p>
+        </p:txBody>
+      </p:sp>
+      <p:sp>
+        <p:nvSpPr>
+          <p:cNvPr id="5" name="Date Placeholder 4"/>
+          <p:cNvSpPr>
+            <a:spLocks noGrp="1"/>
+          </p:cNvSpPr>
+          <p:nvPr>
+            <p:ph type="dt" sz="half" idx="10"/>
+          </p:nvPr>
+        </p:nvSpPr>
+        <p:spPr/>
+        <p:txBody>
+          <a:bodyPr/>
+          <a:lstStyle/>
+          <a:p>
+            <a:fld id="{FF38B628-3581-4A00-9B3B-E92F5EBE601F}" type="datetimeFigureOut">
+              <a:rPr lang="fr-CH" smtClean="0"/>
+              <a:t>14.12.2016</a:t>
+            </a:fld>
+            <a:endParaRPr lang="fr-CH"/>
+          </a:p>
+        </p:txBody>
+      </p:sp>
+      <p:sp>
+        <p:nvSpPr>
+          <p:cNvPr id="6" name="Footer Placeholder 5"/>
+          <p:cNvSpPr>
+            <a:spLocks noGrp="1"/>
+          </p:cNvSpPr>
+          <p:nvPr>
+            <p:ph type="ftr" sz="quarter" idx="11"/>
+          </p:nvPr>
+        </p:nvSpPr>
+        <p:spPr/>
+        <p:txBody>
+          <a:bodyPr/>
+          <a:lstStyle/>
+          <a:p>
+            <a:endParaRPr lang="fr-CH"/>
+          </a:p>
+        </p:txBody>
+      </p:sp>
+      <p:sp>
+        <p:nvSpPr>
+          <p:cNvPr id="7" name="Slide Number Placeholder 6"/>
+          <p:cNvSpPr>
+            <a:spLocks noGrp="1"/>
+          </p:cNvSpPr>
+          <p:nvPr>
+            <p:ph type="sldNum" sz="quarter" idx="12"/>
+          </p:nvPr>
+        </p:nvSpPr>
+        <p:spPr/>
+        <p:txBody>
+          <a:bodyPr/>
+          <a:lstStyle/>
+          <a:p>
+            <a:fld id="{FE1498A5-A2C9-4E83-AE84-F1882CE23D0F}" type="slidenum">
+              <a:rPr lang="fr-CH" smtClean="0"/>
+              <a:t>‹N°›</a:t>
+            </a:fld>
+            <a:endParaRPr lang="fr-CH"/>
+          </a:p>
+        </p:txBody>
+      </p:sp>
+    </p:spTree>
+    <p:extLst>
+      <p:ext uri="{BB962C8B-B14F-4D97-AF65-F5344CB8AC3E}">
+        <p14:creationId xmlns:p14="http://schemas.microsoft.com/office/powerpoint/2010/main" val="2818096828"/>
+      </p:ext>
+    </p:extLst>
+  </p:cSld>
+  <p:clrMapOvr>
+    <a:masterClrMapping/>
+  </p:clrMapOvr>
+</p:sldLayout>
+</file>
+
+<file path=ppt/slideLayouts/slideLayout12.xml><?xml version="1.0" encoding="utf-8"?>
+<p:sldLayout xmlns:a="http://schemas.openxmlformats.org/drawingml/2006/main" xmlns:r="http://schemas.openxmlformats.org/officeDocument/2006/relationships" xmlns:p="http://schemas.openxmlformats.org/presentationml/2006/main" preserve="1">
+  <p:cSld name="Citation avec légende">
+    <p:spTree>
+      <p:nvGrpSpPr>
+        <p:cNvPr id="1" name=""/>
+        <p:cNvGrpSpPr/>
+        <p:nvPr/>
+      </p:nvGrpSpPr>
+      <p:grpSpPr>
+        <a:xfrm>
+          <a:off x="0" y="0"/>
+          <a:ext cx="0" cy="0"/>
+          <a:chOff x="0" y="0"/>
+          <a:chExt cx="0" cy="0"/>
+        </a:xfrm>
+      </p:grpSpPr>
+      <p:sp>
+        <p:nvSpPr>
+          <p:cNvPr id="2" name="Title 1"/>
+          <p:cNvSpPr>
+            <a:spLocks noGrp="1"/>
+          </p:cNvSpPr>
+          <p:nvPr>
+            <p:ph type="title"/>
+          </p:nvPr>
+        </p:nvSpPr>
+        <p:spPr>
+          <a:xfrm>
+            <a:off x="1446212" y="609600"/>
+            <a:ext cx="9302752" cy="2992904"/>
+          </a:xfrm>
+        </p:spPr>
+        <p:txBody>
+          <a:bodyPr anchor="ctr"/>
+          <a:lstStyle>
+            <a:lvl1pPr>
+              <a:defRPr sz="3200"/>
+            </a:lvl1pPr>
+          </a:lstStyle>
+          <a:p>
+            <a:r>
+              <a:rPr lang="fr-FR" smtClean="0"/>
+              <a:t>Modifiez le style du titre</a:t>
+            </a:r>
+            <a:endParaRPr lang="en-US" dirty="0"/>
+          </a:p>
+        </p:txBody>
+      </p:sp>
+      <p:sp>
+        <p:nvSpPr>
+          <p:cNvPr id="12" name="Text Placeholder 3"/>
+          <p:cNvSpPr>
+            <a:spLocks noGrp="1"/>
+          </p:cNvSpPr>
+          <p:nvPr>
+            <p:ph type="body" sz="half" idx="13"/>
+          </p:nvPr>
+        </p:nvSpPr>
+        <p:spPr>
+          <a:xfrm>
+            <a:off x="1720644" y="3610032"/>
+            <a:ext cx="8752299" cy="532749"/>
+          </a:xfrm>
+        </p:spPr>
+        <p:txBody>
+          <a:bodyPr anchor="t">
+            <a:normAutofit/>
+          </a:bodyPr>
+          <a:lstStyle>
+            <a:lvl1pPr marL="0" indent="0" algn="r">
+              <a:buNone/>
+              <a:defRPr sz="1400"/>
+            </a:lvl1pPr>
+            <a:lvl2pPr marL="457200" indent="0">
+              <a:buNone/>
+              <a:defRPr sz="1400"/>
+            </a:lvl2pPr>
+            <a:lvl3pPr marL="914400" indent="0">
+              <a:buNone/>
+              <a:defRPr sz="1200"/>
+            </a:lvl3pPr>
+            <a:lvl4pPr marL="1371600" indent="0">
+              <a:buNone/>
+              <a:defRPr sz="1000"/>
+            </a:lvl4pPr>
+            <a:lvl5pPr marL="1828800" indent="0">
+              <a:buNone/>
+              <a:defRPr sz="1000"/>
+            </a:lvl5pPr>
+            <a:lvl6pPr marL="2286000" indent="0">
+              <a:buNone/>
+              <a:defRPr sz="1000"/>
+            </a:lvl6pPr>
+            <a:lvl7pPr marL="2743200" indent="0">
+              <a:buNone/>
+              <a:defRPr sz="1000"/>
+            </a:lvl7pPr>
+            <a:lvl8pPr marL="3200400" indent="0">
+              <a:buNone/>
+              <a:defRPr sz="1000"/>
+            </a:lvl8pPr>
+            <a:lvl9pPr marL="3657600" indent="0">
+              <a:buNone/>
+              <a:defRPr sz="1000"/>
+            </a:lvl9pPr>
+          </a:lstStyle>
+          <a:p>
+            <a:pPr lvl="0"/>
+            <a:r>
+              <a:rPr lang="fr-FR" smtClean="0"/>
+              <a:t>Modifier les styles du texte du masque</a:t>
+            </a:r>
+          </a:p>
+        </p:txBody>
+      </p:sp>
+      <p:sp>
+        <p:nvSpPr>
+          <p:cNvPr id="4" name="Text Placeholder 3"/>
+          <p:cNvSpPr>
+            <a:spLocks noGrp="1"/>
+          </p:cNvSpPr>
+          <p:nvPr>
+            <p:ph type="body" sz="half" idx="2"/>
+          </p:nvPr>
+        </p:nvSpPr>
+        <p:spPr>
+          <a:xfrm>
+            <a:off x="913794" y="4304353"/>
+            <a:ext cx="10353763" cy="1489496"/>
+          </a:xfrm>
+        </p:spPr>
+        <p:txBody>
+          <a:bodyPr anchor="ctr">
+            <a:normAutofit/>
+          </a:bodyPr>
+          <a:lstStyle>
+            <a:lvl1pPr marL="0" indent="0" algn="ctr">
+              <a:buNone/>
+              <a:defRPr sz="1600"/>
+            </a:lvl1pPr>
+            <a:lvl2pPr marL="457200" indent="0">
+              <a:buNone/>
+              <a:defRPr sz="1400"/>
+            </a:lvl2pPr>
+            <a:lvl3pPr marL="914400" indent="0">
+              <a:buNone/>
+              <a:defRPr sz="1200"/>
+            </a:lvl3pPr>
+            <a:lvl4pPr marL="1371600" indent="0">
+              <a:buNone/>
+              <a:defRPr sz="1000"/>
+            </a:lvl4pPr>
+            <a:lvl5pPr marL="1828800" indent="0">
+              <a:buNone/>
+              <a:defRPr sz="1000"/>
+            </a:lvl5pPr>
+            <a:lvl6pPr marL="2286000" indent="0">
+              <a:buNone/>
+              <a:defRPr sz="1000"/>
+            </a:lvl6pPr>
+            <a:lvl7pPr marL="2743200" indent="0">
+              <a:buNone/>
+              <a:defRPr sz="1000"/>
+            </a:lvl7pPr>
+            <a:lvl8pPr marL="3200400" indent="0">
+              <a:buNone/>
+              <a:defRPr sz="1000"/>
+            </a:lvl8pPr>
+            <a:lvl9pPr marL="3657600" indent="0">
+              <a:buNone/>
+              <a:defRPr sz="1000"/>
+            </a:lvl9pPr>
+          </a:lstStyle>
+          <a:p>
+            <a:pPr lvl="0"/>
+            <a:r>
+              <a:rPr lang="fr-FR" smtClean="0"/>
+              <a:t>Modifier les styles du texte du masque</a:t>
+            </a:r>
+          </a:p>
+        </p:txBody>
+      </p:sp>
+      <p:sp>
+        <p:nvSpPr>
+          <p:cNvPr id="5" name="Date Placeholder 4"/>
+          <p:cNvSpPr>
+            <a:spLocks noGrp="1"/>
+          </p:cNvSpPr>
+          <p:nvPr>
+            <p:ph type="dt" sz="half" idx="10"/>
+          </p:nvPr>
+        </p:nvSpPr>
+        <p:spPr/>
+        <p:txBody>
+          <a:bodyPr/>
+          <a:lstStyle/>
+          <a:p>
+            <a:fld id="{FF38B628-3581-4A00-9B3B-E92F5EBE601F}" type="datetimeFigureOut">
+              <a:rPr lang="fr-CH" smtClean="0"/>
+              <a:t>14.12.2016</a:t>
+            </a:fld>
+            <a:endParaRPr lang="fr-CH"/>
+          </a:p>
+        </p:txBody>
+      </p:sp>
+      <p:sp>
+        <p:nvSpPr>
+          <p:cNvPr id="6" name="Footer Placeholder 5"/>
+          <p:cNvSpPr>
+            <a:spLocks noGrp="1"/>
+          </p:cNvSpPr>
+          <p:nvPr>
+            <p:ph type="ftr" sz="quarter" idx="11"/>
+          </p:nvPr>
+        </p:nvSpPr>
+        <p:spPr/>
+        <p:txBody>
+          <a:bodyPr/>
+          <a:lstStyle/>
+          <a:p>
+            <a:endParaRPr lang="fr-CH"/>
+          </a:p>
+        </p:txBody>
+      </p:sp>
+      <p:sp>
+        <p:nvSpPr>
+          <p:cNvPr id="7" name="Slide Number Placeholder 6"/>
+          <p:cNvSpPr>
+            <a:spLocks noGrp="1"/>
+          </p:cNvSpPr>
+          <p:nvPr>
+            <p:ph type="sldNum" sz="quarter" idx="12"/>
+          </p:nvPr>
+        </p:nvSpPr>
+        <p:spPr/>
+        <p:txBody>
+          <a:bodyPr/>
+          <a:lstStyle/>
+          <a:p>
+            <a:fld id="{FE1498A5-A2C9-4E83-AE84-F1882CE23D0F}" type="slidenum">
+              <a:rPr lang="fr-CH" smtClean="0"/>
+              <a:t>‹N°›</a:t>
+            </a:fld>
+            <a:endParaRPr lang="fr-CH"/>
+          </a:p>
+        </p:txBody>
+      </p:sp>
+      <p:sp>
+        <p:nvSpPr>
+          <p:cNvPr id="11" name="TextBox 10"/>
+          <p:cNvSpPr txBox="1"/>
+          <p:nvPr/>
+        </p:nvSpPr>
+        <p:spPr>
+          <a:xfrm>
+            <a:off x="990600" y="884796"/>
+            <a:ext cx="609600" cy="584776"/>
+          </a:xfrm>
+          <a:prstGeom prst="rect">
+            <a:avLst/>
+          </a:prstGeom>
+        </p:spPr>
+        <p:txBody>
+          <a:bodyPr vert="horz" lIns="91440" tIns="45720" rIns="91440" bIns="45720" rtlCol="0" anchor="ctr">
+            <a:noAutofit/>
+          </a:bodyPr>
+          <a:lstStyle>
+            <a:lvl1pPr>
+              <a:spcBef>
+                <a:spcPct val="0"/>
+              </a:spcBef>
+              <a:buNone/>
+              <a:defRPr sz="3200" b="0" cap="all">
+                <a:ln w="3175" cmpd="sng">
+                  <a:noFill/>
+                </a:ln>
+                <a:effectLst>
+                  <a:glow rad="38100">
+                    <a:schemeClr val="bg1">
+                      <a:lumMod val="65000"/>
+                      <a:lumOff val="35000"/>
+                      <a:alpha val="40000"/>
+                    </a:schemeClr>
+                  </a:glow>
+                  <a:outerShdw blurRad="28575" dist="38100" dir="14040000" algn="tl" rotWithShape="0">
+                    <a:srgbClr val="000000">
+                      <a:alpha val="25000"/>
+                    </a:srgbClr>
+                  </a:outerShdw>
+                </a:effectLst>
+              </a:defRPr>
+            </a:lvl1pPr>
+            <a:lvl2pPr>
+              <a:defRPr>
+                <a:solidFill>
+                  <a:schemeClr val="tx2"/>
+                </a:solidFill>
+              </a:defRPr>
+            </a:lvl2pPr>
+            <a:lvl3pPr>
+              <a:defRPr>
+                <a:solidFill>
+                  <a:schemeClr val="tx2"/>
+                </a:solidFill>
+              </a:defRPr>
+            </a:lvl3pPr>
+            <a:lvl4pPr>
+              <a:defRPr>
+                <a:solidFill>
+                  <a:schemeClr val="tx2"/>
+                </a:solidFill>
+              </a:defRPr>
+            </a:lvl4pPr>
+            <a:lvl5pPr>
+              <a:defRPr>
+                <a:solidFill>
+                  <a:schemeClr val="tx2"/>
+                </a:solidFill>
+              </a:defRPr>
+            </a:lvl5pPr>
+            <a:lvl6pPr>
+              <a:defRPr>
+                <a:solidFill>
+                  <a:schemeClr val="tx2"/>
+                </a:solidFill>
+              </a:defRPr>
+            </a:lvl6pPr>
+            <a:lvl7pPr>
+              <a:defRPr>
+                <a:solidFill>
+                  <a:schemeClr val="tx2"/>
+                </a:solidFill>
+              </a:defRPr>
+            </a:lvl7pPr>
+            <a:lvl8pPr>
+              <a:defRPr>
+                <a:solidFill>
+                  <a:schemeClr val="tx2"/>
+                </a:solidFill>
+              </a:defRPr>
+            </a:lvl8pPr>
+            <a:lvl9pPr>
+              <a:defRPr>
+                <a:solidFill>
+                  <a:schemeClr val="tx2"/>
+                </a:solidFill>
+              </a:defRPr>
+            </a:lvl9pPr>
+          </a:lstStyle>
+          <a:p>
+            <a:pPr lvl="0"/>
+            <a:r>
+              <a:rPr lang="en-US" sz="8000" dirty="0">
+                <a:solidFill>
+                  <a:schemeClr val="tx1"/>
+                </a:solidFill>
+                <a:effectLst/>
+              </a:rPr>
+              <a:t>“</a:t>
+            </a:r>
+          </a:p>
+        </p:txBody>
+      </p:sp>
+      <p:sp>
+        <p:nvSpPr>
+          <p:cNvPr id="13" name="TextBox 12"/>
+          <p:cNvSpPr txBox="1"/>
+          <p:nvPr/>
+        </p:nvSpPr>
+        <p:spPr>
+          <a:xfrm>
+            <a:off x="10504716" y="2928258"/>
+            <a:ext cx="609600" cy="584776"/>
+          </a:xfrm>
+          <a:prstGeom prst="rect">
+            <a:avLst/>
+          </a:prstGeom>
+        </p:spPr>
+        <p:txBody>
+          <a:bodyPr vert="horz" lIns="91440" tIns="45720" rIns="91440" bIns="45720" rtlCol="0" anchor="ctr">
+            <a:noAutofit/>
+          </a:bodyPr>
+          <a:lstStyle>
+            <a:lvl1pPr>
+              <a:spcBef>
+                <a:spcPct val="0"/>
+              </a:spcBef>
+              <a:buNone/>
+              <a:defRPr sz="3200" b="0" cap="all">
+                <a:ln w="3175" cmpd="sng">
+                  <a:noFill/>
+                </a:ln>
+                <a:effectLst>
+                  <a:glow rad="38100">
+                    <a:schemeClr val="bg1">
+                      <a:lumMod val="65000"/>
+                      <a:lumOff val="35000"/>
+                      <a:alpha val="40000"/>
+                    </a:schemeClr>
+                  </a:glow>
+                  <a:outerShdw blurRad="28575" dist="38100" dir="14040000" algn="tl" rotWithShape="0">
+                    <a:srgbClr val="000000">
+                      <a:alpha val="25000"/>
+                    </a:srgbClr>
+                  </a:outerShdw>
+                </a:effectLst>
+              </a:defRPr>
+            </a:lvl1pPr>
+            <a:lvl2pPr>
+              <a:defRPr>
+                <a:solidFill>
+                  <a:schemeClr val="tx2"/>
+                </a:solidFill>
+              </a:defRPr>
+            </a:lvl2pPr>
+            <a:lvl3pPr>
+              <a:defRPr>
+                <a:solidFill>
+                  <a:schemeClr val="tx2"/>
+                </a:solidFill>
+              </a:defRPr>
+            </a:lvl3pPr>
+            <a:lvl4pPr>
+              <a:defRPr>
+                <a:solidFill>
+                  <a:schemeClr val="tx2"/>
+                </a:solidFill>
+              </a:defRPr>
+            </a:lvl4pPr>
+            <a:lvl5pPr>
+              <a:defRPr>
+                <a:solidFill>
+                  <a:schemeClr val="tx2"/>
+                </a:solidFill>
+              </a:defRPr>
+            </a:lvl5pPr>
+            <a:lvl6pPr>
+              <a:defRPr>
+                <a:solidFill>
+                  <a:schemeClr val="tx2"/>
+                </a:solidFill>
+              </a:defRPr>
+            </a:lvl6pPr>
+            <a:lvl7pPr>
+              <a:defRPr>
+                <a:solidFill>
+                  <a:schemeClr val="tx2"/>
+                </a:solidFill>
+              </a:defRPr>
+            </a:lvl7pPr>
+            <a:lvl8pPr>
+              <a:defRPr>
+                <a:solidFill>
+                  <a:schemeClr val="tx2"/>
+                </a:solidFill>
+              </a:defRPr>
+            </a:lvl8pPr>
+            <a:lvl9pPr>
+              <a:defRPr>
+                <a:solidFill>
+                  <a:schemeClr val="tx2"/>
+                </a:solidFill>
+              </a:defRPr>
+            </a:lvl9pPr>
+          </a:lstStyle>
+          <a:p>
+            <a:pPr lvl="0" algn="r"/>
+            <a:r>
+              <a:rPr lang="en-US" sz="8000" dirty="0">
+                <a:solidFill>
+                  <a:schemeClr val="tx1"/>
+                </a:solidFill>
+                <a:effectLst/>
+              </a:rPr>
+              <a:t>”</a:t>
+            </a:r>
+          </a:p>
+        </p:txBody>
+      </p:sp>
+    </p:spTree>
+    <p:extLst>
+      <p:ext uri="{BB962C8B-B14F-4D97-AF65-F5344CB8AC3E}">
+        <p14:creationId xmlns:p14="http://schemas.microsoft.com/office/powerpoint/2010/main" val="1952360919"/>
+      </p:ext>
+    </p:extLst>
+  </p:cSld>
+  <p:clrMapOvr>
+    <a:masterClrMapping/>
+  </p:clrMapOvr>
+</p:sldLayout>
+</file>
+
+<file path=ppt/slideLayouts/slideLayout13.xml><?xml version="1.0" encoding="utf-8"?>
+<p:sldLayout xmlns:a="http://schemas.openxmlformats.org/drawingml/2006/main" xmlns:r="http://schemas.openxmlformats.org/officeDocument/2006/relationships" xmlns:p="http://schemas.openxmlformats.org/presentationml/2006/main" preserve="1">
+  <p:cSld name="Carte nom">
+    <p:spTree>
+      <p:nvGrpSpPr>
+        <p:cNvPr id="1" name=""/>
+        <p:cNvGrpSpPr/>
+        <p:nvPr/>
+      </p:nvGrpSpPr>
+      <p:grpSpPr>
+        <a:xfrm>
+          <a:off x="0" y="0"/>
+          <a:ext cx="0" cy="0"/>
+          <a:chOff x="0" y="0"/>
+          <a:chExt cx="0" cy="0"/>
+        </a:xfrm>
+      </p:grpSpPr>
+      <p:sp>
+        <p:nvSpPr>
+          <p:cNvPr id="2" name="Title 1"/>
+          <p:cNvSpPr>
+            <a:spLocks noGrp="1"/>
+          </p:cNvSpPr>
+          <p:nvPr>
+            <p:ph type="title"/>
+          </p:nvPr>
+        </p:nvSpPr>
+        <p:spPr>
+          <a:xfrm>
+            <a:off x="913794" y="2126942"/>
+            <a:ext cx="10353763" cy="2511835"/>
+          </a:xfrm>
+        </p:spPr>
+        <p:txBody>
+          <a:bodyPr anchor="b"/>
+          <a:lstStyle>
+            <a:lvl1pPr>
+              <a:defRPr sz="3200"/>
+            </a:lvl1pPr>
+          </a:lstStyle>
+          <a:p>
+            <a:r>
+              <a:rPr lang="fr-FR" smtClean="0"/>
+              <a:t>Modifiez le style du titre</a:t>
+            </a:r>
+            <a:endParaRPr lang="en-US" dirty="0"/>
+          </a:p>
+        </p:txBody>
+      </p:sp>
+      <p:sp>
+        <p:nvSpPr>
+          <p:cNvPr id="4" name="Text Placeholder 3"/>
+          <p:cNvSpPr>
+            <a:spLocks noGrp="1"/>
+          </p:cNvSpPr>
+          <p:nvPr>
+            <p:ph type="body" sz="half" idx="2"/>
+          </p:nvPr>
+        </p:nvSpPr>
+        <p:spPr>
+          <a:xfrm>
+            <a:off x="913784" y="4650556"/>
+            <a:ext cx="10352199" cy="1140644"/>
+          </a:xfrm>
+        </p:spPr>
+        <p:txBody>
+          <a:bodyPr anchor="t"/>
+          <a:lstStyle>
+            <a:lvl1pPr marL="0" indent="0" algn="ctr">
+              <a:buNone/>
+              <a:defRPr sz="1600"/>
+            </a:lvl1pPr>
+            <a:lvl2pPr marL="457200" indent="0">
+              <a:buNone/>
+              <a:defRPr sz="1400"/>
+            </a:lvl2pPr>
+            <a:lvl3pPr marL="914400" indent="0">
+              <a:buNone/>
+              <a:defRPr sz="1200"/>
+            </a:lvl3pPr>
+            <a:lvl4pPr marL="1371600" indent="0">
+              <a:buNone/>
+              <a:defRPr sz="1000"/>
+            </a:lvl4pPr>
+            <a:lvl5pPr marL="1828800" indent="0">
+              <a:buNone/>
+              <a:defRPr sz="1000"/>
+            </a:lvl5pPr>
+            <a:lvl6pPr marL="2286000" indent="0">
+              <a:buNone/>
+              <a:defRPr sz="1000"/>
+            </a:lvl6pPr>
+            <a:lvl7pPr marL="2743200" indent="0">
+              <a:buNone/>
+              <a:defRPr sz="1000"/>
+            </a:lvl7pPr>
+            <a:lvl8pPr marL="3200400" indent="0">
+              <a:buNone/>
+              <a:defRPr sz="1000"/>
+            </a:lvl8pPr>
+            <a:lvl9pPr marL="3657600" indent="0">
+              <a:buNone/>
+              <a:defRPr sz="1000"/>
+            </a:lvl9pPr>
+          </a:lstStyle>
+          <a:p>
+            <a:pPr lvl="0"/>
+            <a:r>
+              <a:rPr lang="fr-FR" smtClean="0"/>
+              <a:t>Modifier les styles du texte du masque</a:t>
+            </a:r>
+          </a:p>
+        </p:txBody>
+      </p:sp>
+      <p:sp>
+        <p:nvSpPr>
+          <p:cNvPr id="5" name="Date Placeholder 4"/>
+          <p:cNvSpPr>
+            <a:spLocks noGrp="1"/>
+          </p:cNvSpPr>
+          <p:nvPr>
+            <p:ph type="dt" sz="half" idx="10"/>
+          </p:nvPr>
+        </p:nvSpPr>
+        <p:spPr/>
+        <p:txBody>
+          <a:bodyPr/>
+          <a:lstStyle/>
+          <a:p>
+            <a:fld id="{FF38B628-3581-4A00-9B3B-E92F5EBE601F}" type="datetimeFigureOut">
+              <a:rPr lang="fr-CH" smtClean="0"/>
+              <a:t>14.12.2016</a:t>
+            </a:fld>
+            <a:endParaRPr lang="fr-CH"/>
+          </a:p>
+        </p:txBody>
+      </p:sp>
+      <p:sp>
+        <p:nvSpPr>
+          <p:cNvPr id="6" name="Footer Placeholder 5"/>
+          <p:cNvSpPr>
+            <a:spLocks noGrp="1"/>
+          </p:cNvSpPr>
+          <p:nvPr>
+            <p:ph type="ftr" sz="quarter" idx="11"/>
+          </p:nvPr>
+        </p:nvSpPr>
+        <p:spPr/>
+        <p:txBody>
+          <a:bodyPr/>
+          <a:lstStyle/>
+          <a:p>
+            <a:endParaRPr lang="fr-CH"/>
+          </a:p>
+        </p:txBody>
+      </p:sp>
+      <p:sp>
+        <p:nvSpPr>
+          <p:cNvPr id="7" name="Slide Number Placeholder 6"/>
+          <p:cNvSpPr>
+            <a:spLocks noGrp="1"/>
+          </p:cNvSpPr>
+          <p:nvPr>
+            <p:ph type="sldNum" sz="quarter" idx="12"/>
+          </p:nvPr>
+        </p:nvSpPr>
+        <p:spPr/>
+        <p:txBody>
+          <a:bodyPr/>
+          <a:lstStyle/>
+          <a:p>
+            <a:fld id="{FE1498A5-A2C9-4E83-AE84-F1882CE23D0F}" type="slidenum">
+              <a:rPr lang="fr-CH" smtClean="0"/>
+              <a:t>‹N°›</a:t>
+            </a:fld>
+            <a:endParaRPr lang="fr-CH"/>
+          </a:p>
+        </p:txBody>
+      </p:sp>
+    </p:spTree>
+    <p:extLst>
+      <p:ext uri="{BB962C8B-B14F-4D97-AF65-F5344CB8AC3E}">
+        <p14:creationId xmlns:p14="http://schemas.microsoft.com/office/powerpoint/2010/main" val="2584977478"/>
+      </p:ext>
+    </p:extLst>
+  </p:cSld>
+  <p:clrMapOvr>
+    <a:masterClrMapping/>
+  </p:clrMapOvr>
+</p:sldLayout>
+</file>
+
+<file path=ppt/slideLayouts/slideLayout14.xml><?xml version="1.0" encoding="utf-8"?>
+<p:sldLayout xmlns:a="http://schemas.openxmlformats.org/drawingml/2006/main" xmlns:r="http://schemas.openxmlformats.org/officeDocument/2006/relationships" xmlns:p="http://schemas.openxmlformats.org/presentationml/2006/main" preserve="1">
+  <p:cSld name="3 colonnes">
+    <p:spTree>
+      <p:nvGrpSpPr>
+        <p:cNvPr id="1" name=""/>
+        <p:cNvGrpSpPr/>
+        <p:nvPr/>
+      </p:nvGrpSpPr>
+      <p:grpSpPr>
+        <a:xfrm>
+          <a:off x="0" y="0"/>
+          <a:ext cx="0" cy="0"/>
+          <a:chOff x="0" y="0"/>
+          <a:chExt cx="0" cy="0"/>
+        </a:xfrm>
+      </p:grpSpPr>
+      <p:sp>
+        <p:nvSpPr>
+          <p:cNvPr id="15" name="Title 1"/>
+          <p:cNvSpPr>
+            <a:spLocks noGrp="1"/>
+          </p:cNvSpPr>
+          <p:nvPr>
+            <p:ph type="title"/>
+          </p:nvPr>
+        </p:nvSpPr>
+        <p:spPr>
+          <a:xfrm>
+            <a:off x="913795" y="609600"/>
+            <a:ext cx="10353762" cy="970450"/>
+          </a:xfrm>
+        </p:spPr>
+        <p:txBody>
+          <a:bodyPr/>
+          <a:lstStyle/>
+          <a:p>
+            <a:r>
+              <a:rPr lang="fr-FR" smtClean="0"/>
+              <a:t>Modifiez le style du titre</a:t>
+            </a:r>
+            <a:endParaRPr lang="en-US" dirty="0"/>
+          </a:p>
+        </p:txBody>
+      </p:sp>
+      <p:sp>
+        <p:nvSpPr>
+          <p:cNvPr id="7" name="Text Placeholder 2"/>
+          <p:cNvSpPr>
+            <a:spLocks noGrp="1"/>
+          </p:cNvSpPr>
+          <p:nvPr>
+            <p:ph type="body" idx="1"/>
+          </p:nvPr>
+        </p:nvSpPr>
+        <p:spPr>
+          <a:xfrm>
+            <a:off x="913795" y="1885950"/>
+            <a:ext cx="3300984" cy="576262"/>
+          </a:xfrm>
+        </p:spPr>
+        <p:txBody>
+          <a:bodyPr anchor="b">
+            <a:noAutofit/>
+          </a:bodyPr>
+          <a:lstStyle>
+            <a:lvl1pPr marL="0" indent="0" algn="ctr">
+              <a:buNone/>
+              <a:defRPr sz="2400" b="0">
+                <a:solidFill>
+                  <a:schemeClr val="tx1"/>
+                </a:solidFill>
+              </a:defRPr>
+            </a:lvl1pPr>
+            <a:lvl2pPr marL="457200" indent="0">
+              <a:buNone/>
+              <a:defRPr sz="2000" b="1"/>
+            </a:lvl2pPr>
+            <a:lvl3pPr marL="914400" indent="0">
+              <a:buNone/>
+              <a:defRPr sz="1800" b="1"/>
+            </a:lvl3pPr>
+            <a:lvl4pPr marL="1371600" indent="0">
+              <a:buNone/>
+              <a:defRPr sz="1600" b="1"/>
+            </a:lvl4pPr>
+            <a:lvl5pPr marL="1828800" indent="0">
+              <a:buNone/>
+              <a:defRPr sz="1600" b="1"/>
+            </a:lvl5pPr>
+            <a:lvl6pPr marL="2286000" indent="0">
+              <a:buNone/>
+              <a:defRPr sz="1600" b="1"/>
+            </a:lvl6pPr>
+            <a:lvl7pPr marL="2743200" indent="0">
+              <a:buNone/>
+              <a:defRPr sz="1600" b="1"/>
+            </a:lvl7pPr>
+            <a:lvl8pPr marL="3200400" indent="0">
+              <a:buNone/>
+              <a:defRPr sz="1600" b="1"/>
+            </a:lvl8pPr>
+            <a:lvl9pPr marL="3657600" indent="0">
+              <a:buNone/>
+              <a:defRPr sz="1600" b="1"/>
+            </a:lvl9pPr>
+          </a:lstStyle>
+          <a:p>
+            <a:pPr lvl="0"/>
+            <a:r>
+              <a:rPr lang="fr-FR" smtClean="0"/>
+              <a:t>Modifier les styles du texte du masque</a:t>
+            </a:r>
+          </a:p>
+        </p:txBody>
+      </p:sp>
+      <p:sp>
+        <p:nvSpPr>
+          <p:cNvPr id="8" name="Text Placeholder 3"/>
+          <p:cNvSpPr>
+            <a:spLocks noGrp="1"/>
+          </p:cNvSpPr>
+          <p:nvPr>
+            <p:ph type="body" sz="half" idx="15"/>
+          </p:nvPr>
+        </p:nvSpPr>
+        <p:spPr>
+          <a:xfrm>
+            <a:off x="913795" y="2571750"/>
+            <a:ext cx="3300984" cy="3219450"/>
+          </a:xfrm>
+        </p:spPr>
+        <p:txBody>
+          <a:bodyPr anchor="t">
+            <a:normAutofit/>
+          </a:bodyPr>
+          <a:lstStyle>
+            <a:lvl1pPr marL="0" indent="0" algn="ctr">
+              <a:buNone/>
+              <a:defRPr sz="1400"/>
+            </a:lvl1pPr>
+            <a:lvl2pPr marL="457200" indent="0">
+              <a:buNone/>
+              <a:defRPr sz="1200"/>
+            </a:lvl2pPr>
+            <a:lvl3pPr marL="914400" indent="0">
+              <a:buNone/>
+              <a:defRPr sz="1000"/>
+            </a:lvl3pPr>
+            <a:lvl4pPr marL="1371600" indent="0">
+              <a:buNone/>
+              <a:defRPr sz="900"/>
+            </a:lvl4pPr>
+            <a:lvl5pPr marL="1828800" indent="0">
+              <a:buNone/>
+              <a:defRPr sz="900"/>
+            </a:lvl5pPr>
+            <a:lvl6pPr marL="2286000" indent="0">
+              <a:buNone/>
+              <a:defRPr sz="900"/>
+            </a:lvl6pPr>
+            <a:lvl7pPr marL="2743200" indent="0">
+              <a:buNone/>
+              <a:defRPr sz="900"/>
+            </a:lvl7pPr>
+            <a:lvl8pPr marL="3200400" indent="0">
+              <a:buNone/>
+              <a:defRPr sz="900"/>
+            </a:lvl8pPr>
+            <a:lvl9pPr marL="3657600" indent="0">
+              <a:buNone/>
+              <a:defRPr sz="900"/>
+            </a:lvl9pPr>
+          </a:lstStyle>
+          <a:p>
+            <a:pPr lvl="0"/>
+            <a:r>
+              <a:rPr lang="fr-FR" smtClean="0"/>
+              <a:t>Modifier les styles du texte du masque</a:t>
+            </a:r>
+          </a:p>
+        </p:txBody>
+      </p:sp>
+      <p:sp>
+        <p:nvSpPr>
+          <p:cNvPr id="9" name="Text Placeholder 4"/>
+          <p:cNvSpPr>
+            <a:spLocks noGrp="1"/>
+          </p:cNvSpPr>
+          <p:nvPr>
+            <p:ph type="body" sz="quarter" idx="3"/>
+          </p:nvPr>
+        </p:nvSpPr>
+        <p:spPr>
+          <a:xfrm>
+            <a:off x="4446711" y="1885950"/>
+            <a:ext cx="3300984" cy="576262"/>
+          </a:xfrm>
+        </p:spPr>
+        <p:txBody>
+          <a:bodyPr anchor="b">
+            <a:noAutofit/>
+          </a:bodyPr>
+          <a:lstStyle>
+            <a:lvl1pPr marL="0" indent="0" algn="ctr">
+              <a:buNone/>
+              <a:defRPr sz="2400" b="0">
+                <a:solidFill>
+                  <a:schemeClr val="tx1"/>
+                </a:solidFill>
+              </a:defRPr>
+            </a:lvl1pPr>
+            <a:lvl2pPr marL="457200" indent="0">
+              <a:buNone/>
+              <a:defRPr sz="2000" b="1"/>
+            </a:lvl2pPr>
+            <a:lvl3pPr marL="914400" indent="0">
+              <a:buNone/>
+              <a:defRPr sz="1800" b="1"/>
+            </a:lvl3pPr>
+            <a:lvl4pPr marL="1371600" indent="0">
+              <a:buNone/>
+              <a:defRPr sz="1600" b="1"/>
+            </a:lvl4pPr>
+            <a:lvl5pPr marL="1828800" indent="0">
+              <a:buNone/>
+              <a:defRPr sz="1600" b="1"/>
+            </a:lvl5pPr>
+            <a:lvl6pPr marL="2286000" indent="0">
+              <a:buNone/>
+              <a:defRPr sz="1600" b="1"/>
+            </a:lvl6pPr>
+            <a:lvl7pPr marL="2743200" indent="0">
+              <a:buNone/>
+              <a:defRPr sz="1600" b="1"/>
+            </a:lvl7pPr>
+            <a:lvl8pPr marL="3200400" indent="0">
+              <a:buNone/>
+              <a:defRPr sz="1600" b="1"/>
+            </a:lvl8pPr>
+            <a:lvl9pPr marL="3657600" indent="0">
+              <a:buNone/>
+              <a:defRPr sz="1600" b="1"/>
+            </a:lvl9pPr>
+          </a:lstStyle>
+          <a:p>
+            <a:pPr lvl="0"/>
+            <a:r>
+              <a:rPr lang="fr-FR" smtClean="0"/>
+              <a:t>Modifier les styles du texte du masque</a:t>
+            </a:r>
+          </a:p>
+        </p:txBody>
+      </p:sp>
+      <p:sp>
+        <p:nvSpPr>
+          <p:cNvPr id="10" name="Text Placeholder 3"/>
+          <p:cNvSpPr>
+            <a:spLocks noGrp="1"/>
+          </p:cNvSpPr>
+          <p:nvPr>
+            <p:ph type="body" sz="half" idx="16"/>
+          </p:nvPr>
+        </p:nvSpPr>
+        <p:spPr>
+          <a:xfrm>
+            <a:off x="4441435" y="2571750"/>
+            <a:ext cx="3300984" cy="3219450"/>
+          </a:xfrm>
+        </p:spPr>
+        <p:txBody>
+          <a:bodyPr anchor="t">
+            <a:normAutofit/>
+          </a:bodyPr>
+          <a:lstStyle>
+            <a:lvl1pPr marL="0" indent="0" algn="ctr">
+              <a:buNone/>
+              <a:defRPr sz="1400"/>
+            </a:lvl1pPr>
+            <a:lvl2pPr marL="457200" indent="0">
+              <a:buNone/>
+              <a:defRPr sz="1200"/>
+            </a:lvl2pPr>
+            <a:lvl3pPr marL="914400" indent="0">
+              <a:buNone/>
+              <a:defRPr sz="1000"/>
+            </a:lvl3pPr>
+            <a:lvl4pPr marL="1371600" indent="0">
+              <a:buNone/>
+              <a:defRPr sz="900"/>
+            </a:lvl4pPr>
+            <a:lvl5pPr marL="1828800" indent="0">
+              <a:buNone/>
+              <a:defRPr sz="900"/>
+            </a:lvl5pPr>
+            <a:lvl6pPr marL="2286000" indent="0">
+              <a:buNone/>
+              <a:defRPr sz="900"/>
+            </a:lvl6pPr>
+            <a:lvl7pPr marL="2743200" indent="0">
+              <a:buNone/>
+              <a:defRPr sz="900"/>
+            </a:lvl7pPr>
+            <a:lvl8pPr marL="3200400" indent="0">
+              <a:buNone/>
+              <a:defRPr sz="900"/>
+            </a:lvl8pPr>
+            <a:lvl9pPr marL="3657600" indent="0">
+              <a:buNone/>
+              <a:defRPr sz="900"/>
+            </a:lvl9pPr>
+          </a:lstStyle>
+          <a:p>
+            <a:pPr lvl="0"/>
+            <a:r>
+              <a:rPr lang="fr-FR" smtClean="0"/>
+              <a:t>Modifier les styles du texte du masque</a:t>
+            </a:r>
+          </a:p>
+        </p:txBody>
+      </p:sp>
+      <p:sp>
+        <p:nvSpPr>
+          <p:cNvPr id="11" name="Text Placeholder 4"/>
+          <p:cNvSpPr>
+            <a:spLocks noGrp="1"/>
+          </p:cNvSpPr>
+          <p:nvPr>
+            <p:ph type="body" sz="quarter" idx="13"/>
+          </p:nvPr>
+        </p:nvSpPr>
+        <p:spPr>
+          <a:xfrm>
+            <a:off x="7966572" y="1885950"/>
+            <a:ext cx="3300984" cy="576262"/>
+          </a:xfrm>
+        </p:spPr>
+        <p:txBody>
+          <a:bodyPr anchor="b">
+            <a:noAutofit/>
+          </a:bodyPr>
+          <a:lstStyle>
+            <a:lvl1pPr marL="0" indent="0" algn="ctr">
+              <a:buNone/>
+              <a:defRPr sz="2400" b="0">
+                <a:solidFill>
+                  <a:schemeClr val="tx1"/>
+                </a:solidFill>
+              </a:defRPr>
+            </a:lvl1pPr>
+            <a:lvl2pPr marL="457200" indent="0">
+              <a:buNone/>
+              <a:defRPr sz="2000" b="1"/>
+            </a:lvl2pPr>
+            <a:lvl3pPr marL="914400" indent="0">
+              <a:buNone/>
+              <a:defRPr sz="1800" b="1"/>
+            </a:lvl3pPr>
+            <a:lvl4pPr marL="1371600" indent="0">
+              <a:buNone/>
+              <a:defRPr sz="1600" b="1"/>
+            </a:lvl4pPr>
+            <a:lvl5pPr marL="1828800" indent="0">
+              <a:buNone/>
+              <a:defRPr sz="1600" b="1"/>
+            </a:lvl5pPr>
+            <a:lvl6pPr marL="2286000" indent="0">
+              <a:buNone/>
+              <a:defRPr sz="1600" b="1"/>
+            </a:lvl6pPr>
+            <a:lvl7pPr marL="2743200" indent="0">
+              <a:buNone/>
+              <a:defRPr sz="1600" b="1"/>
+            </a:lvl7pPr>
+            <a:lvl8pPr marL="3200400" indent="0">
+              <a:buNone/>
+              <a:defRPr sz="1600" b="1"/>
+            </a:lvl8pPr>
+            <a:lvl9pPr marL="3657600" indent="0">
+              <a:buNone/>
+              <a:defRPr sz="1600" b="1"/>
+            </a:lvl9pPr>
+          </a:lstStyle>
+          <a:p>
+            <a:pPr lvl="0"/>
+            <a:r>
+              <a:rPr lang="fr-FR" smtClean="0"/>
+              <a:t>Modifier les styles du texte du masque</a:t>
+            </a:r>
+          </a:p>
+        </p:txBody>
+      </p:sp>
+      <p:sp>
+        <p:nvSpPr>
+          <p:cNvPr id="12" name="Text Placeholder 3"/>
+          <p:cNvSpPr>
+            <a:spLocks noGrp="1"/>
+          </p:cNvSpPr>
+          <p:nvPr>
+            <p:ph type="body" sz="half" idx="17"/>
+          </p:nvPr>
+        </p:nvSpPr>
+        <p:spPr>
+          <a:xfrm>
+            <a:off x="7966572" y="2571750"/>
+            <a:ext cx="3300984" cy="3219450"/>
+          </a:xfrm>
+        </p:spPr>
+        <p:txBody>
+          <a:bodyPr anchor="t">
+            <a:normAutofit/>
+          </a:bodyPr>
+          <a:lstStyle>
+            <a:lvl1pPr marL="0" indent="0" algn="ctr">
+              <a:buNone/>
+              <a:defRPr sz="1400"/>
+            </a:lvl1pPr>
+            <a:lvl2pPr marL="457200" indent="0">
+              <a:buNone/>
+              <a:defRPr sz="1200"/>
+            </a:lvl2pPr>
+            <a:lvl3pPr marL="914400" indent="0">
+              <a:buNone/>
+              <a:defRPr sz="1000"/>
+            </a:lvl3pPr>
+            <a:lvl4pPr marL="1371600" indent="0">
+              <a:buNone/>
+              <a:defRPr sz="900"/>
+            </a:lvl4pPr>
+            <a:lvl5pPr marL="1828800" indent="0">
+              <a:buNone/>
+              <a:defRPr sz="900"/>
+            </a:lvl5pPr>
+            <a:lvl6pPr marL="2286000" indent="0">
+              <a:buNone/>
+              <a:defRPr sz="900"/>
+            </a:lvl6pPr>
+            <a:lvl7pPr marL="2743200" indent="0">
+              <a:buNone/>
+              <a:defRPr sz="900"/>
+            </a:lvl7pPr>
+            <a:lvl8pPr marL="3200400" indent="0">
+              <a:buNone/>
+              <a:defRPr sz="900"/>
+            </a:lvl8pPr>
+            <a:lvl9pPr marL="3657600" indent="0">
+              <a:buNone/>
+              <a:defRPr sz="900"/>
+            </a:lvl9pPr>
+          </a:lstStyle>
+          <a:p>
+            <a:pPr lvl="0"/>
+            <a:r>
+              <a:rPr lang="fr-FR" smtClean="0"/>
+              <a:t>Modifier les styles du texte du masque</a:t>
+            </a:r>
+          </a:p>
+        </p:txBody>
+      </p:sp>
+      <p:sp>
+        <p:nvSpPr>
+          <p:cNvPr id="3" name="Date Placeholder 2"/>
+          <p:cNvSpPr>
+            <a:spLocks noGrp="1"/>
+          </p:cNvSpPr>
+          <p:nvPr>
+            <p:ph type="dt" sz="half" idx="10"/>
+          </p:nvPr>
+        </p:nvSpPr>
+        <p:spPr/>
+        <p:txBody>
+          <a:bodyPr/>
+          <a:lstStyle/>
+          <a:p>
+            <a:fld id="{FF38B628-3581-4A00-9B3B-E92F5EBE601F}" type="datetimeFigureOut">
+              <a:rPr lang="fr-CH" smtClean="0"/>
+              <a:t>14.12.2016</a:t>
+            </a:fld>
+            <a:endParaRPr lang="fr-CH"/>
+          </a:p>
+        </p:txBody>
+      </p:sp>
+      <p:sp>
+        <p:nvSpPr>
+          <p:cNvPr id="4" name="Footer Placeholder 3"/>
+          <p:cNvSpPr>
+            <a:spLocks noGrp="1"/>
+          </p:cNvSpPr>
+          <p:nvPr>
+            <p:ph type="ftr" sz="quarter" idx="11"/>
+          </p:nvPr>
+        </p:nvSpPr>
+        <p:spPr/>
+        <p:txBody>
+          <a:bodyPr/>
+          <a:lstStyle/>
+          <a:p>
+            <a:endParaRPr lang="fr-CH"/>
+          </a:p>
+        </p:txBody>
+      </p:sp>
+      <p:sp>
+        <p:nvSpPr>
+          <p:cNvPr id="5" name="Slide Number Placeholder 4"/>
+          <p:cNvSpPr>
+            <a:spLocks noGrp="1"/>
+          </p:cNvSpPr>
+          <p:nvPr>
+            <p:ph type="sldNum" sz="quarter" idx="12"/>
+          </p:nvPr>
+        </p:nvSpPr>
+        <p:spPr/>
+        <p:txBody>
+          <a:bodyPr/>
+          <a:lstStyle/>
+          <a:p>
+            <a:fld id="{FE1498A5-A2C9-4E83-AE84-F1882CE23D0F}" type="slidenum">
+              <a:rPr lang="fr-CH" smtClean="0"/>
+              <a:t>‹N°›</a:t>
+            </a:fld>
+            <a:endParaRPr lang="fr-CH"/>
+          </a:p>
+        </p:txBody>
+      </p:sp>
+    </p:spTree>
+    <p:extLst>
+      <p:ext uri="{BB962C8B-B14F-4D97-AF65-F5344CB8AC3E}">
+        <p14:creationId xmlns:p14="http://schemas.microsoft.com/office/powerpoint/2010/main" val="3344198183"/>
+      </p:ext>
+    </p:extLst>
+  </p:cSld>
+  <p:clrMapOvr>
+    <a:masterClrMapping/>
+  </p:clrMapOvr>
+</p:sldLayout>
+</file>
+
+<file path=ppt/slideLayouts/slideLayout15.xml><?xml version="1.0" encoding="utf-8"?>
+<p:sldLayout xmlns:a="http://schemas.openxmlformats.org/drawingml/2006/main" xmlns:r="http://schemas.openxmlformats.org/officeDocument/2006/relationships" xmlns:p="http://schemas.openxmlformats.org/presentationml/2006/main" preserve="1">
+  <p:cSld name="3 colonnes d’image">
+    <p:spTree>
+      <p:nvGrpSpPr>
+        <p:cNvPr id="1" name=""/>
+        <p:cNvGrpSpPr/>
+        <p:nvPr/>
+      </p:nvGrpSpPr>
+      <p:grpSpPr>
+        <a:xfrm>
+          <a:off x="0" y="0"/>
+          <a:ext cx="0" cy="0"/>
+          <a:chOff x="0" y="0"/>
+          <a:chExt cx="0" cy="0"/>
+        </a:xfrm>
+      </p:grpSpPr>
+      <p:pic>
+        <p:nvPicPr>
+          <p:cNvPr id="2" name="Picture 1" descr="Slate-V2-HD-3colPhotoInset.png"/>
+          <p:cNvPicPr>
+            <a:picLocks noChangeAspect="1"/>
+          </p:cNvPicPr>
+          <p:nvPr/>
+        </p:nvPicPr>
+        <p:blipFill>
+          <a:blip r:embed="rId2">
+            <a:extLst>
+              <a:ext uri="{28A0092B-C50C-407E-A947-70E740481C1C}">
+                <a14:useLocalDpi xmlns:a14="http://schemas.microsoft.com/office/drawing/2010/main" val="0"/>
+              </a:ext>
+            </a:extLst>
+          </a:blip>
+          <a:stretch>
+            <a:fillRect/>
+          </a:stretch>
+        </p:blipFill>
+        <p:spPr>
+          <a:xfrm>
+            <a:off x="897962" y="1818214"/>
+            <a:ext cx="3339972" cy="1847851"/>
+          </a:xfrm>
+          <a:prstGeom prst="rect">
+            <a:avLst/>
+          </a:prstGeom>
+        </p:spPr>
+      </p:pic>
+      <p:pic>
+        <p:nvPicPr>
+          <p:cNvPr id="36" name="Picture 35" descr="Slate-V2-HD-3colPhotoInset.png"/>
+          <p:cNvPicPr>
+            <a:picLocks noChangeAspect="1"/>
+          </p:cNvPicPr>
+          <p:nvPr/>
+        </p:nvPicPr>
+        <p:blipFill>
+          <a:blip r:embed="rId2">
+            <a:extLst>
+              <a:ext uri="{28A0092B-C50C-407E-A947-70E740481C1C}">
+                <a14:useLocalDpi xmlns:a14="http://schemas.microsoft.com/office/drawing/2010/main" val="0"/>
+              </a:ext>
+            </a:extLst>
+          </a:blip>
+          <a:stretch>
+            <a:fillRect/>
+          </a:stretch>
+        </p:blipFill>
+        <p:spPr>
+          <a:xfrm>
+            <a:off x="4403800" y="1818214"/>
+            <a:ext cx="3339972" cy="1847851"/>
+          </a:xfrm>
+          <a:prstGeom prst="rect">
+            <a:avLst/>
+          </a:prstGeom>
+        </p:spPr>
+      </p:pic>
+      <p:pic>
+        <p:nvPicPr>
+          <p:cNvPr id="37" name="Picture 36" descr="Slate-V2-HD-3colPhotoInset.png"/>
+          <p:cNvPicPr>
+            <a:picLocks noChangeAspect="1"/>
+          </p:cNvPicPr>
+          <p:nvPr/>
+        </p:nvPicPr>
+        <p:blipFill>
+          <a:blip r:embed="rId2">
+            <a:extLst>
+              <a:ext uri="{28A0092B-C50C-407E-A947-70E740481C1C}">
+                <a14:useLocalDpi xmlns:a14="http://schemas.microsoft.com/office/drawing/2010/main" val="0"/>
+              </a:ext>
+            </a:extLst>
+          </a:blip>
+          <a:stretch>
+            <a:fillRect/>
+          </a:stretch>
+        </p:blipFill>
+        <p:spPr>
+          <a:xfrm>
+            <a:off x="7936051" y="1818214"/>
+            <a:ext cx="3339972" cy="1847851"/>
+          </a:xfrm>
+          <a:prstGeom prst="rect">
+            <a:avLst/>
+          </a:prstGeom>
+        </p:spPr>
+      </p:pic>
+      <p:sp>
+        <p:nvSpPr>
+          <p:cNvPr id="30" name="Title 1"/>
+          <p:cNvSpPr>
+            <a:spLocks noGrp="1"/>
+          </p:cNvSpPr>
+          <p:nvPr>
+            <p:ph type="title"/>
+          </p:nvPr>
+        </p:nvSpPr>
+        <p:spPr>
+          <a:xfrm>
+            <a:off x="913794" y="609600"/>
+            <a:ext cx="10353763" cy="970450"/>
+          </a:xfrm>
+        </p:spPr>
+        <p:txBody>
+          <a:bodyPr/>
+          <a:lstStyle/>
+          <a:p>
+            <a:r>
+              <a:rPr lang="fr-FR" smtClean="0"/>
+              <a:t>Modifiez le style du titre</a:t>
+            </a:r>
+            <a:endParaRPr lang="en-US" dirty="0"/>
+          </a:p>
+        </p:txBody>
+      </p:sp>
+      <p:sp>
+        <p:nvSpPr>
+          <p:cNvPr id="19" name="Text Placeholder 2"/>
+          <p:cNvSpPr>
+            <a:spLocks noGrp="1"/>
+          </p:cNvSpPr>
+          <p:nvPr>
+            <p:ph type="body" idx="1"/>
+          </p:nvPr>
+        </p:nvSpPr>
+        <p:spPr>
+          <a:xfrm>
+            <a:off x="913795" y="3904106"/>
+            <a:ext cx="3300984" cy="576262"/>
+          </a:xfrm>
+        </p:spPr>
+        <p:txBody>
+          <a:bodyPr anchor="b">
+            <a:noAutofit/>
+          </a:bodyPr>
+          <a:lstStyle>
+            <a:lvl1pPr marL="0" indent="0" algn="ctr">
+              <a:buNone/>
+              <a:defRPr sz="2000" b="0">
+                <a:solidFill>
+                  <a:schemeClr val="tx1"/>
+                </a:solidFill>
+              </a:defRPr>
+            </a:lvl1pPr>
+            <a:lvl2pPr marL="457200" indent="0">
+              <a:buNone/>
+              <a:defRPr sz="2000" b="1"/>
+            </a:lvl2pPr>
+            <a:lvl3pPr marL="914400" indent="0">
+              <a:buNone/>
+              <a:defRPr sz="1800" b="1"/>
+            </a:lvl3pPr>
+            <a:lvl4pPr marL="1371600" indent="0">
+              <a:buNone/>
+              <a:defRPr sz="1600" b="1"/>
+            </a:lvl4pPr>
+            <a:lvl5pPr marL="1828800" indent="0">
+              <a:buNone/>
+              <a:defRPr sz="1600" b="1"/>
+            </a:lvl5pPr>
+            <a:lvl6pPr marL="2286000" indent="0">
+              <a:buNone/>
+              <a:defRPr sz="1600" b="1"/>
+            </a:lvl6pPr>
+            <a:lvl7pPr marL="2743200" indent="0">
+              <a:buNone/>
+              <a:defRPr sz="1600" b="1"/>
+            </a:lvl7pPr>
+            <a:lvl8pPr marL="3200400" indent="0">
+              <a:buNone/>
+              <a:defRPr sz="1600" b="1"/>
+            </a:lvl8pPr>
+            <a:lvl9pPr marL="3657600" indent="0">
+              <a:buNone/>
+              <a:defRPr sz="1600" b="1"/>
+            </a:lvl9pPr>
+          </a:lstStyle>
+          <a:p>
+            <a:pPr lvl="0"/>
+            <a:r>
+              <a:rPr lang="fr-FR" smtClean="0"/>
+              <a:t>Modifier les styles du texte du masque</a:t>
+            </a:r>
+          </a:p>
+        </p:txBody>
+      </p:sp>
+      <p:sp>
+        <p:nvSpPr>
+          <p:cNvPr id="20" name="Picture Placeholder 2"/>
+          <p:cNvSpPr>
+            <a:spLocks noGrp="1" noChangeAspect="1"/>
+          </p:cNvSpPr>
+          <p:nvPr>
+            <p:ph type="pic" idx="15"/>
+          </p:nvPr>
+        </p:nvSpPr>
+        <p:spPr>
+          <a:xfrm>
+            <a:off x="1018102" y="1938918"/>
+            <a:ext cx="3092368" cy="1602954"/>
+          </a:xfrm>
+          <a:prstGeom prst="roundRect">
+            <a:avLst>
+              <a:gd name="adj" fmla="val 1858"/>
+            </a:avLst>
+          </a:prstGeom>
+          <a:effectLst>
+            <a:outerShdw blurRad="38100" dist="25400" dir="4440000">
+              <a:srgbClr val="000000">
+                <a:alpha val="36000"/>
+              </a:srgbClr>
+            </a:outerShdw>
+          </a:effectLst>
+        </p:spPr>
+        <p:txBody>
+          <a:bodyPr anchor="t">
+            <a:normAutofit/>
+          </a:bodyPr>
+          <a:lstStyle>
+            <a:lvl1pPr marL="0" indent="0" algn="ctr">
+              <a:buNone/>
+              <a:defRPr sz="1600"/>
+            </a:lvl1pPr>
+            <a:lvl2pPr marL="457200" indent="0">
+              <a:buNone/>
+              <a:defRPr sz="1600"/>
+            </a:lvl2pPr>
+            <a:lvl3pPr marL="914400" indent="0">
+              <a:buNone/>
+              <a:defRPr sz="1600"/>
+            </a:lvl3pPr>
+            <a:lvl4pPr marL="1371600" indent="0">
+              <a:buNone/>
+              <a:defRPr sz="1600"/>
+            </a:lvl4pPr>
+            <a:lvl5pPr marL="1828800" indent="0">
+              <a:buNone/>
+              <a:defRPr sz="1600"/>
+            </a:lvl5pPr>
+            <a:lvl6pPr marL="2286000" indent="0">
+              <a:buNone/>
+              <a:defRPr sz="1600"/>
+            </a:lvl6pPr>
+            <a:lvl7pPr marL="2743200" indent="0">
+              <a:buNone/>
+              <a:defRPr sz="1600"/>
+            </a:lvl7pPr>
+            <a:lvl8pPr marL="3200400" indent="0">
+              <a:buNone/>
+              <a:defRPr sz="1600"/>
+            </a:lvl8pPr>
+            <a:lvl9pPr marL="3657600" indent="0">
+              <a:buNone/>
+              <a:defRPr sz="1600"/>
+            </a:lvl9pPr>
+          </a:lstStyle>
+          <a:p>
+            <a:r>
+              <a:rPr lang="fr-FR" smtClean="0"/>
+              <a:t>Cliquez sur l'icône pour ajouter une image</a:t>
+            </a:r>
+            <a:endParaRPr lang="en-US" dirty="0"/>
+          </a:p>
+        </p:txBody>
+      </p:sp>
+      <p:sp>
+        <p:nvSpPr>
+          <p:cNvPr id="21" name="Text Placeholder 3"/>
+          <p:cNvSpPr>
+            <a:spLocks noGrp="1"/>
+          </p:cNvSpPr>
+          <p:nvPr>
+            <p:ph type="body" sz="half" idx="18"/>
+          </p:nvPr>
+        </p:nvSpPr>
+        <p:spPr>
+          <a:xfrm>
+            <a:off x="913795" y="4480368"/>
+            <a:ext cx="3300984" cy="1310833"/>
+          </a:xfrm>
+        </p:spPr>
+        <p:txBody>
+          <a:bodyPr anchor="t">
+            <a:normAutofit/>
+          </a:bodyPr>
+          <a:lstStyle>
+            <a:lvl1pPr marL="0" indent="0" algn="ctr">
+              <a:buNone/>
+              <a:defRPr sz="1400"/>
+            </a:lvl1pPr>
+            <a:lvl2pPr marL="457200" indent="0">
+              <a:buNone/>
+              <a:defRPr sz="1200"/>
+            </a:lvl2pPr>
+            <a:lvl3pPr marL="914400" indent="0">
+              <a:buNone/>
+              <a:defRPr sz="1000"/>
+            </a:lvl3pPr>
+            <a:lvl4pPr marL="1371600" indent="0">
+              <a:buNone/>
+              <a:defRPr sz="900"/>
+            </a:lvl4pPr>
+            <a:lvl5pPr marL="1828800" indent="0">
+              <a:buNone/>
+              <a:defRPr sz="900"/>
+            </a:lvl5pPr>
+            <a:lvl6pPr marL="2286000" indent="0">
+              <a:buNone/>
+              <a:defRPr sz="900"/>
+            </a:lvl6pPr>
+            <a:lvl7pPr marL="2743200" indent="0">
+              <a:buNone/>
+              <a:defRPr sz="900"/>
+            </a:lvl7pPr>
+            <a:lvl8pPr marL="3200400" indent="0">
+              <a:buNone/>
+              <a:defRPr sz="900"/>
+            </a:lvl8pPr>
+            <a:lvl9pPr marL="3657600" indent="0">
+              <a:buNone/>
+              <a:defRPr sz="900"/>
+            </a:lvl9pPr>
+          </a:lstStyle>
+          <a:p>
+            <a:pPr lvl="0"/>
+            <a:r>
+              <a:rPr lang="fr-FR" smtClean="0"/>
+              <a:t>Modifier les styles du texte du masque</a:t>
+            </a:r>
+          </a:p>
+        </p:txBody>
+      </p:sp>
+      <p:sp>
+        <p:nvSpPr>
+          <p:cNvPr id="22" name="Text Placeholder 4"/>
+          <p:cNvSpPr>
+            <a:spLocks noGrp="1"/>
+          </p:cNvSpPr>
+          <p:nvPr>
+            <p:ph type="body" sz="quarter" idx="3"/>
+          </p:nvPr>
+        </p:nvSpPr>
+        <p:spPr>
+          <a:xfrm>
+            <a:off x="4442788" y="3904106"/>
+            <a:ext cx="3300984" cy="576262"/>
+          </a:xfrm>
+        </p:spPr>
+        <p:txBody>
+          <a:bodyPr anchor="b">
+            <a:noAutofit/>
+          </a:bodyPr>
+          <a:lstStyle>
+            <a:lvl1pPr marL="0" indent="0" algn="ctr">
+              <a:buNone/>
+              <a:defRPr sz="2000" b="0">
+                <a:solidFill>
+                  <a:schemeClr val="tx1"/>
+                </a:solidFill>
+              </a:defRPr>
+            </a:lvl1pPr>
+            <a:lvl2pPr marL="457200" indent="0">
+              <a:buNone/>
+              <a:defRPr sz="2000" b="1"/>
+            </a:lvl2pPr>
+            <a:lvl3pPr marL="914400" indent="0">
+              <a:buNone/>
+              <a:defRPr sz="1800" b="1"/>
+            </a:lvl3pPr>
+            <a:lvl4pPr marL="1371600" indent="0">
+              <a:buNone/>
+              <a:defRPr sz="1600" b="1"/>
+            </a:lvl4pPr>
+            <a:lvl5pPr marL="1828800" indent="0">
+              <a:buNone/>
+              <a:defRPr sz="1600" b="1"/>
+            </a:lvl5pPr>
+            <a:lvl6pPr marL="2286000" indent="0">
+              <a:buNone/>
+              <a:defRPr sz="1600" b="1"/>
+            </a:lvl6pPr>
+            <a:lvl7pPr marL="2743200" indent="0">
+              <a:buNone/>
+              <a:defRPr sz="1600" b="1"/>
+            </a:lvl7pPr>
+            <a:lvl8pPr marL="3200400" indent="0">
+              <a:buNone/>
+              <a:defRPr sz="1600" b="1"/>
+            </a:lvl8pPr>
+            <a:lvl9pPr marL="3657600" indent="0">
+              <a:buNone/>
+              <a:defRPr sz="1600" b="1"/>
+            </a:lvl9pPr>
+          </a:lstStyle>
+          <a:p>
+            <a:pPr lvl="0"/>
+            <a:r>
+              <a:rPr lang="fr-FR" smtClean="0"/>
+              <a:t>Modifier les styles du texte du masque</a:t>
+            </a:r>
+          </a:p>
+        </p:txBody>
+      </p:sp>
+      <p:sp>
+        <p:nvSpPr>
+          <p:cNvPr id="23" name="Picture Placeholder 2"/>
+          <p:cNvSpPr>
+            <a:spLocks noGrp="1" noChangeAspect="1"/>
+          </p:cNvSpPr>
+          <p:nvPr>
+            <p:ph type="pic" idx="21"/>
+          </p:nvPr>
+        </p:nvSpPr>
+        <p:spPr>
+          <a:xfrm>
+            <a:off x="4545743" y="1939094"/>
+            <a:ext cx="3092368" cy="1608164"/>
+          </a:xfrm>
+          <a:prstGeom prst="roundRect">
+            <a:avLst>
+              <a:gd name="adj" fmla="val 1858"/>
+            </a:avLst>
+          </a:prstGeom>
+          <a:effectLst>
+            <a:outerShdw blurRad="38100" dist="25400" dir="4440000">
+              <a:srgbClr val="000000">
+                <a:alpha val="36000"/>
+              </a:srgbClr>
+            </a:outerShdw>
+          </a:effectLst>
+        </p:spPr>
+        <p:txBody>
+          <a:bodyPr anchor="t">
+            <a:normAutofit/>
+          </a:bodyPr>
+          <a:lstStyle>
+            <a:lvl1pPr marL="0" indent="0" algn="ctr">
+              <a:buNone/>
+              <a:defRPr sz="1600"/>
+            </a:lvl1pPr>
+            <a:lvl2pPr marL="457200" indent="0">
+              <a:buNone/>
+              <a:defRPr sz="1600"/>
+            </a:lvl2pPr>
+            <a:lvl3pPr marL="914400" indent="0">
+              <a:buNone/>
+              <a:defRPr sz="1600"/>
+            </a:lvl3pPr>
+            <a:lvl4pPr marL="1371600" indent="0">
+              <a:buNone/>
+              <a:defRPr sz="1600"/>
+            </a:lvl4pPr>
+            <a:lvl5pPr marL="1828800" indent="0">
+              <a:buNone/>
+              <a:defRPr sz="1600"/>
+            </a:lvl5pPr>
+            <a:lvl6pPr marL="2286000" indent="0">
+              <a:buNone/>
+              <a:defRPr sz="1600"/>
+            </a:lvl6pPr>
+            <a:lvl7pPr marL="2743200" indent="0">
+              <a:buNone/>
+              <a:defRPr sz="1600"/>
+            </a:lvl7pPr>
+            <a:lvl8pPr marL="3200400" indent="0">
+              <a:buNone/>
+              <a:defRPr sz="1600"/>
+            </a:lvl8pPr>
+            <a:lvl9pPr marL="3657600" indent="0">
+              <a:buNone/>
+              <a:defRPr sz="1600"/>
+            </a:lvl9pPr>
+          </a:lstStyle>
+          <a:p>
+            <a:r>
+              <a:rPr lang="fr-FR" smtClean="0"/>
+              <a:t>Cliquez sur l'icône pour ajouter une image</a:t>
+            </a:r>
+            <a:endParaRPr lang="en-US" dirty="0"/>
+          </a:p>
+        </p:txBody>
+      </p:sp>
+      <p:sp>
+        <p:nvSpPr>
+          <p:cNvPr id="24" name="Text Placeholder 3"/>
+          <p:cNvSpPr>
+            <a:spLocks noGrp="1"/>
+          </p:cNvSpPr>
+          <p:nvPr>
+            <p:ph type="body" sz="half" idx="19"/>
+          </p:nvPr>
+        </p:nvSpPr>
+        <p:spPr>
+          <a:xfrm>
+            <a:off x="4441435" y="4480367"/>
+            <a:ext cx="3300984" cy="1310833"/>
+          </a:xfrm>
+        </p:spPr>
+        <p:txBody>
+          <a:bodyPr anchor="t">
+            <a:normAutofit/>
+          </a:bodyPr>
+          <a:lstStyle>
+            <a:lvl1pPr marL="0" indent="0" algn="ctr">
+              <a:buNone/>
+              <a:defRPr sz="1400"/>
+            </a:lvl1pPr>
+            <a:lvl2pPr marL="457200" indent="0">
+              <a:buNone/>
+              <a:defRPr sz="1200"/>
+            </a:lvl2pPr>
+            <a:lvl3pPr marL="914400" indent="0">
+              <a:buNone/>
+              <a:defRPr sz="1000"/>
+            </a:lvl3pPr>
+            <a:lvl4pPr marL="1371600" indent="0">
+              <a:buNone/>
+              <a:defRPr sz="900"/>
+            </a:lvl4pPr>
+            <a:lvl5pPr marL="1828800" indent="0">
+              <a:buNone/>
+              <a:defRPr sz="900"/>
+            </a:lvl5pPr>
+            <a:lvl6pPr marL="2286000" indent="0">
+              <a:buNone/>
+              <a:defRPr sz="900"/>
+            </a:lvl6pPr>
+            <a:lvl7pPr marL="2743200" indent="0">
+              <a:buNone/>
+              <a:defRPr sz="900"/>
+            </a:lvl7pPr>
+            <a:lvl8pPr marL="3200400" indent="0">
+              <a:buNone/>
+              <a:defRPr sz="900"/>
+            </a:lvl8pPr>
+            <a:lvl9pPr marL="3657600" indent="0">
+              <a:buNone/>
+              <a:defRPr sz="900"/>
+            </a:lvl9pPr>
+          </a:lstStyle>
+          <a:p>
+            <a:pPr lvl="0"/>
+            <a:r>
+              <a:rPr lang="fr-FR" smtClean="0"/>
+              <a:t>Modifier les styles du texte du masque</a:t>
+            </a:r>
+          </a:p>
+        </p:txBody>
+      </p:sp>
+      <p:sp>
+        <p:nvSpPr>
+          <p:cNvPr id="25" name="Text Placeholder 4"/>
+          <p:cNvSpPr>
+            <a:spLocks noGrp="1"/>
+          </p:cNvSpPr>
+          <p:nvPr>
+            <p:ph type="body" sz="quarter" idx="13"/>
+          </p:nvPr>
+        </p:nvSpPr>
+        <p:spPr>
+          <a:xfrm>
+            <a:off x="7966697" y="3904106"/>
+            <a:ext cx="3300984" cy="576262"/>
+          </a:xfrm>
+        </p:spPr>
+        <p:txBody>
+          <a:bodyPr anchor="b">
+            <a:noAutofit/>
+          </a:bodyPr>
+          <a:lstStyle>
+            <a:lvl1pPr marL="0" indent="0" algn="ctr">
+              <a:buNone/>
+              <a:defRPr sz="2000" b="0">
+                <a:solidFill>
+                  <a:schemeClr val="tx1"/>
+                </a:solidFill>
+              </a:defRPr>
+            </a:lvl1pPr>
+            <a:lvl2pPr marL="457200" indent="0">
+              <a:buNone/>
+              <a:defRPr sz="2000" b="1"/>
+            </a:lvl2pPr>
+            <a:lvl3pPr marL="914400" indent="0">
+              <a:buNone/>
+              <a:defRPr sz="1800" b="1"/>
+            </a:lvl3pPr>
+            <a:lvl4pPr marL="1371600" indent="0">
+              <a:buNone/>
+              <a:defRPr sz="1600" b="1"/>
+            </a:lvl4pPr>
+            <a:lvl5pPr marL="1828800" indent="0">
+              <a:buNone/>
+              <a:defRPr sz="1600" b="1"/>
+            </a:lvl5pPr>
+            <a:lvl6pPr marL="2286000" indent="0">
+              <a:buNone/>
+              <a:defRPr sz="1600" b="1"/>
+            </a:lvl6pPr>
+            <a:lvl7pPr marL="2743200" indent="0">
+              <a:buNone/>
+              <a:defRPr sz="1600" b="1"/>
+            </a:lvl7pPr>
+            <a:lvl8pPr marL="3200400" indent="0">
+              <a:buNone/>
+              <a:defRPr sz="1600" b="1"/>
+            </a:lvl8pPr>
+            <a:lvl9pPr marL="3657600" indent="0">
+              <a:buNone/>
+              <a:defRPr sz="1600" b="1"/>
+            </a:lvl9pPr>
+          </a:lstStyle>
+          <a:p>
+            <a:pPr lvl="0"/>
+            <a:r>
+              <a:rPr lang="fr-FR" smtClean="0"/>
+              <a:t>Modifier les styles du texte du masque</a:t>
+            </a:r>
+          </a:p>
+        </p:txBody>
+      </p:sp>
+      <p:sp>
+        <p:nvSpPr>
+          <p:cNvPr id="26" name="Picture Placeholder 2"/>
+          <p:cNvSpPr>
+            <a:spLocks noGrp="1" noChangeAspect="1"/>
+          </p:cNvSpPr>
+          <p:nvPr>
+            <p:ph type="pic" idx="22"/>
+          </p:nvPr>
+        </p:nvSpPr>
+        <p:spPr>
+          <a:xfrm>
+            <a:off x="8075698" y="1934432"/>
+            <a:ext cx="3092368" cy="1607294"/>
+          </a:xfrm>
+          <a:prstGeom prst="roundRect">
+            <a:avLst>
+              <a:gd name="adj" fmla="val 1858"/>
+            </a:avLst>
+          </a:prstGeom>
+          <a:effectLst>
+            <a:outerShdw blurRad="38100" dist="25400" dir="4440000">
+              <a:srgbClr val="000000">
+                <a:alpha val="36000"/>
+              </a:srgbClr>
+            </a:outerShdw>
+          </a:effectLst>
+        </p:spPr>
+        <p:txBody>
+          <a:bodyPr anchor="t">
+            <a:normAutofit/>
+          </a:bodyPr>
+          <a:lstStyle>
+            <a:lvl1pPr marL="0" indent="0" algn="ctr">
+              <a:buNone/>
+              <a:defRPr sz="1600"/>
+            </a:lvl1pPr>
+            <a:lvl2pPr marL="457200" indent="0">
+              <a:buNone/>
+              <a:defRPr sz="1600"/>
+            </a:lvl2pPr>
+            <a:lvl3pPr marL="914400" indent="0">
+              <a:buNone/>
+              <a:defRPr sz="1600"/>
+            </a:lvl3pPr>
+            <a:lvl4pPr marL="1371600" indent="0">
+              <a:buNone/>
+              <a:defRPr sz="1600"/>
+            </a:lvl4pPr>
+            <a:lvl5pPr marL="1828800" indent="0">
+              <a:buNone/>
+              <a:defRPr sz="1600"/>
+            </a:lvl5pPr>
+            <a:lvl6pPr marL="2286000" indent="0">
+              <a:buNone/>
+              <a:defRPr sz="1600"/>
+            </a:lvl6pPr>
+            <a:lvl7pPr marL="2743200" indent="0">
+              <a:buNone/>
+              <a:defRPr sz="1600"/>
+            </a:lvl7pPr>
+            <a:lvl8pPr marL="3200400" indent="0">
+              <a:buNone/>
+              <a:defRPr sz="1600"/>
+            </a:lvl8pPr>
+            <a:lvl9pPr marL="3657600" indent="0">
+              <a:buNone/>
+              <a:defRPr sz="1600"/>
+            </a:lvl9pPr>
+          </a:lstStyle>
+          <a:p>
+            <a:r>
+              <a:rPr lang="fr-FR" smtClean="0"/>
+              <a:t>Cliquez sur l'icône pour ajouter une image</a:t>
+            </a:r>
+            <a:endParaRPr lang="en-US" dirty="0"/>
+          </a:p>
+        </p:txBody>
+      </p:sp>
+      <p:sp>
+        <p:nvSpPr>
+          <p:cNvPr id="27" name="Text Placeholder 3"/>
+          <p:cNvSpPr>
+            <a:spLocks noGrp="1"/>
+          </p:cNvSpPr>
+          <p:nvPr>
+            <p:ph type="body" sz="half" idx="20"/>
+          </p:nvPr>
+        </p:nvSpPr>
+        <p:spPr>
+          <a:xfrm>
+            <a:off x="7966572" y="4480365"/>
+            <a:ext cx="3300984" cy="1310835"/>
+          </a:xfrm>
+        </p:spPr>
+        <p:txBody>
+          <a:bodyPr anchor="t">
+            <a:normAutofit/>
+          </a:bodyPr>
+          <a:lstStyle>
+            <a:lvl1pPr marL="0" indent="0" algn="ctr">
+              <a:buNone/>
+              <a:defRPr sz="1400"/>
+            </a:lvl1pPr>
+            <a:lvl2pPr marL="457200" indent="0">
+              <a:buNone/>
+              <a:defRPr sz="1200"/>
+            </a:lvl2pPr>
+            <a:lvl3pPr marL="914400" indent="0">
+              <a:buNone/>
+              <a:defRPr sz="1000"/>
+            </a:lvl3pPr>
+            <a:lvl4pPr marL="1371600" indent="0">
+              <a:buNone/>
+              <a:defRPr sz="900"/>
+            </a:lvl4pPr>
+            <a:lvl5pPr marL="1828800" indent="0">
+              <a:buNone/>
+              <a:defRPr sz="900"/>
+            </a:lvl5pPr>
+            <a:lvl6pPr marL="2286000" indent="0">
+              <a:buNone/>
+              <a:defRPr sz="900"/>
+            </a:lvl6pPr>
+            <a:lvl7pPr marL="2743200" indent="0">
+              <a:buNone/>
+              <a:defRPr sz="900"/>
+            </a:lvl7pPr>
+            <a:lvl8pPr marL="3200400" indent="0">
+              <a:buNone/>
+              <a:defRPr sz="900"/>
+            </a:lvl8pPr>
+            <a:lvl9pPr marL="3657600" indent="0">
+              <a:buNone/>
+              <a:defRPr sz="900"/>
+            </a:lvl9pPr>
+          </a:lstStyle>
+          <a:p>
+            <a:pPr lvl="0"/>
+            <a:r>
+              <a:rPr lang="fr-FR" smtClean="0"/>
+              <a:t>Modifier les styles du texte du masque</a:t>
+            </a:r>
+          </a:p>
+        </p:txBody>
+      </p:sp>
+      <p:sp>
+        <p:nvSpPr>
+          <p:cNvPr id="3" name="Date Placeholder 2"/>
+          <p:cNvSpPr>
+            <a:spLocks noGrp="1"/>
+          </p:cNvSpPr>
+          <p:nvPr>
+            <p:ph type="dt" sz="half" idx="10"/>
+          </p:nvPr>
+        </p:nvSpPr>
+        <p:spPr/>
+        <p:txBody>
+          <a:bodyPr/>
+          <a:lstStyle/>
+          <a:p>
+            <a:fld id="{FF38B628-3581-4A00-9B3B-E92F5EBE601F}" type="datetimeFigureOut">
+              <a:rPr lang="fr-CH" smtClean="0"/>
+              <a:t>14.12.2016</a:t>
+            </a:fld>
+            <a:endParaRPr lang="fr-CH"/>
+          </a:p>
+        </p:txBody>
+      </p:sp>
+      <p:sp>
+        <p:nvSpPr>
+          <p:cNvPr id="4" name="Footer Placeholder 3"/>
+          <p:cNvSpPr>
+            <a:spLocks noGrp="1"/>
+          </p:cNvSpPr>
+          <p:nvPr>
+            <p:ph type="ftr" sz="quarter" idx="11"/>
+          </p:nvPr>
+        </p:nvSpPr>
+        <p:spPr/>
+        <p:txBody>
+          <a:bodyPr/>
+          <a:lstStyle/>
+          <a:p>
+            <a:endParaRPr lang="fr-CH"/>
+          </a:p>
+        </p:txBody>
+      </p:sp>
+      <p:sp>
+        <p:nvSpPr>
+          <p:cNvPr id="5" name="Slide Number Placeholder 4"/>
+          <p:cNvSpPr>
+            <a:spLocks noGrp="1"/>
+          </p:cNvSpPr>
+          <p:nvPr>
+            <p:ph type="sldNum" sz="quarter" idx="12"/>
+          </p:nvPr>
+        </p:nvSpPr>
+        <p:spPr/>
+        <p:txBody>
+          <a:bodyPr/>
+          <a:lstStyle/>
+          <a:p>
+            <a:fld id="{FE1498A5-A2C9-4E83-AE84-F1882CE23D0F}" type="slidenum">
+              <a:rPr lang="fr-CH" smtClean="0"/>
+              <a:t>‹N°›</a:t>
+            </a:fld>
+            <a:endParaRPr lang="fr-CH"/>
+          </a:p>
+        </p:txBody>
+      </p:sp>
+    </p:spTree>
+    <p:extLst>
+      <p:ext uri="{BB962C8B-B14F-4D97-AF65-F5344CB8AC3E}">
+        <p14:creationId xmlns:p14="http://schemas.microsoft.com/office/powerpoint/2010/main" val="2681909534"/>
+      </p:ext>
+    </p:extLst>
+  </p:cSld>
+  <p:clrMapOvr>
+    <a:masterClrMapping/>
+  </p:clrMapOvr>
+</p:sldLayout>
+</file>
+
+<file path=ppt/slideLayouts/slideLayout16.xml><?xml version="1.0" encoding="utf-8"?>
 <p:sldLayout xmlns:a="http://schemas.openxmlformats.org/drawingml/2006/main" xmlns:r="http://schemas.openxmlformats.org/officeDocument/2006/relationships" xmlns:p="http://schemas.openxmlformats.org/presentationml/2006/main" type="vertTx" preserve="1">
   <p:cSld name="Titre et texte vertical">
     <p:spTree>
@@ -325,7 +2971,7 @@
       </p:grpSpPr>
       <p:sp>
         <p:nvSpPr>
-          <p:cNvPr id="2" name="Titre 1"/>
+          <p:cNvPr id="2" name="Title 1"/>
           <p:cNvSpPr>
             <a:spLocks noGrp="1"/>
           </p:cNvSpPr>
@@ -342,13 +2988,13 @@
               <a:rPr lang="fr-FR" smtClean="0"/>
               <a:t>Modifiez le style du titre</a:t>
             </a:r>
-            <a:endParaRPr lang="fr-CH"/>
-          </a:p>
-        </p:txBody>
-      </p:sp>
-      <p:sp>
-        <p:nvSpPr>
-          <p:cNvPr id="3" name="Espace réservé du texte vertical 2"/>
+            <a:endParaRPr lang="en-US" dirty="0"/>
+          </a:p>
+        </p:txBody>
+      </p:sp>
+      <p:sp>
+        <p:nvSpPr>
+          <p:cNvPr id="3" name="Vertical Text Placeholder 2"/>
           <p:cNvSpPr>
             <a:spLocks noGrp="1"/>
           </p:cNvSpPr>
@@ -358,7 +3004,7 @@
         </p:nvSpPr>
         <p:spPr/>
         <p:txBody>
-          <a:bodyPr vert="eaVert"/>
+          <a:bodyPr vert="eaVert" anchor="t"/>
           <a:lstStyle/>
           <a:p>
             <a:pPr lvl="0"/>
@@ -394,13 +3040,13 @@
               <a:rPr lang="fr-FR" smtClean="0"/>
               <a:t>Cinquième niveau</a:t>
             </a:r>
-            <a:endParaRPr lang="fr-CH"/>
-          </a:p>
-        </p:txBody>
-      </p:sp>
-      <p:sp>
-        <p:nvSpPr>
-          <p:cNvPr id="4" name="Espace réservé de la date 3"/>
+            <a:endParaRPr lang="en-US" dirty="0"/>
+          </a:p>
+        </p:txBody>
+      </p:sp>
+      <p:sp>
+        <p:nvSpPr>
+          <p:cNvPr id="4" name="Date Placeholder 3"/>
           <p:cNvSpPr>
             <a:spLocks noGrp="1"/>
           </p:cNvSpPr>
@@ -423,7 +3069,7 @@
       </p:sp>
       <p:sp>
         <p:nvSpPr>
-          <p:cNvPr id="5" name="Espace réservé du pied de page 4"/>
+          <p:cNvPr id="5" name="Footer Placeholder 4"/>
           <p:cNvSpPr>
             <a:spLocks noGrp="1"/>
           </p:cNvSpPr>
@@ -442,7 +3088,7 @@
       </p:sp>
       <p:sp>
         <p:nvSpPr>
-          <p:cNvPr id="6" name="Espace réservé du numéro de diapositive 5"/>
+          <p:cNvPr id="6" name="Slide Number Placeholder 5"/>
           <p:cNvSpPr>
             <a:spLocks noGrp="1"/>
           </p:cNvSpPr>
@@ -466,7 +3112,7 @@
     </p:spTree>
     <p:extLst>
       <p:ext uri="{BB962C8B-B14F-4D97-AF65-F5344CB8AC3E}">
-        <p14:creationId xmlns:p14="http://schemas.microsoft.com/office/powerpoint/2010/main" val="1557167713"/>
+        <p14:creationId xmlns:p14="http://schemas.microsoft.com/office/powerpoint/2010/main" val="2299832977"/>
       </p:ext>
     </p:extLst>
   </p:cSld>
@@ -476,10 +3122,17 @@
   <p:transition>
     <p:push dir="u"/>
   </p:transition>
+  <p:timing>
+    <p:tnLst>
+      <p:par>
+        <p:cTn id="1" dur="indefinite" restart="never" nodeType="tmRoot"/>
+      </p:par>
+    </p:tnLst>
+  </p:timing>
 </p:sldLayout>
 </file>
 
-<file path=ppt/slideLayouts/slideLayout11.xml><?xml version="1.0" encoding="utf-8"?>
+<file path=ppt/slideLayouts/slideLayout17.xml><?xml version="1.0" encoding="utf-8"?>
 <p:sldLayout xmlns:a="http://schemas.openxmlformats.org/drawingml/2006/main" xmlns:r="http://schemas.openxmlformats.org/officeDocument/2006/relationships" xmlns:p="http://schemas.openxmlformats.org/presentationml/2006/main" type="vertTitleAndTx" preserve="1">
   <p:cSld name="Titre vertical et texte">
     <p:spTree>
@@ -498,7 +3151,7 @@
       </p:grpSpPr>
       <p:sp>
         <p:nvSpPr>
-          <p:cNvPr id="2" name="Titre vertical 1"/>
+          <p:cNvPr id="2" name="Vertical Title 1"/>
           <p:cNvSpPr>
             <a:spLocks noGrp="1"/>
           </p:cNvSpPr>
@@ -508,25 +3161,29 @@
         </p:nvSpPr>
         <p:spPr>
           <a:xfrm>
-            <a:off x="8724900" y="365125"/>
-            <a:ext cx="2628900" cy="5811838"/>
+            <a:off x="8983068" y="609599"/>
+            <a:ext cx="2284487" cy="5181601"/>
           </a:xfrm>
         </p:spPr>
         <p:txBody>
           <a:bodyPr vert="eaVert"/>
-          <a:lstStyle/>
+          <a:lstStyle>
+            <a:lvl1pPr algn="l">
+              <a:defRPr/>
+            </a:lvl1pPr>
+          </a:lstStyle>
           <a:p>
             <a:r>
               <a:rPr lang="fr-FR" smtClean="0"/>
               <a:t>Modifiez le style du titre</a:t>
             </a:r>
-            <a:endParaRPr lang="fr-CH"/>
-          </a:p>
-        </p:txBody>
-      </p:sp>
-      <p:sp>
-        <p:nvSpPr>
-          <p:cNvPr id="3" name="Espace réservé du texte vertical 2"/>
+            <a:endParaRPr lang="en-US" dirty="0"/>
+          </a:p>
+        </p:txBody>
+      </p:sp>
+      <p:sp>
+        <p:nvSpPr>
+          <p:cNvPr id="3" name="Vertical Text Placeholder 2"/>
           <p:cNvSpPr>
             <a:spLocks noGrp="1"/>
           </p:cNvSpPr>
@@ -536,12 +3193,12 @@
         </p:nvSpPr>
         <p:spPr>
           <a:xfrm>
-            <a:off x="838200" y="365125"/>
-            <a:ext cx="7734300" cy="5811838"/>
+            <a:off x="913796" y="609599"/>
+            <a:ext cx="7916872" cy="5181601"/>
           </a:xfrm>
         </p:spPr>
         <p:txBody>
-          <a:bodyPr vert="eaVert"/>
+          <a:bodyPr vert="eaVert" anchor="t"/>
           <a:lstStyle/>
           <a:p>
             <a:pPr lvl="0"/>
@@ -577,13 +3234,13 @@
               <a:rPr lang="fr-FR" smtClean="0"/>
               <a:t>Cinquième niveau</a:t>
             </a:r>
-            <a:endParaRPr lang="fr-CH"/>
-          </a:p>
-        </p:txBody>
-      </p:sp>
-      <p:sp>
-        <p:nvSpPr>
-          <p:cNvPr id="4" name="Espace réservé de la date 3"/>
+            <a:endParaRPr lang="en-US" dirty="0"/>
+          </a:p>
+        </p:txBody>
+      </p:sp>
+      <p:sp>
+        <p:nvSpPr>
+          <p:cNvPr id="4" name="Date Placeholder 3"/>
           <p:cNvSpPr>
             <a:spLocks noGrp="1"/>
           </p:cNvSpPr>
@@ -606,7 +3263,7 @@
       </p:sp>
       <p:sp>
         <p:nvSpPr>
-          <p:cNvPr id="5" name="Espace réservé du pied de page 4"/>
+          <p:cNvPr id="5" name="Footer Placeholder 4"/>
           <p:cNvSpPr>
             <a:spLocks noGrp="1"/>
           </p:cNvSpPr>
@@ -625,7 +3282,7 @@
       </p:sp>
       <p:sp>
         <p:nvSpPr>
-          <p:cNvPr id="6" name="Espace réservé du numéro de diapositive 5"/>
+          <p:cNvPr id="6" name="Slide Number Placeholder 5"/>
           <p:cNvSpPr>
             <a:spLocks noGrp="1"/>
           </p:cNvSpPr>
@@ -649,7 +3306,7 @@
     </p:spTree>
     <p:extLst>
       <p:ext uri="{BB962C8B-B14F-4D97-AF65-F5344CB8AC3E}">
-        <p14:creationId xmlns:p14="http://schemas.microsoft.com/office/powerpoint/2010/main" val="2596704946"/>
+        <p14:creationId xmlns:p14="http://schemas.microsoft.com/office/powerpoint/2010/main" val="491165261"/>
       </p:ext>
     </p:extLst>
   </p:cSld>
@@ -659,6 +3316,13 @@
   <p:transition>
     <p:push dir="u"/>
   </p:transition>
+  <p:timing>
+    <p:tnLst>
+      <p:par>
+        <p:cTn id="1" dur="indefinite" restart="never" nodeType="tmRoot"/>
+      </p:par>
+    </p:tnLst>
+  </p:timing>
 </p:sldLayout>
 </file>
 
@@ -681,7 +3345,7 @@
       </p:grpSpPr>
       <p:sp>
         <p:nvSpPr>
-          <p:cNvPr id="2" name="Titre 1"/>
+          <p:cNvPr id="2" name="Title 1"/>
           <p:cNvSpPr>
             <a:spLocks noGrp="1"/>
           </p:cNvSpPr>
@@ -698,13 +3362,13 @@
               <a:rPr lang="fr-FR" smtClean="0"/>
               <a:t>Modifiez le style du titre</a:t>
             </a:r>
-            <a:endParaRPr lang="fr-CH"/>
-          </a:p>
-        </p:txBody>
-      </p:sp>
-      <p:sp>
-        <p:nvSpPr>
-          <p:cNvPr id="3" name="Espace réservé du contenu 2"/>
+            <a:endParaRPr lang="en-US" dirty="0"/>
+          </a:p>
+        </p:txBody>
+      </p:sp>
+      <p:sp>
+        <p:nvSpPr>
+          <p:cNvPr id="3" name="Content Placeholder 2"/>
           <p:cNvSpPr>
             <a:spLocks noGrp="1"/>
           </p:cNvSpPr>
@@ -750,13 +3414,13 @@
               <a:rPr lang="fr-FR" smtClean="0"/>
               <a:t>Cinquième niveau</a:t>
             </a:r>
-            <a:endParaRPr lang="fr-CH"/>
-          </a:p>
-        </p:txBody>
-      </p:sp>
-      <p:sp>
-        <p:nvSpPr>
-          <p:cNvPr id="4" name="Espace réservé de la date 3"/>
+            <a:endParaRPr lang="en-US" dirty="0"/>
+          </a:p>
+        </p:txBody>
+      </p:sp>
+      <p:sp>
+        <p:nvSpPr>
+          <p:cNvPr id="4" name="Date Placeholder 3"/>
           <p:cNvSpPr>
             <a:spLocks noGrp="1"/>
           </p:cNvSpPr>
@@ -779,7 +3443,7 @@
       </p:sp>
       <p:sp>
         <p:nvSpPr>
-          <p:cNvPr id="5" name="Espace réservé du pied de page 4"/>
+          <p:cNvPr id="5" name="Footer Placeholder 4"/>
           <p:cNvSpPr>
             <a:spLocks noGrp="1"/>
           </p:cNvSpPr>
@@ -798,7 +3462,7 @@
       </p:sp>
       <p:sp>
         <p:nvSpPr>
-          <p:cNvPr id="6" name="Espace réservé du numéro de diapositive 5"/>
+          <p:cNvPr id="6" name="Slide Number Placeholder 5"/>
           <p:cNvSpPr>
             <a:spLocks noGrp="1"/>
           </p:cNvSpPr>
@@ -822,7 +3486,7 @@
     </p:spTree>
     <p:extLst>
       <p:ext uri="{BB962C8B-B14F-4D97-AF65-F5344CB8AC3E}">
-        <p14:creationId xmlns:p14="http://schemas.microsoft.com/office/powerpoint/2010/main" val="509360427"/>
+        <p14:creationId xmlns:p14="http://schemas.microsoft.com/office/powerpoint/2010/main" val="770610509"/>
       </p:ext>
     </p:extLst>
   </p:cSld>
@@ -832,6 +3496,13 @@
   <p:transition>
     <p:push dir="u"/>
   </p:transition>
+  <p:timing>
+    <p:tnLst>
+      <p:par>
+        <p:cTn id="1" dur="indefinite" restart="never" nodeType="tmRoot"/>
+      </p:par>
+    </p:tnLst>
+  </p:timing>
 </p:sldLayout>
 </file>
 
@@ -854,7 +3525,7 @@
       </p:grpSpPr>
       <p:sp>
         <p:nvSpPr>
-          <p:cNvPr id="2" name="Titre 1"/>
+          <p:cNvPr id="2" name="Title 1"/>
           <p:cNvSpPr>
             <a:spLocks noGrp="1"/>
           </p:cNvSpPr>
@@ -864,15 +3535,15 @@
         </p:nvSpPr>
         <p:spPr>
           <a:xfrm>
-            <a:off x="831850" y="1709738"/>
-            <a:ext cx="10515600" cy="2852737"/>
+            <a:off x="1295401" y="1761067"/>
+            <a:ext cx="9590550" cy="1828813"/>
           </a:xfrm>
         </p:spPr>
         <p:txBody>
           <a:bodyPr anchor="b"/>
           <a:lstStyle>
-            <a:lvl1pPr>
-              <a:defRPr sz="6000"/>
+            <a:lvl1pPr algn="ctr">
+              <a:defRPr sz="4000" b="0" cap="none"/>
             </a:lvl1pPr>
           </a:lstStyle>
           <a:p>
@@ -880,13 +3551,13 @@
               <a:rPr lang="fr-FR" smtClean="0"/>
               <a:t>Modifiez le style du titre</a:t>
             </a:r>
-            <a:endParaRPr lang="fr-CH"/>
-          </a:p>
-        </p:txBody>
-      </p:sp>
-      <p:sp>
-        <p:nvSpPr>
-          <p:cNvPr id="3" name="Espace réservé du texte 2"/>
+            <a:endParaRPr lang="en-US" dirty="0"/>
+          </a:p>
+        </p:txBody>
+      </p:sp>
+      <p:sp>
+        <p:nvSpPr>
+          <p:cNvPr id="3" name="Text Placeholder 2"/>
           <p:cNvSpPr>
             <a:spLocks noGrp="1"/>
           </p:cNvSpPr>
@@ -896,26 +3567,24 @@
         </p:nvSpPr>
         <p:spPr>
           <a:xfrm>
-            <a:off x="831850" y="4589463"/>
-            <a:ext cx="10515600" cy="1500187"/>
+            <a:off x="1295401" y="3589879"/>
+            <a:ext cx="9590550" cy="1507054"/>
           </a:xfrm>
         </p:spPr>
         <p:txBody>
-          <a:bodyPr/>
+          <a:bodyPr anchor="t"/>
           <a:lstStyle>
-            <a:lvl1pPr marL="0" indent="0">
-              <a:buNone/>
-              <a:defRPr sz="2400">
+            <a:lvl1pPr marL="0" indent="0" algn="ctr">
+              <a:buNone/>
+              <a:defRPr sz="2000">
                 <a:solidFill>
-                  <a:schemeClr val="tx1">
-                    <a:tint val="75000"/>
-                  </a:schemeClr>
+                  <a:schemeClr val="tx1"/>
                 </a:solidFill>
               </a:defRPr>
             </a:lvl1pPr>
             <a:lvl2pPr marL="457200" indent="0">
               <a:buNone/>
-              <a:defRPr sz="2000">
+              <a:defRPr sz="1800">
                 <a:solidFill>
                   <a:schemeClr val="tx1">
                     <a:tint val="75000"/>
@@ -925,7 +3594,7 @@
             </a:lvl2pPr>
             <a:lvl3pPr marL="914400" indent="0">
               <a:buNone/>
-              <a:defRPr sz="1800">
+              <a:defRPr sz="1600">
                 <a:solidFill>
                   <a:schemeClr val="tx1">
                     <a:tint val="75000"/>
@@ -935,7 +3604,7 @@
             </a:lvl3pPr>
             <a:lvl4pPr marL="1371600" indent="0">
               <a:buNone/>
-              <a:defRPr sz="1600">
+              <a:defRPr sz="1400">
                 <a:solidFill>
                   <a:schemeClr val="tx1">
                     <a:tint val="75000"/>
@@ -945,7 +3614,7 @@
             </a:lvl4pPr>
             <a:lvl5pPr marL="1828800" indent="0">
               <a:buNone/>
-              <a:defRPr sz="1600">
+              <a:defRPr sz="1400">
                 <a:solidFill>
                   <a:schemeClr val="tx1">
                     <a:tint val="75000"/>
@@ -955,7 +3624,7 @@
             </a:lvl5pPr>
             <a:lvl6pPr marL="2286000" indent="0">
               <a:buNone/>
-              <a:defRPr sz="1600">
+              <a:defRPr sz="1400">
                 <a:solidFill>
                   <a:schemeClr val="tx1">
                     <a:tint val="75000"/>
@@ -965,7 +3634,7 @@
             </a:lvl6pPr>
             <a:lvl7pPr marL="2743200" indent="0">
               <a:buNone/>
-              <a:defRPr sz="1600">
+              <a:defRPr sz="1400">
                 <a:solidFill>
                   <a:schemeClr val="tx1">
                     <a:tint val="75000"/>
@@ -975,7 +3644,7 @@
             </a:lvl7pPr>
             <a:lvl8pPr marL="3200400" indent="0">
               <a:buNone/>
-              <a:defRPr sz="1600">
+              <a:defRPr sz="1400">
                 <a:solidFill>
                   <a:schemeClr val="tx1">
                     <a:tint val="75000"/>
@@ -985,7 +3654,7 @@
             </a:lvl8pPr>
             <a:lvl9pPr marL="3657600" indent="0">
               <a:buNone/>
-              <a:defRPr sz="1600">
+              <a:defRPr sz="1400">
                 <a:solidFill>
                   <a:schemeClr val="tx1">
                     <a:tint val="75000"/>
@@ -1005,7 +3674,7 @@
       </p:sp>
       <p:sp>
         <p:nvSpPr>
-          <p:cNvPr id="4" name="Espace réservé de la date 3"/>
+          <p:cNvPr id="4" name="Date Placeholder 3"/>
           <p:cNvSpPr>
             <a:spLocks noGrp="1"/>
           </p:cNvSpPr>
@@ -1028,7 +3697,7 @@
       </p:sp>
       <p:sp>
         <p:nvSpPr>
-          <p:cNvPr id="5" name="Espace réservé du pied de page 4"/>
+          <p:cNvPr id="5" name="Footer Placeholder 4"/>
           <p:cNvSpPr>
             <a:spLocks noGrp="1"/>
           </p:cNvSpPr>
@@ -1047,7 +3716,7 @@
       </p:sp>
       <p:sp>
         <p:nvSpPr>
-          <p:cNvPr id="6" name="Espace réservé du numéro de diapositive 5"/>
+          <p:cNvPr id="6" name="Slide Number Placeholder 5"/>
           <p:cNvSpPr>
             <a:spLocks noGrp="1"/>
           </p:cNvSpPr>
@@ -1071,7 +3740,7 @@
     </p:spTree>
     <p:extLst>
       <p:ext uri="{BB962C8B-B14F-4D97-AF65-F5344CB8AC3E}">
-        <p14:creationId xmlns:p14="http://schemas.microsoft.com/office/powerpoint/2010/main" val="42683500"/>
+        <p14:creationId xmlns:p14="http://schemas.microsoft.com/office/powerpoint/2010/main" val="2893637344"/>
       </p:ext>
     </p:extLst>
   </p:cSld>
@@ -1081,6 +3750,13 @@
   <p:transition>
     <p:push dir="u"/>
   </p:transition>
+  <p:timing>
+    <p:tnLst>
+      <p:par>
+        <p:cTn id="1" dur="indefinite" restart="never" nodeType="tmRoot"/>
+      </p:par>
+    </p:tnLst>
+  </p:timing>
 </p:sldLayout>
 </file>
 
@@ -1103,7 +3779,7 @@
       </p:grpSpPr>
       <p:sp>
         <p:nvSpPr>
-          <p:cNvPr id="2" name="Titre 1"/>
+          <p:cNvPr id="2" name="Title 1"/>
           <p:cNvSpPr>
             <a:spLocks noGrp="1"/>
           </p:cNvSpPr>
@@ -1120,13 +3796,13 @@
               <a:rPr lang="fr-FR" smtClean="0"/>
               <a:t>Modifiez le style du titre</a:t>
             </a:r>
-            <a:endParaRPr lang="fr-CH"/>
-          </a:p>
-        </p:txBody>
-      </p:sp>
-      <p:sp>
-        <p:nvSpPr>
-          <p:cNvPr id="3" name="Espace réservé du contenu 2"/>
+            <a:endParaRPr lang="en-US" dirty="0"/>
+          </a:p>
+        </p:txBody>
+      </p:sp>
+      <p:sp>
+        <p:nvSpPr>
+          <p:cNvPr id="3" name="Content Placeholder 2"/>
           <p:cNvSpPr>
             <a:spLocks noGrp="1"/>
           </p:cNvSpPr>
@@ -1136,12 +3812,14 @@
         </p:nvSpPr>
         <p:spPr>
           <a:xfrm>
-            <a:off x="838200" y="1825625"/>
-            <a:ext cx="5181600" cy="4351338"/>
+            <a:off x="913795" y="1732449"/>
+            <a:ext cx="5060497" cy="4058750"/>
           </a:xfrm>
         </p:spPr>
         <p:txBody>
-          <a:bodyPr/>
+          <a:bodyPr anchor="t">
+            <a:normAutofit/>
+          </a:bodyPr>
           <a:lstStyle/>
           <a:p>
             <a:pPr lvl="0"/>
@@ -1177,13 +3855,13 @@
               <a:rPr lang="fr-FR" smtClean="0"/>
               <a:t>Cinquième niveau</a:t>
             </a:r>
-            <a:endParaRPr lang="fr-CH"/>
-          </a:p>
-        </p:txBody>
-      </p:sp>
-      <p:sp>
-        <p:nvSpPr>
-          <p:cNvPr id="4" name="Espace réservé du contenu 3"/>
+            <a:endParaRPr lang="en-US" dirty="0"/>
+          </a:p>
+        </p:txBody>
+      </p:sp>
+      <p:sp>
+        <p:nvSpPr>
+          <p:cNvPr id="4" name="Content Placeholder 3"/>
           <p:cNvSpPr>
             <a:spLocks noGrp="1"/>
           </p:cNvSpPr>
@@ -1193,12 +3871,14 @@
         </p:nvSpPr>
         <p:spPr>
           <a:xfrm>
-            <a:off x="6172200" y="1825625"/>
-            <a:ext cx="5181600" cy="4351338"/>
+            <a:off x="6202892" y="1732449"/>
+            <a:ext cx="5064665" cy="4058751"/>
           </a:xfrm>
         </p:spPr>
         <p:txBody>
-          <a:bodyPr/>
+          <a:bodyPr anchor="t">
+            <a:normAutofit/>
+          </a:bodyPr>
           <a:lstStyle/>
           <a:p>
             <a:pPr lvl="0"/>
@@ -1234,13 +3914,13 @@
               <a:rPr lang="fr-FR" smtClean="0"/>
               <a:t>Cinquième niveau</a:t>
             </a:r>
-            <a:endParaRPr lang="fr-CH"/>
-          </a:p>
-        </p:txBody>
-      </p:sp>
-      <p:sp>
-        <p:nvSpPr>
-          <p:cNvPr id="5" name="Espace réservé de la date 4"/>
+            <a:endParaRPr lang="en-US" dirty="0"/>
+          </a:p>
+        </p:txBody>
+      </p:sp>
+      <p:sp>
+        <p:nvSpPr>
+          <p:cNvPr id="5" name="Date Placeholder 4"/>
           <p:cNvSpPr>
             <a:spLocks noGrp="1"/>
           </p:cNvSpPr>
@@ -1263,7 +3943,7 @@
       </p:sp>
       <p:sp>
         <p:nvSpPr>
-          <p:cNvPr id="6" name="Espace réservé du pied de page 5"/>
+          <p:cNvPr id="6" name="Footer Placeholder 5"/>
           <p:cNvSpPr>
             <a:spLocks noGrp="1"/>
           </p:cNvSpPr>
@@ -1282,7 +3962,7 @@
       </p:sp>
       <p:sp>
         <p:nvSpPr>
-          <p:cNvPr id="7" name="Espace réservé du numéro de diapositive 6"/>
+          <p:cNvPr id="7" name="Slide Number Placeholder 6"/>
           <p:cNvSpPr>
             <a:spLocks noGrp="1"/>
           </p:cNvSpPr>
@@ -1306,7 +3986,7 @@
     </p:spTree>
     <p:extLst>
       <p:ext uri="{BB962C8B-B14F-4D97-AF65-F5344CB8AC3E}">
-        <p14:creationId xmlns:p14="http://schemas.microsoft.com/office/powerpoint/2010/main" val="394617893"/>
+        <p14:creationId xmlns:p14="http://schemas.microsoft.com/office/powerpoint/2010/main" val="3990778599"/>
       </p:ext>
     </p:extLst>
   </p:cSld>
@@ -1316,6 +3996,13 @@
   <p:transition>
     <p:push dir="u"/>
   </p:transition>
+  <p:timing>
+    <p:tnLst>
+      <p:par>
+        <p:cTn id="1" dur="indefinite" restart="never" nodeType="tmRoot"/>
+      </p:par>
+    </p:tnLst>
+  </p:timing>
 </p:sldLayout>
 </file>
 
@@ -1336,56 +4023,117 @@
           <a:chExt cx="0" cy="0"/>
         </a:xfrm>
       </p:grpSpPr>
-      <p:sp>
-        <p:nvSpPr>
-          <p:cNvPr id="2" name="Titre 1"/>
-          <p:cNvSpPr>
-            <a:spLocks noGrp="1"/>
-          </p:cNvSpPr>
-          <p:nvPr>
-            <p:ph type="title"/>
-          </p:nvPr>
-        </p:nvSpPr>
+      <p:pic>
+        <p:nvPicPr>
+          <p:cNvPr id="20" name="Picture 19" descr="Slate-V2-HD-compPhotoInset.png"/>
+          <p:cNvPicPr>
+            <a:picLocks noChangeAspect="1"/>
+          </p:cNvPicPr>
+          <p:nvPr/>
+        </p:nvPicPr>
+        <p:blipFill>
+          <a:blip r:embed="rId2">
+            <a:extLst>
+              <a:ext uri="{28A0092B-C50C-407E-A947-70E740481C1C}">
+                <a14:useLocalDpi xmlns:a14="http://schemas.microsoft.com/office/drawing/2010/main" val="0"/>
+              </a:ext>
+            </a:extLst>
+          </a:blip>
+          <a:stretch>
+            <a:fillRect/>
+          </a:stretch>
+        </p:blipFill>
         <p:spPr>
           <a:xfrm>
-            <a:off x="839788" y="365125"/>
-            <a:ext cx="10515600" cy="1325563"/>
+            <a:off x="913795" y="1734506"/>
+            <a:ext cx="5089072" cy="4148769"/>
+          </a:xfrm>
+          <a:prstGeom prst="rect">
+            <a:avLst/>
+          </a:prstGeom>
+        </p:spPr>
+      </p:pic>
+      <p:pic>
+        <p:nvPicPr>
+          <p:cNvPr id="21" name="Picture 20" descr="Slate-V2-HD-compPhotoInset.png"/>
+          <p:cNvPicPr>
+            <a:picLocks noChangeAspect="1"/>
+          </p:cNvPicPr>
+          <p:nvPr/>
+        </p:nvPicPr>
+        <p:blipFill>
+          <a:blip r:embed="rId2">
+            <a:extLst>
+              <a:ext uri="{28A0092B-C50C-407E-A947-70E740481C1C}">
+                <a14:useLocalDpi xmlns:a14="http://schemas.microsoft.com/office/drawing/2010/main" val="0"/>
+              </a:ext>
+            </a:extLst>
+          </a:blip>
+          <a:stretch>
+            <a:fillRect/>
+          </a:stretch>
+        </p:blipFill>
+        <p:spPr>
+          <a:xfrm>
+            <a:off x="6178485" y="1734506"/>
+            <a:ext cx="5089072" cy="4148769"/>
+          </a:xfrm>
+          <a:prstGeom prst="rect">
+            <a:avLst/>
+          </a:prstGeom>
+        </p:spPr>
+      </p:pic>
+      <p:sp>
+        <p:nvSpPr>
+          <p:cNvPr id="2" name="Title 1"/>
+          <p:cNvSpPr>
+            <a:spLocks noGrp="1"/>
+          </p:cNvSpPr>
+          <p:nvPr>
+            <p:ph type="title"/>
+          </p:nvPr>
+        </p:nvSpPr>
+        <p:spPr/>
+        <p:txBody>
+          <a:bodyPr/>
+          <a:lstStyle>
+            <a:lvl1pPr>
+              <a:defRPr/>
+            </a:lvl1pPr>
+          </a:lstStyle>
+          <a:p>
+            <a:r>
+              <a:rPr lang="fr-FR" smtClean="0"/>
+              <a:t>Modifiez le style du titre</a:t>
+            </a:r>
+            <a:endParaRPr lang="en-US" dirty="0"/>
+          </a:p>
+        </p:txBody>
+      </p:sp>
+      <p:sp>
+        <p:nvSpPr>
+          <p:cNvPr id="3" name="Text Placeholder 2"/>
+          <p:cNvSpPr>
+            <a:spLocks noGrp="1"/>
+          </p:cNvSpPr>
+          <p:nvPr>
+            <p:ph type="body" idx="1"/>
+          </p:nvPr>
+        </p:nvSpPr>
+        <p:spPr>
+          <a:xfrm>
+            <a:off x="1005872" y="1835254"/>
+            <a:ext cx="4876344" cy="544884"/>
           </a:xfrm>
         </p:spPr>
         <p:txBody>
-          <a:bodyPr/>
-          <a:lstStyle/>
-          <a:p>
-            <a:r>
-              <a:rPr lang="fr-FR" smtClean="0"/>
-              <a:t>Modifiez le style du titre</a:t>
-            </a:r>
-            <a:endParaRPr lang="fr-CH"/>
-          </a:p>
-        </p:txBody>
-      </p:sp>
-      <p:sp>
-        <p:nvSpPr>
-          <p:cNvPr id="3" name="Espace réservé du texte 2"/>
-          <p:cNvSpPr>
-            <a:spLocks noGrp="1"/>
-          </p:cNvSpPr>
-          <p:nvPr>
-            <p:ph type="body" idx="1"/>
-          </p:nvPr>
-        </p:nvSpPr>
-        <p:spPr>
-          <a:xfrm>
-            <a:off x="839788" y="1681163"/>
-            <a:ext cx="5157787" cy="823912"/>
-          </a:xfrm>
-        </p:spPr>
-        <p:txBody>
-          <a:bodyPr anchor="b"/>
+          <a:bodyPr anchor="b">
+            <a:noAutofit/>
+          </a:bodyPr>
           <a:lstStyle>
-            <a:lvl1pPr marL="0" indent="0">
-              <a:buNone/>
-              <a:defRPr sz="2400" b="1"/>
+            <a:lvl1pPr marL="0" indent="0" algn="ctr">
+              <a:buNone/>
+              <a:defRPr sz="2400" b="0"/>
             </a:lvl1pPr>
             <a:lvl2pPr marL="457200" indent="0">
               <a:buNone/>
@@ -1431,7 +4179,7 @@
       </p:sp>
       <p:sp>
         <p:nvSpPr>
-          <p:cNvPr id="4" name="Espace réservé du contenu 3"/>
+          <p:cNvPr id="4" name="Content Placeholder 3"/>
           <p:cNvSpPr>
             <a:spLocks noGrp="1"/>
           </p:cNvSpPr>
@@ -1441,13 +4189,31 @@
         </p:nvSpPr>
         <p:spPr>
           <a:xfrm>
-            <a:off x="839788" y="2505075"/>
-            <a:ext cx="5157787" cy="3684588"/>
+            <a:off x="1005872" y="2380137"/>
+            <a:ext cx="4876344" cy="3411063"/>
           </a:xfrm>
         </p:spPr>
         <p:txBody>
-          <a:bodyPr/>
-          <a:lstStyle/>
+          <a:bodyPr anchor="t">
+            <a:normAutofit/>
+          </a:bodyPr>
+          <a:lstStyle>
+            <a:lvl1pPr>
+              <a:defRPr sz="1800"/>
+            </a:lvl1pPr>
+            <a:lvl2pPr>
+              <a:defRPr sz="1600"/>
+            </a:lvl2pPr>
+            <a:lvl3pPr>
+              <a:defRPr sz="1400"/>
+            </a:lvl3pPr>
+            <a:lvl4pPr>
+              <a:defRPr sz="1200"/>
+            </a:lvl4pPr>
+            <a:lvl5pPr>
+              <a:defRPr sz="1200"/>
+            </a:lvl5pPr>
+          </a:lstStyle>
           <a:p>
             <a:pPr lvl="0"/>
             <a:r>
@@ -1482,13 +4248,13 @@
               <a:rPr lang="fr-FR" smtClean="0"/>
               <a:t>Cinquième niveau</a:t>
             </a:r>
-            <a:endParaRPr lang="fr-CH"/>
-          </a:p>
-        </p:txBody>
-      </p:sp>
-      <p:sp>
-        <p:nvSpPr>
-          <p:cNvPr id="5" name="Espace réservé du texte 4"/>
+            <a:endParaRPr lang="en-US" dirty="0"/>
+          </a:p>
+        </p:txBody>
+      </p:sp>
+      <p:sp>
+        <p:nvSpPr>
+          <p:cNvPr id="5" name="Text Placeholder 4"/>
           <p:cNvSpPr>
             <a:spLocks noGrp="1"/>
           </p:cNvSpPr>
@@ -1498,16 +4264,18 @@
         </p:nvSpPr>
         <p:spPr>
           <a:xfrm>
-            <a:off x="6172200" y="1681163"/>
-            <a:ext cx="5183188" cy="823912"/>
+            <a:off x="6294967" y="1835254"/>
+            <a:ext cx="4895330" cy="544883"/>
           </a:xfrm>
         </p:spPr>
         <p:txBody>
-          <a:bodyPr anchor="b"/>
+          <a:bodyPr anchor="b">
+            <a:noAutofit/>
+          </a:bodyPr>
           <a:lstStyle>
-            <a:lvl1pPr marL="0" indent="0">
-              <a:buNone/>
-              <a:defRPr sz="2400" b="1"/>
+            <a:lvl1pPr marL="0" indent="0" algn="ctr">
+              <a:buNone/>
+              <a:defRPr sz="2400" b="0"/>
             </a:lvl1pPr>
             <a:lvl2pPr marL="457200" indent="0">
               <a:buNone/>
@@ -1553,7 +4321,7 @@
       </p:sp>
       <p:sp>
         <p:nvSpPr>
-          <p:cNvPr id="6" name="Espace réservé du contenu 5"/>
+          <p:cNvPr id="6" name="Content Placeholder 5"/>
           <p:cNvSpPr>
             <a:spLocks noGrp="1"/>
           </p:cNvSpPr>
@@ -1563,13 +4331,31 @@
         </p:nvSpPr>
         <p:spPr>
           <a:xfrm>
-            <a:off x="6172200" y="2505075"/>
-            <a:ext cx="5183188" cy="3684588"/>
+            <a:off x="6294967" y="2380137"/>
+            <a:ext cx="4895330" cy="3411063"/>
           </a:xfrm>
         </p:spPr>
         <p:txBody>
-          <a:bodyPr/>
-          <a:lstStyle/>
+          <a:bodyPr anchor="t">
+            <a:normAutofit/>
+          </a:bodyPr>
+          <a:lstStyle>
+            <a:lvl1pPr>
+              <a:defRPr sz="1800"/>
+            </a:lvl1pPr>
+            <a:lvl2pPr>
+              <a:defRPr sz="1600"/>
+            </a:lvl2pPr>
+            <a:lvl3pPr>
+              <a:defRPr sz="1400"/>
+            </a:lvl3pPr>
+            <a:lvl4pPr>
+              <a:defRPr sz="1200"/>
+            </a:lvl4pPr>
+            <a:lvl5pPr>
+              <a:defRPr sz="1200"/>
+            </a:lvl5pPr>
+          </a:lstStyle>
           <a:p>
             <a:pPr lvl="0"/>
             <a:r>
@@ -1604,13 +4390,13 @@
               <a:rPr lang="fr-FR" smtClean="0"/>
               <a:t>Cinquième niveau</a:t>
             </a:r>
-            <a:endParaRPr lang="fr-CH"/>
-          </a:p>
-        </p:txBody>
-      </p:sp>
-      <p:sp>
-        <p:nvSpPr>
-          <p:cNvPr id="7" name="Espace réservé de la date 6"/>
+            <a:endParaRPr lang="en-US" dirty="0"/>
+          </a:p>
+        </p:txBody>
+      </p:sp>
+      <p:sp>
+        <p:nvSpPr>
+          <p:cNvPr id="7" name="Date Placeholder 6"/>
           <p:cNvSpPr>
             <a:spLocks noGrp="1"/>
           </p:cNvSpPr>
@@ -1633,7 +4419,7 @@
       </p:sp>
       <p:sp>
         <p:nvSpPr>
-          <p:cNvPr id="8" name="Espace réservé du pied de page 7"/>
+          <p:cNvPr id="8" name="Footer Placeholder 7"/>
           <p:cNvSpPr>
             <a:spLocks noGrp="1"/>
           </p:cNvSpPr>
@@ -1652,7 +4438,7 @@
       </p:sp>
       <p:sp>
         <p:nvSpPr>
-          <p:cNvPr id="9" name="Espace réservé du numéro de diapositive 8"/>
+          <p:cNvPr id="9" name="Slide Number Placeholder 8"/>
           <p:cNvSpPr>
             <a:spLocks noGrp="1"/>
           </p:cNvSpPr>
@@ -1676,7 +4462,7 @@
     </p:spTree>
     <p:extLst>
       <p:ext uri="{BB962C8B-B14F-4D97-AF65-F5344CB8AC3E}">
-        <p14:creationId xmlns:p14="http://schemas.microsoft.com/office/powerpoint/2010/main" val="447587667"/>
+        <p14:creationId xmlns:p14="http://schemas.microsoft.com/office/powerpoint/2010/main" val="791570439"/>
       </p:ext>
     </p:extLst>
   </p:cSld>
@@ -1686,6 +4472,13 @@
   <p:transition>
     <p:push dir="u"/>
   </p:transition>
+  <p:timing>
+    <p:tnLst>
+      <p:par>
+        <p:cTn id="1" dur="indefinite" restart="never" nodeType="tmRoot"/>
+      </p:par>
+    </p:tnLst>
+  </p:timing>
 </p:sldLayout>
 </file>
 
@@ -1708,7 +4501,7 @@
       </p:grpSpPr>
       <p:sp>
         <p:nvSpPr>
-          <p:cNvPr id="2" name="Titre 1"/>
+          <p:cNvPr id="2" name="Title 1"/>
           <p:cNvSpPr>
             <a:spLocks noGrp="1"/>
           </p:cNvSpPr>
@@ -1725,13 +4518,13 @@
               <a:rPr lang="fr-FR" smtClean="0"/>
               <a:t>Modifiez le style du titre</a:t>
             </a:r>
-            <a:endParaRPr lang="fr-CH"/>
-          </a:p>
-        </p:txBody>
-      </p:sp>
-      <p:sp>
-        <p:nvSpPr>
-          <p:cNvPr id="3" name="Espace réservé de la date 2"/>
+            <a:endParaRPr lang="en-US" dirty="0"/>
+          </a:p>
+        </p:txBody>
+      </p:sp>
+      <p:sp>
+        <p:nvSpPr>
+          <p:cNvPr id="3" name="Date Placeholder 2"/>
           <p:cNvSpPr>
             <a:spLocks noGrp="1"/>
           </p:cNvSpPr>
@@ -1754,7 +4547,7 @@
       </p:sp>
       <p:sp>
         <p:nvSpPr>
-          <p:cNvPr id="4" name="Espace réservé du pied de page 3"/>
+          <p:cNvPr id="4" name="Footer Placeholder 3"/>
           <p:cNvSpPr>
             <a:spLocks noGrp="1"/>
           </p:cNvSpPr>
@@ -1773,7 +4566,7 @@
       </p:sp>
       <p:sp>
         <p:nvSpPr>
-          <p:cNvPr id="5" name="Espace réservé du numéro de diapositive 4"/>
+          <p:cNvPr id="5" name="Slide Number Placeholder 4"/>
           <p:cNvSpPr>
             <a:spLocks noGrp="1"/>
           </p:cNvSpPr>
@@ -1797,7 +4590,7 @@
     </p:spTree>
     <p:extLst>
       <p:ext uri="{BB962C8B-B14F-4D97-AF65-F5344CB8AC3E}">
-        <p14:creationId xmlns:p14="http://schemas.microsoft.com/office/powerpoint/2010/main" val="2903905467"/>
+        <p14:creationId xmlns:p14="http://schemas.microsoft.com/office/powerpoint/2010/main" val="2606744102"/>
       </p:ext>
     </p:extLst>
   </p:cSld>
@@ -1807,6 +4600,13 @@
   <p:transition>
     <p:push dir="u"/>
   </p:transition>
+  <p:timing>
+    <p:tnLst>
+      <p:par>
+        <p:cTn id="1" dur="indefinite" restart="never" nodeType="tmRoot"/>
+      </p:par>
+    </p:tnLst>
+  </p:timing>
 </p:sldLayout>
 </file>
 
@@ -1829,7 +4629,7 @@
       </p:grpSpPr>
       <p:sp>
         <p:nvSpPr>
-          <p:cNvPr id="2" name="Espace réservé de la date 1"/>
+          <p:cNvPr id="2" name="Date Placeholder 1"/>
           <p:cNvSpPr>
             <a:spLocks noGrp="1"/>
           </p:cNvSpPr>
@@ -1852,7 +4652,7 @@
       </p:sp>
       <p:sp>
         <p:nvSpPr>
-          <p:cNvPr id="3" name="Espace réservé du pied de page 2"/>
+          <p:cNvPr id="3" name="Footer Placeholder 2"/>
           <p:cNvSpPr>
             <a:spLocks noGrp="1"/>
           </p:cNvSpPr>
@@ -1871,7 +4671,7 @@
       </p:sp>
       <p:sp>
         <p:nvSpPr>
-          <p:cNvPr id="4" name="Espace réservé du numéro de diapositive 3"/>
+          <p:cNvPr id="4" name="Slide Number Placeholder 3"/>
           <p:cNvSpPr>
             <a:spLocks noGrp="1"/>
           </p:cNvSpPr>
@@ -1895,7 +4695,7 @@
     </p:spTree>
     <p:extLst>
       <p:ext uri="{BB962C8B-B14F-4D97-AF65-F5344CB8AC3E}">
-        <p14:creationId xmlns:p14="http://schemas.microsoft.com/office/powerpoint/2010/main" val="3761557011"/>
+        <p14:creationId xmlns:p14="http://schemas.microsoft.com/office/powerpoint/2010/main" val="2202363951"/>
       </p:ext>
     </p:extLst>
   </p:cSld>
@@ -1905,6 +4705,13 @@
   <p:transition>
     <p:push dir="u"/>
   </p:transition>
+  <p:timing>
+    <p:tnLst>
+      <p:par>
+        <p:cTn id="1" dur="indefinite" restart="never" nodeType="tmRoot"/>
+      </p:par>
+    </p:tnLst>
+  </p:timing>
 </p:sldLayout>
 </file>
 
@@ -1927,7 +4734,7 @@
       </p:grpSpPr>
       <p:sp>
         <p:nvSpPr>
-          <p:cNvPr id="2" name="Titre 1"/>
+          <p:cNvPr id="2" name="Title 1"/>
           <p:cNvSpPr>
             <a:spLocks noGrp="1"/>
           </p:cNvSpPr>
@@ -1937,15 +4744,17 @@
         </p:nvSpPr>
         <p:spPr>
           <a:xfrm>
-            <a:off x="839788" y="457200"/>
-            <a:ext cx="3932237" cy="1600200"/>
+            <a:off x="913795" y="609600"/>
+            <a:ext cx="3706889" cy="1821918"/>
           </a:xfrm>
         </p:spPr>
         <p:txBody>
-          <a:bodyPr anchor="b"/>
+          <a:bodyPr anchor="b">
+            <a:normAutofit/>
+          </a:bodyPr>
           <a:lstStyle>
-            <a:lvl1pPr>
-              <a:defRPr sz="3200"/>
+            <a:lvl1pPr algn="ctr">
+              <a:defRPr sz="2400" b="0"/>
             </a:lvl1pPr>
           </a:lstStyle>
           <a:p>
@@ -1953,13 +4762,13 @@
               <a:rPr lang="fr-FR" smtClean="0"/>
               <a:t>Modifiez le style du titre</a:t>
             </a:r>
-            <a:endParaRPr lang="fr-CH"/>
-          </a:p>
-        </p:txBody>
-      </p:sp>
-      <p:sp>
-        <p:nvSpPr>
-          <p:cNvPr id="3" name="Espace réservé du contenu 2"/>
+            <a:endParaRPr lang="en-US" dirty="0"/>
+          </a:p>
+        </p:txBody>
+      </p:sp>
+      <p:sp>
+        <p:nvSpPr>
+          <p:cNvPr id="3" name="Content Placeholder 2"/>
           <p:cNvSpPr>
             <a:spLocks noGrp="1"/>
           </p:cNvSpPr>
@@ -1969,41 +4778,15 @@
         </p:nvSpPr>
         <p:spPr>
           <a:xfrm>
-            <a:off x="5183188" y="987425"/>
-            <a:ext cx="6172200" cy="4873625"/>
+            <a:off x="4855633" y="609600"/>
+            <a:ext cx="6411924" cy="5181600"/>
           </a:xfrm>
         </p:spPr>
         <p:txBody>
-          <a:bodyPr/>
-          <a:lstStyle>
-            <a:lvl1pPr>
-              <a:defRPr sz="3200"/>
-            </a:lvl1pPr>
-            <a:lvl2pPr>
-              <a:defRPr sz="2800"/>
-            </a:lvl2pPr>
-            <a:lvl3pPr>
-              <a:defRPr sz="2400"/>
-            </a:lvl3pPr>
-            <a:lvl4pPr>
-              <a:defRPr sz="2000"/>
-            </a:lvl4pPr>
-            <a:lvl5pPr>
-              <a:defRPr sz="2000"/>
-            </a:lvl5pPr>
-            <a:lvl6pPr>
-              <a:defRPr sz="2000"/>
-            </a:lvl6pPr>
-            <a:lvl7pPr>
-              <a:defRPr sz="2000"/>
-            </a:lvl7pPr>
-            <a:lvl8pPr>
-              <a:defRPr sz="2000"/>
-            </a:lvl8pPr>
-            <a:lvl9pPr>
-              <a:defRPr sz="2000"/>
-            </a:lvl9pPr>
-          </a:lstStyle>
+          <a:bodyPr>
+            <a:normAutofit/>
+          </a:bodyPr>
+          <a:lstStyle/>
           <a:p>
             <a:pPr lvl="0"/>
             <a:r>
@@ -2038,13 +4821,13 @@
               <a:rPr lang="fr-FR" smtClean="0"/>
               <a:t>Cinquième niveau</a:t>
             </a:r>
-            <a:endParaRPr lang="fr-CH"/>
-          </a:p>
-        </p:txBody>
-      </p:sp>
-      <p:sp>
-        <p:nvSpPr>
-          <p:cNvPr id="4" name="Espace réservé du texte 3"/>
+            <a:endParaRPr lang="en-US" dirty="0"/>
+          </a:p>
+        </p:txBody>
+      </p:sp>
+      <p:sp>
+        <p:nvSpPr>
+          <p:cNvPr id="4" name="Text Placeholder 3"/>
           <p:cNvSpPr>
             <a:spLocks noGrp="1"/>
           </p:cNvSpPr>
@@ -2054,48 +4837,50 @@
         </p:nvSpPr>
         <p:spPr>
           <a:xfrm>
-            <a:off x="839788" y="2057400"/>
-            <a:ext cx="3932237" cy="3811588"/>
+            <a:off x="913795" y="2431518"/>
+            <a:ext cx="3706889" cy="3359681"/>
           </a:xfrm>
         </p:spPr>
         <p:txBody>
-          <a:bodyPr/>
+          <a:bodyPr anchor="t">
+            <a:normAutofit/>
+          </a:bodyPr>
           <a:lstStyle>
-            <a:lvl1pPr marL="0" indent="0">
+            <a:lvl1pPr marL="0" indent="0" algn="ctr">
               <a:buNone/>
               <a:defRPr sz="1600"/>
             </a:lvl1pPr>
             <a:lvl2pPr marL="457200" indent="0">
               <a:buNone/>
-              <a:defRPr sz="1400"/>
+              <a:defRPr sz="1200"/>
             </a:lvl2pPr>
             <a:lvl3pPr marL="914400" indent="0">
               <a:buNone/>
-              <a:defRPr sz="1200"/>
+              <a:defRPr sz="1000"/>
             </a:lvl3pPr>
             <a:lvl4pPr marL="1371600" indent="0">
               <a:buNone/>
-              <a:defRPr sz="1000"/>
+              <a:defRPr sz="900"/>
             </a:lvl4pPr>
             <a:lvl5pPr marL="1828800" indent="0">
               <a:buNone/>
-              <a:defRPr sz="1000"/>
+              <a:defRPr sz="900"/>
             </a:lvl5pPr>
             <a:lvl6pPr marL="2286000" indent="0">
               <a:buNone/>
-              <a:defRPr sz="1000"/>
+              <a:defRPr sz="900"/>
             </a:lvl6pPr>
             <a:lvl7pPr marL="2743200" indent="0">
               <a:buNone/>
-              <a:defRPr sz="1000"/>
+              <a:defRPr sz="900"/>
             </a:lvl7pPr>
             <a:lvl8pPr marL="3200400" indent="0">
               <a:buNone/>
-              <a:defRPr sz="1000"/>
+              <a:defRPr sz="900"/>
             </a:lvl8pPr>
             <a:lvl9pPr marL="3657600" indent="0">
               <a:buNone/>
-              <a:defRPr sz="1000"/>
+              <a:defRPr sz="900"/>
             </a:lvl9pPr>
           </a:lstStyle>
           <a:p>
@@ -2109,7 +4894,7 @@
       </p:sp>
       <p:sp>
         <p:nvSpPr>
-          <p:cNvPr id="5" name="Espace réservé de la date 4"/>
+          <p:cNvPr id="5" name="Date Placeholder 4"/>
           <p:cNvSpPr>
             <a:spLocks noGrp="1"/>
           </p:cNvSpPr>
@@ -2132,7 +4917,7 @@
       </p:sp>
       <p:sp>
         <p:nvSpPr>
-          <p:cNvPr id="6" name="Espace réservé du pied de page 5"/>
+          <p:cNvPr id="6" name="Footer Placeholder 5"/>
           <p:cNvSpPr>
             <a:spLocks noGrp="1"/>
           </p:cNvSpPr>
@@ -2151,7 +4936,7 @@
       </p:sp>
       <p:sp>
         <p:nvSpPr>
-          <p:cNvPr id="7" name="Espace réservé du numéro de diapositive 6"/>
+          <p:cNvPr id="7" name="Slide Number Placeholder 6"/>
           <p:cNvSpPr>
             <a:spLocks noGrp="1"/>
           </p:cNvSpPr>
@@ -2175,7 +4960,7 @@
     </p:spTree>
     <p:extLst>
       <p:ext uri="{BB962C8B-B14F-4D97-AF65-F5344CB8AC3E}">
-        <p14:creationId xmlns:p14="http://schemas.microsoft.com/office/powerpoint/2010/main" val="3989562459"/>
+        <p14:creationId xmlns:p14="http://schemas.microsoft.com/office/powerpoint/2010/main" val="1141644129"/>
       </p:ext>
     </p:extLst>
   </p:cSld>
@@ -2185,6 +4970,13 @@
   <p:transition>
     <p:push dir="u"/>
   </p:transition>
+  <p:timing>
+    <p:tnLst>
+      <p:par>
+        <p:cTn id="1" dur="indefinite" restart="never" nodeType="tmRoot"/>
+      </p:par>
+    </p:tnLst>
+  </p:timing>
 </p:sldLayout>
 </file>
 
@@ -2205,27 +4997,59 @@
           <a:chExt cx="0" cy="0"/>
         </a:xfrm>
       </p:grpSpPr>
-      <p:sp>
-        <p:nvSpPr>
-          <p:cNvPr id="2" name="Titre 1"/>
-          <p:cNvSpPr>
-            <a:spLocks noGrp="1"/>
-          </p:cNvSpPr>
-          <p:nvPr>
-            <p:ph type="title"/>
-          </p:nvPr>
-        </p:nvSpPr>
+      <p:pic>
+        <p:nvPicPr>
+          <p:cNvPr id="22" name="Picture 21" descr="Slate-V2-HD-vertPhotoInset.png"/>
+          <p:cNvPicPr>
+            <a:picLocks noChangeAspect="1"/>
+          </p:cNvPicPr>
+          <p:nvPr/>
+        </p:nvPicPr>
+        <p:blipFill>
+          <a:blip r:embed="rId2">
+            <a:extLst>
+              <a:ext uri="{28A0092B-C50C-407E-A947-70E740481C1C}">
+                <a14:useLocalDpi xmlns:a14="http://schemas.microsoft.com/office/drawing/2010/main" val="0"/>
+              </a:ext>
+            </a:extLst>
+          </a:blip>
+          <a:stretch>
+            <a:fillRect/>
+          </a:stretch>
+        </p:blipFill>
         <p:spPr>
           <a:xfrm>
-            <a:off x="839788" y="457200"/>
-            <a:ext cx="3932237" cy="1600200"/>
+            <a:off x="7293665" y="609600"/>
+            <a:ext cx="3584166" cy="5204832"/>
+          </a:xfrm>
+          <a:prstGeom prst="rect">
+            <a:avLst/>
+          </a:prstGeom>
+        </p:spPr>
+      </p:pic>
+      <p:sp>
+        <p:nvSpPr>
+          <p:cNvPr id="2" name="Title 1"/>
+          <p:cNvSpPr>
+            <a:spLocks noGrp="1"/>
+          </p:cNvSpPr>
+          <p:nvPr>
+            <p:ph type="title"/>
+          </p:nvPr>
+        </p:nvSpPr>
+        <p:spPr>
+          <a:xfrm>
+            <a:off x="913795" y="609923"/>
+            <a:ext cx="5934949" cy="1829338"/>
           </a:xfrm>
         </p:spPr>
         <p:txBody>
-          <a:bodyPr anchor="b"/>
+          <a:bodyPr anchor="b">
+            <a:noAutofit/>
+          </a:bodyPr>
           <a:lstStyle>
-            <a:lvl1pPr>
-              <a:defRPr sz="3200"/>
+            <a:lvl1pPr algn="ctr">
+              <a:defRPr sz="3200" b="0"/>
             </a:lvl1pPr>
           </a:lstStyle>
           <a:p>
@@ -2233,15 +5057,15 @@
               <a:rPr lang="fr-FR" smtClean="0"/>
               <a:t>Modifiez le style du titre</a:t>
             </a:r>
-            <a:endParaRPr lang="fr-CH"/>
-          </a:p>
-        </p:txBody>
-      </p:sp>
-      <p:sp>
-        <p:nvSpPr>
-          <p:cNvPr id="3" name="Espace réservé pour une image  2"/>
-          <p:cNvSpPr>
-            <a:spLocks noGrp="1"/>
+            <a:endParaRPr lang="en-US" dirty="0"/>
+          </a:p>
+        </p:txBody>
+      </p:sp>
+      <p:sp>
+        <p:nvSpPr>
+          <p:cNvPr id="3" name="Picture Placeholder 2"/>
+          <p:cNvSpPr>
+            <a:spLocks noGrp="1" noChangeAspect="1"/>
           </p:cNvSpPr>
           <p:nvPr>
             <p:ph type="pic" idx="1"/>
@@ -2249,112 +5073,127 @@
         </p:nvSpPr>
         <p:spPr>
           <a:xfrm>
-            <a:off x="5183188" y="987425"/>
-            <a:ext cx="6172200" cy="4873625"/>
+            <a:off x="7442551" y="763702"/>
+            <a:ext cx="3275751" cy="4912822"/>
           </a:xfrm>
+          <a:effectLst>
+            <a:outerShdw blurRad="38100" dist="25400" dir="4440000">
+              <a:srgbClr val="000000">
+                <a:alpha val="36000"/>
+              </a:srgbClr>
+            </a:outerShdw>
+          </a:effectLst>
         </p:spPr>
         <p:txBody>
-          <a:bodyPr/>
+          <a:bodyPr anchor="t">
+            <a:normAutofit/>
+          </a:bodyPr>
           <a:lstStyle>
-            <a:lvl1pPr marL="0" indent="0">
-              <a:buNone/>
-              <a:defRPr sz="3200"/>
-            </a:lvl1pPr>
-            <a:lvl2pPr marL="457200" indent="0">
-              <a:buNone/>
-              <a:defRPr sz="2800"/>
-            </a:lvl2pPr>
-            <a:lvl3pPr marL="914400" indent="0">
-              <a:buNone/>
-              <a:defRPr sz="2400"/>
-            </a:lvl3pPr>
-            <a:lvl4pPr marL="1371600" indent="0">
-              <a:buNone/>
-              <a:defRPr sz="2000"/>
-            </a:lvl4pPr>
-            <a:lvl5pPr marL="1828800" indent="0">
-              <a:buNone/>
-              <a:defRPr sz="2000"/>
-            </a:lvl5pPr>
-            <a:lvl6pPr marL="2286000" indent="0">
-              <a:buNone/>
-              <a:defRPr sz="2000"/>
-            </a:lvl6pPr>
-            <a:lvl7pPr marL="2743200" indent="0">
-              <a:buNone/>
-              <a:defRPr sz="2000"/>
-            </a:lvl7pPr>
-            <a:lvl8pPr marL="3200400" indent="0">
-              <a:buNone/>
-              <a:defRPr sz="2000"/>
-            </a:lvl8pPr>
-            <a:lvl9pPr marL="3657600" indent="0">
-              <a:buNone/>
-              <a:defRPr sz="2000"/>
-            </a:lvl9pPr>
-          </a:lstStyle>
-          <a:p>
-            <a:endParaRPr lang="fr-CH"/>
-          </a:p>
-        </p:txBody>
-      </p:sp>
-      <p:sp>
-        <p:nvSpPr>
-          <p:cNvPr id="4" name="Espace réservé du texte 3"/>
-          <p:cNvSpPr>
-            <a:spLocks noGrp="1"/>
-          </p:cNvSpPr>
-          <p:nvPr>
-            <p:ph type="body" sz="half" idx="2"/>
-          </p:nvPr>
-        </p:nvSpPr>
-        <p:spPr>
-          <a:xfrm>
-            <a:off x="839788" y="2057400"/>
-            <a:ext cx="3932237" cy="3811588"/>
-          </a:xfrm>
-        </p:spPr>
-        <p:txBody>
-          <a:bodyPr/>
-          <a:lstStyle>
-            <a:lvl1pPr marL="0" indent="0">
+            <a:lvl1pPr marL="0" indent="0" algn="ctr">
               <a:buNone/>
               <a:defRPr sz="1600"/>
             </a:lvl1pPr>
             <a:lvl2pPr marL="457200" indent="0">
               <a:buNone/>
-              <a:defRPr sz="1400"/>
+              <a:defRPr sz="1600"/>
             </a:lvl2pPr>
             <a:lvl3pPr marL="914400" indent="0">
               <a:buNone/>
-              <a:defRPr sz="1200"/>
+              <a:defRPr sz="1600"/>
             </a:lvl3pPr>
             <a:lvl4pPr marL="1371600" indent="0">
               <a:buNone/>
-              <a:defRPr sz="1000"/>
+              <a:defRPr sz="1600"/>
             </a:lvl4pPr>
             <a:lvl5pPr marL="1828800" indent="0">
               <a:buNone/>
-              <a:defRPr sz="1000"/>
+              <a:defRPr sz="1600"/>
             </a:lvl5pPr>
             <a:lvl6pPr marL="2286000" indent="0">
               <a:buNone/>
-              <a:defRPr sz="1000"/>
+              <a:defRPr sz="1600"/>
             </a:lvl6pPr>
             <a:lvl7pPr marL="2743200" indent="0">
               <a:buNone/>
-              <a:defRPr sz="1000"/>
+              <a:defRPr sz="1600"/>
             </a:lvl7pPr>
             <a:lvl8pPr marL="3200400" indent="0">
               <a:buNone/>
-              <a:defRPr sz="1000"/>
+              <a:defRPr sz="1600"/>
             </a:lvl8pPr>
             <a:lvl9pPr marL="3657600" indent="0">
               <a:buNone/>
-              <a:defRPr sz="1000"/>
+              <a:defRPr sz="1600"/>
             </a:lvl9pPr>
           </a:lstStyle>
           <a:p>
+            <a:r>
+              <a:rPr lang="fr-FR" smtClean="0"/>
+              <a:t>Cliquez sur l'icône pour ajouter une image</a:t>
+            </a:r>
+            <a:endParaRPr lang="en-US" dirty="0"/>
+          </a:p>
+        </p:txBody>
+      </p:sp>
+      <p:sp>
+        <p:nvSpPr>
+          <p:cNvPr id="4" name="Text Placeholder 3"/>
+          <p:cNvSpPr>
+            <a:spLocks noGrp="1"/>
+          </p:cNvSpPr>
+          <p:nvPr>
+            <p:ph type="body" sz="half" idx="2"/>
+          </p:nvPr>
+        </p:nvSpPr>
+        <p:spPr>
+          <a:xfrm>
+            <a:off x="913795" y="2439261"/>
+            <a:ext cx="5934949" cy="3376134"/>
+          </a:xfrm>
+        </p:spPr>
+        <p:txBody>
+          <a:bodyPr anchor="t">
+            <a:normAutofit/>
+          </a:bodyPr>
+          <a:lstStyle>
+            <a:lvl1pPr marL="0" indent="0" algn="ctr">
+              <a:buNone/>
+              <a:defRPr sz="1600"/>
+            </a:lvl1pPr>
+            <a:lvl2pPr marL="457200" indent="0">
+              <a:buNone/>
+              <a:defRPr sz="1200"/>
+            </a:lvl2pPr>
+            <a:lvl3pPr marL="914400" indent="0">
+              <a:buNone/>
+              <a:defRPr sz="1000"/>
+            </a:lvl3pPr>
+            <a:lvl4pPr marL="1371600" indent="0">
+              <a:buNone/>
+              <a:defRPr sz="900"/>
+            </a:lvl4pPr>
+            <a:lvl5pPr marL="1828800" indent="0">
+              <a:buNone/>
+              <a:defRPr sz="900"/>
+            </a:lvl5pPr>
+            <a:lvl6pPr marL="2286000" indent="0">
+              <a:buNone/>
+              <a:defRPr sz="900"/>
+            </a:lvl6pPr>
+            <a:lvl7pPr marL="2743200" indent="0">
+              <a:buNone/>
+              <a:defRPr sz="900"/>
+            </a:lvl7pPr>
+            <a:lvl8pPr marL="3200400" indent="0">
+              <a:buNone/>
+              <a:defRPr sz="900"/>
+            </a:lvl8pPr>
+            <a:lvl9pPr marL="3657600" indent="0">
+              <a:buNone/>
+              <a:defRPr sz="900"/>
+            </a:lvl9pPr>
+          </a:lstStyle>
+          <a:p>
             <a:pPr lvl="0"/>
             <a:r>
               <a:rPr lang="fr-FR" smtClean="0"/>
@@ -2365,7 +5204,7 @@
       </p:sp>
       <p:sp>
         <p:nvSpPr>
-          <p:cNvPr id="5" name="Espace réservé de la date 4"/>
+          <p:cNvPr id="5" name="Date Placeholder 4"/>
           <p:cNvSpPr>
             <a:spLocks noGrp="1"/>
           </p:cNvSpPr>
@@ -2388,7 +5227,7 @@
       </p:sp>
       <p:sp>
         <p:nvSpPr>
-          <p:cNvPr id="6" name="Espace réservé du pied de page 5"/>
+          <p:cNvPr id="6" name="Footer Placeholder 5"/>
           <p:cNvSpPr>
             <a:spLocks noGrp="1"/>
           </p:cNvSpPr>
@@ -2407,7 +5246,7 @@
       </p:sp>
       <p:sp>
         <p:nvSpPr>
-          <p:cNvPr id="7" name="Espace réservé du numéro de diapositive 6"/>
+          <p:cNvPr id="7" name="Slide Number Placeholder 6"/>
           <p:cNvSpPr>
             <a:spLocks noGrp="1"/>
           </p:cNvSpPr>
@@ -2431,7 +5270,7 @@
     </p:spTree>
     <p:extLst>
       <p:ext uri="{BB962C8B-B14F-4D97-AF65-F5344CB8AC3E}">
-        <p14:creationId xmlns:p14="http://schemas.microsoft.com/office/powerpoint/2010/main" val="2969926025"/>
+        <p14:creationId xmlns:p14="http://schemas.microsoft.com/office/powerpoint/2010/main" val="108433760"/>
       </p:ext>
     </p:extLst>
   </p:cSld>
@@ -2441,6 +5280,13 @@
   <p:transition>
     <p:push dir="u"/>
   </p:transition>
+  <p:timing>
+    <p:tnLst>
+      <p:par>
+        <p:cTn id="1" dur="indefinite" restart="never" nodeType="tmRoot"/>
+      </p:par>
+    </p:tnLst>
+  </p:timing>
 </p:sldLayout>
 </file>
 
@@ -2448,8 +5294,8 @@
 <p:sldMaster xmlns:a="http://schemas.openxmlformats.org/drawingml/2006/main" xmlns:r="http://schemas.openxmlformats.org/officeDocument/2006/relationships" xmlns:p="http://schemas.openxmlformats.org/presentationml/2006/main">
   <p:cSld>
     <p:bg>
-      <p:bgRef idx="1001">
-        <a:schemeClr val="bg1"/>
+      <p:bgRef idx="1003">
+        <a:schemeClr val="bg2"/>
       </p:bgRef>
     </p:bg>
     <p:spTree>
@@ -2468,7 +5314,7 @@
       </p:grpSpPr>
       <p:sp>
         <p:nvSpPr>
-          <p:cNvPr id="2" name="Espace réservé du titre 1"/>
+          <p:cNvPr id="2" name="Title Placeholder 1"/>
           <p:cNvSpPr>
             <a:spLocks noGrp="1"/>
           </p:cNvSpPr>
@@ -2478,12 +5324,19 @@
         </p:nvSpPr>
         <p:spPr>
           <a:xfrm>
-            <a:off x="838200" y="365125"/>
-            <a:ext cx="10515600" cy="1325563"/>
+            <a:off x="913795" y="609600"/>
+            <a:ext cx="10353762" cy="970450"/>
           </a:xfrm>
           <a:prstGeom prst="rect">
             <a:avLst/>
           </a:prstGeom>
+          <a:effectLst>
+            <a:outerShdw blurRad="25400" dir="17880000">
+              <a:srgbClr val="000000">
+                <a:alpha val="46000"/>
+              </a:srgbClr>
+            </a:outerShdw>
+          </a:effectLst>
         </p:spPr>
         <p:txBody>
           <a:bodyPr vert="horz" lIns="91440" tIns="45720" rIns="91440" bIns="45720" rtlCol="0" anchor="ctr">
@@ -2495,13 +5348,13 @@
               <a:rPr lang="fr-FR" smtClean="0"/>
               <a:t>Modifiez le style du titre</a:t>
             </a:r>
-            <a:endParaRPr lang="fr-CH"/>
-          </a:p>
-        </p:txBody>
-      </p:sp>
-      <p:sp>
-        <p:nvSpPr>
-          <p:cNvPr id="3" name="Espace réservé du texte 2"/>
+            <a:endParaRPr lang="en-US" dirty="0"/>
+          </a:p>
+        </p:txBody>
+      </p:sp>
+      <p:sp>
+        <p:nvSpPr>
+          <p:cNvPr id="3" name="Text Placeholder 2"/>
           <p:cNvSpPr>
             <a:spLocks noGrp="1"/>
           </p:cNvSpPr>
@@ -2511,15 +5364,22 @@
         </p:nvSpPr>
         <p:spPr>
           <a:xfrm>
-            <a:off x="838200" y="1825625"/>
-            <a:ext cx="10515600" cy="4351338"/>
+            <a:off x="913795" y="1732449"/>
+            <a:ext cx="10353762" cy="4058751"/>
           </a:xfrm>
           <a:prstGeom prst="rect">
             <a:avLst/>
           </a:prstGeom>
+          <a:effectLst>
+            <a:outerShdw blurRad="25400" dir="17880000">
+              <a:srgbClr val="000000">
+                <a:alpha val="46000"/>
+              </a:srgbClr>
+            </a:outerShdw>
+          </a:effectLst>
         </p:spPr>
         <p:txBody>
-          <a:bodyPr vert="horz" lIns="91440" tIns="45720" rIns="91440" bIns="45720" rtlCol="0">
+          <a:bodyPr vert="horz" lIns="91440" tIns="45720" rIns="91440" bIns="45720" rtlCol="0" anchor="t">
             <a:normAutofit/>
           </a:bodyPr>
           <a:lstStyle/>
@@ -2557,13 +5417,13 @@
               <a:rPr lang="fr-FR" smtClean="0"/>
               <a:t>Cinquième niveau</a:t>
             </a:r>
-            <a:endParaRPr lang="fr-CH"/>
-          </a:p>
-        </p:txBody>
-      </p:sp>
-      <p:sp>
-        <p:nvSpPr>
-          <p:cNvPr id="4" name="Espace réservé de la date 3"/>
+            <a:endParaRPr lang="en-US" dirty="0"/>
+          </a:p>
+        </p:txBody>
+      </p:sp>
+      <p:sp>
+        <p:nvSpPr>
+          <p:cNvPr id="4" name="Date Placeholder 3"/>
           <p:cNvSpPr>
             <a:spLocks noGrp="1"/>
           </p:cNvSpPr>
@@ -2573,7 +5433,7 @@
         </p:nvSpPr>
         <p:spPr>
           <a:xfrm>
-            <a:off x="838200" y="6356350"/>
+            <a:off x="7678736" y="5883275"/>
             <a:ext cx="2743200" cy="365125"/>
           </a:xfrm>
           <a:prstGeom prst="rect">
@@ -2583,13 +5443,20 @@
         <p:txBody>
           <a:bodyPr vert="horz" lIns="91440" tIns="45720" rIns="91440" bIns="45720" rtlCol="0" anchor="ctr"/>
           <a:lstStyle>
-            <a:lvl1pPr algn="l">
-              <a:defRPr sz="1200">
+            <a:lvl1pPr algn="r">
+              <a:defRPr sz="1000">
                 <a:solidFill>
                   <a:schemeClr val="tx1">
-                    <a:tint val="75000"/>
+                    <a:lumMod val="95000"/>
                   </a:schemeClr>
                 </a:solidFill>
+                <a:effectLst>
+                  <a:outerShdw blurRad="50800" dist="38100" dir="2700000" algn="tl" rotWithShape="0">
+                    <a:schemeClr val="bg1">
+                      <a:alpha val="43000"/>
+                    </a:schemeClr>
+                  </a:outerShdw>
+                </a:effectLst>
               </a:defRPr>
             </a:lvl1pPr>
           </a:lstStyle>
@@ -2604,7 +5471,7 @@
       </p:sp>
       <p:sp>
         <p:nvSpPr>
-          <p:cNvPr id="5" name="Espace réservé du pied de page 4"/>
+          <p:cNvPr id="5" name="Footer Placeholder 4"/>
           <p:cNvSpPr>
             <a:spLocks noGrp="1"/>
           </p:cNvSpPr>
@@ -2614,8 +5481,8 @@
         </p:nvSpPr>
         <p:spPr>
           <a:xfrm>
-            <a:off x="4038600" y="6356350"/>
-            <a:ext cx="4114800" cy="365125"/>
+            <a:off x="913795" y="5883275"/>
+            <a:ext cx="6672865" cy="365125"/>
           </a:xfrm>
           <a:prstGeom prst="rect">
             <a:avLst/>
@@ -2624,13 +5491,20 @@
         <p:txBody>
           <a:bodyPr vert="horz" lIns="91440" tIns="45720" rIns="91440" bIns="45720" rtlCol="0" anchor="ctr"/>
           <a:lstStyle>
-            <a:lvl1pPr algn="ctr">
-              <a:defRPr sz="1200">
+            <a:lvl1pPr algn="l">
+              <a:defRPr sz="1000">
                 <a:solidFill>
                   <a:schemeClr val="tx1">
-                    <a:tint val="75000"/>
+                    <a:lumMod val="95000"/>
                   </a:schemeClr>
                 </a:solidFill>
+                <a:effectLst>
+                  <a:outerShdw blurRad="50800" dist="38100" dir="2700000" algn="tl" rotWithShape="0">
+                    <a:schemeClr val="bg1">
+                      <a:alpha val="43000"/>
+                    </a:schemeClr>
+                  </a:outerShdw>
+                </a:effectLst>
               </a:defRPr>
             </a:lvl1pPr>
           </a:lstStyle>
@@ -2641,7 +5515,7 @@
       </p:sp>
       <p:sp>
         <p:nvSpPr>
-          <p:cNvPr id="6" name="Espace réservé du numéro de diapositive 5"/>
+          <p:cNvPr id="6" name="Slide Number Placeholder 5"/>
           <p:cNvSpPr>
             <a:spLocks noGrp="1"/>
           </p:cNvSpPr>
@@ -2651,8 +5525,8 @@
         </p:nvSpPr>
         <p:spPr>
           <a:xfrm>
-            <a:off x="8610600" y="6356350"/>
-            <a:ext cx="2743200" cy="365125"/>
+            <a:off x="10514011" y="5883275"/>
+            <a:ext cx="753545" cy="365125"/>
           </a:xfrm>
           <a:prstGeom prst="rect">
             <a:avLst/>
@@ -2662,12 +5536,19 @@
           <a:bodyPr vert="horz" lIns="91440" tIns="45720" rIns="91440" bIns="45720" rtlCol="0" anchor="ctr"/>
           <a:lstStyle>
             <a:lvl1pPr algn="r">
-              <a:defRPr sz="1200">
+              <a:defRPr sz="1000">
                 <a:solidFill>
                   <a:schemeClr val="tx1">
-                    <a:tint val="75000"/>
+                    <a:lumMod val="95000"/>
                   </a:schemeClr>
                 </a:solidFill>
+                <a:effectLst>
+                  <a:outerShdw blurRad="50800" dist="38100" dir="2700000" algn="tl" rotWithShape="0">
+                    <a:schemeClr val="bg1">
+                      <a:alpha val="43000"/>
+                    </a:schemeClr>
+                  </a:outerShdw>
+                </a:effectLst>
               </a:defRPr>
             </a:lvl1pPr>
           </a:lstStyle>
@@ -2683,58 +5564,479 @@
     </p:spTree>
     <p:extLst>
       <p:ext uri="{BB962C8B-B14F-4D97-AF65-F5344CB8AC3E}">
-        <p14:creationId xmlns:p14="http://schemas.microsoft.com/office/powerpoint/2010/main" val="3179235852"/>
+        <p14:creationId xmlns:p14="http://schemas.microsoft.com/office/powerpoint/2010/main" val="607606814"/>
       </p:ext>
     </p:extLst>
   </p:cSld>
-  <p:clrMap bg1="lt1" tx1="dk1" bg2="lt2" tx2="dk2" accent1="accent1" accent2="accent2" accent3="accent3" accent4="accent4" accent5="accent5" accent6="accent6" hlink="hlink" folHlink="folHlink"/>
+  <p:clrMap bg1="dk1" tx1="lt1" bg2="dk2" tx2="lt2" accent1="accent1" accent2="accent2" accent3="accent3" accent4="accent4" accent5="accent5" accent6="accent6" hlink="hlink" folHlink="folHlink"/>
   <p:sldLayoutIdLst>
-    <p:sldLayoutId id="2147483649" r:id="rId1"/>
-    <p:sldLayoutId id="2147483650" r:id="rId2"/>
-    <p:sldLayoutId id="2147483651" r:id="rId3"/>
-    <p:sldLayoutId id="2147483652" r:id="rId4"/>
-    <p:sldLayoutId id="2147483653" r:id="rId5"/>
-    <p:sldLayoutId id="2147483654" r:id="rId6"/>
-    <p:sldLayoutId id="2147483655" r:id="rId7"/>
-    <p:sldLayoutId id="2147483656" r:id="rId8"/>
-    <p:sldLayoutId id="2147483657" r:id="rId9"/>
-    <p:sldLayoutId id="2147483658" r:id="rId10"/>
-    <p:sldLayoutId id="2147483659" r:id="rId11"/>
+    <p:sldLayoutId id="2147483661" r:id="rId1"/>
+    <p:sldLayoutId id="2147483662" r:id="rId2"/>
+    <p:sldLayoutId id="2147483663" r:id="rId3"/>
+    <p:sldLayoutId id="2147483664" r:id="rId4"/>
+    <p:sldLayoutId id="2147483665" r:id="rId5"/>
+    <p:sldLayoutId id="2147483666" r:id="rId6"/>
+    <p:sldLayoutId id="2147483667" r:id="rId7"/>
+    <p:sldLayoutId id="2147483668" r:id="rId8"/>
+    <p:sldLayoutId id="2147483669" r:id="rId9"/>
+    <p:sldLayoutId id="2147483670" r:id="rId10"/>
+    <p:sldLayoutId id="2147483671" r:id="rId11"/>
+    <p:sldLayoutId id="2147483672" r:id="rId12"/>
+    <p:sldLayoutId id="2147483673" r:id="rId13"/>
+    <p:sldLayoutId id="2147483674" r:id="rId14"/>
+    <p:sldLayoutId id="2147483675" r:id="rId15"/>
+    <p:sldLayoutId id="2147483676" r:id="rId16"/>
+    <p:sldLayoutId id="2147483677" r:id="rId17"/>
   </p:sldLayoutIdLst>
   <p:transition>
     <p:push dir="u"/>
   </p:transition>
+  <p:timing>
+    <p:tnLst>
+      <p:par>
+        <p:cTn id="1" dur="indefinite" restart="never" nodeType="tmRoot"/>
+      </p:par>
+    </p:tnLst>
+  </p:timing>
   <p:txStyles>
     <p:titleStyle>
-      <a:lvl1pPr algn="l" defTabSz="914400" rtl="0" eaLnBrk="1" latinLnBrk="0" hangingPunct="1">
-        <a:lnSpc>
-          <a:spcPct val="90000"/>
-        </a:lnSpc>
+      <a:lvl1pPr algn="ctr" defTabSz="457200" rtl="0" eaLnBrk="1" latinLnBrk="0" hangingPunct="1">
         <a:spcBef>
           <a:spcPct val="0"/>
         </a:spcBef>
         <a:buNone/>
-        <a:defRPr sz="4400" kern="1200">
+        <a:defRPr sz="4000" kern="1200">
+          <a:ln>
+            <a:solidFill>
+              <a:schemeClr val="bg1">
+                <a:lumMod val="75000"/>
+                <a:lumOff val="25000"/>
+                <a:alpha val="10000"/>
+              </a:schemeClr>
+            </a:solidFill>
+          </a:ln>
           <a:solidFill>
-            <a:schemeClr val="tx1"/>
+            <a:schemeClr val="tx2"/>
           </a:solidFill>
+          <a:effectLst>
+            <a:outerShdw blurRad="9525" dist="25400" dir="14640000" algn="tl" rotWithShape="0">
+              <a:schemeClr val="bg1">
+                <a:alpha val="30000"/>
+              </a:schemeClr>
+            </a:outerShdw>
+          </a:effectLst>
           <a:latin typeface="+mj-lt"/>
           <a:ea typeface="+mj-ea"/>
-          <a:cs typeface="+mj-cs"/>
+          <a:cs typeface="Trebuchet MS"/>
         </a:defRPr>
       </a:lvl1pPr>
+      <a:lvl2pPr eaLnBrk="1" hangingPunct="1">
+        <a:defRPr>
+          <a:solidFill>
+            <a:schemeClr val="tx2"/>
+          </a:solidFill>
+        </a:defRPr>
+      </a:lvl2pPr>
+      <a:lvl3pPr eaLnBrk="1" hangingPunct="1">
+        <a:defRPr>
+          <a:solidFill>
+            <a:schemeClr val="tx2"/>
+          </a:solidFill>
+        </a:defRPr>
+      </a:lvl3pPr>
+      <a:lvl4pPr eaLnBrk="1" hangingPunct="1">
+        <a:defRPr>
+          <a:solidFill>
+            <a:schemeClr val="tx2"/>
+          </a:solidFill>
+        </a:defRPr>
+      </a:lvl4pPr>
+      <a:lvl5pPr eaLnBrk="1" hangingPunct="1">
+        <a:defRPr>
+          <a:solidFill>
+            <a:schemeClr val="tx2"/>
+          </a:solidFill>
+        </a:defRPr>
+      </a:lvl5pPr>
+      <a:lvl6pPr eaLnBrk="1" hangingPunct="1">
+        <a:defRPr>
+          <a:solidFill>
+            <a:schemeClr val="tx2"/>
+          </a:solidFill>
+        </a:defRPr>
+      </a:lvl6pPr>
+      <a:lvl7pPr eaLnBrk="1" hangingPunct="1">
+        <a:defRPr>
+          <a:solidFill>
+            <a:schemeClr val="tx2"/>
+          </a:solidFill>
+        </a:defRPr>
+      </a:lvl7pPr>
+      <a:lvl8pPr eaLnBrk="1" hangingPunct="1">
+        <a:defRPr>
+          <a:solidFill>
+            <a:schemeClr val="tx2"/>
+          </a:solidFill>
+        </a:defRPr>
+      </a:lvl8pPr>
+      <a:lvl9pPr eaLnBrk="1" hangingPunct="1">
+        <a:defRPr>
+          <a:solidFill>
+            <a:schemeClr val="tx2"/>
+          </a:solidFill>
+        </a:defRPr>
+      </a:lvl9pPr>
     </p:titleStyle>
     <p:bodyStyle>
-      <a:lvl1pPr marL="228600" indent="-228600" algn="l" defTabSz="914400" rtl="0" eaLnBrk="1" latinLnBrk="0" hangingPunct="1">
-        <a:lnSpc>
-          <a:spcPct val="90000"/>
-        </a:lnSpc>
+      <a:lvl1pPr marL="342900" indent="-306000" algn="l" defTabSz="457200" rtl="0" eaLnBrk="1" latinLnBrk="0" hangingPunct="1">
         <a:spcBef>
-          <a:spcPts val="1000"/>
+          <a:spcPct val="20000"/>
         </a:spcBef>
-        <a:buFont typeface="Arial" panose="020B0604020202020204" pitchFamily="34" charset="0"/>
-        <a:buChar char="•"/>
-        <a:defRPr sz="2800" kern="1200">
+        <a:spcAft>
+          <a:spcPts val="600"/>
+        </a:spcAft>
+        <a:buClr>
+          <a:schemeClr val="tx2"/>
+        </a:buClr>
+        <a:buSzPct val="70000"/>
+        <a:buFont typeface="Wingdings 2" charset="2"/>
+        <a:buChar char=""/>
+        <a:defRPr sz="2000" kern="1200">
+          <a:ln>
+            <a:solidFill>
+              <a:schemeClr val="bg1">
+                <a:lumMod val="75000"/>
+                <a:lumOff val="25000"/>
+                <a:alpha val="10000"/>
+              </a:schemeClr>
+            </a:solidFill>
+          </a:ln>
+          <a:solidFill>
+            <a:schemeClr val="tx2"/>
+          </a:solidFill>
+          <a:effectLst>
+            <a:outerShdw blurRad="9525" dist="25400" dir="14640000" algn="tl" rotWithShape="0">
+              <a:schemeClr val="bg1">
+                <a:alpha val="30000"/>
+              </a:schemeClr>
+            </a:outerShdw>
+          </a:effectLst>
+          <a:latin typeface="+mn-lt"/>
+          <a:ea typeface="+mn-ea"/>
+          <a:cs typeface="+mn-cs"/>
+        </a:defRPr>
+      </a:lvl1pPr>
+      <a:lvl2pPr marL="720000" indent="-270000" algn="l" defTabSz="457200" rtl="0" eaLnBrk="1" latinLnBrk="0" hangingPunct="1">
+        <a:spcBef>
+          <a:spcPct val="20000"/>
+        </a:spcBef>
+        <a:spcAft>
+          <a:spcPts val="600"/>
+        </a:spcAft>
+        <a:buClr>
+          <a:schemeClr val="tx2"/>
+        </a:buClr>
+        <a:buSzPct val="70000"/>
+        <a:buFont typeface="Wingdings 2" charset="2"/>
+        <a:buChar char=""/>
+        <a:defRPr sz="1800" kern="1200">
+          <a:ln>
+            <a:solidFill>
+              <a:schemeClr val="bg1">
+                <a:lumMod val="75000"/>
+                <a:lumOff val="25000"/>
+                <a:alpha val="10000"/>
+              </a:schemeClr>
+            </a:solidFill>
+          </a:ln>
+          <a:solidFill>
+            <a:schemeClr val="tx2"/>
+          </a:solidFill>
+          <a:effectLst>
+            <a:outerShdw blurRad="9525" dist="25400" dir="14640000" algn="tl" rotWithShape="0">
+              <a:schemeClr val="bg1">
+                <a:alpha val="30000"/>
+              </a:schemeClr>
+            </a:outerShdw>
+          </a:effectLst>
+          <a:latin typeface="+mn-lt"/>
+          <a:ea typeface="+mn-ea"/>
+          <a:cs typeface="+mn-cs"/>
+        </a:defRPr>
+      </a:lvl2pPr>
+      <a:lvl3pPr marL="1026000" indent="-216000" algn="l" defTabSz="457200" rtl="0" eaLnBrk="1" latinLnBrk="0" hangingPunct="1">
+        <a:spcBef>
+          <a:spcPct val="20000"/>
+        </a:spcBef>
+        <a:spcAft>
+          <a:spcPts val="600"/>
+        </a:spcAft>
+        <a:buClr>
+          <a:schemeClr val="tx2"/>
+        </a:buClr>
+        <a:buSzPct val="70000"/>
+        <a:buFont typeface="Wingdings 2" charset="2"/>
+        <a:buChar char=""/>
+        <a:defRPr sz="1600" kern="1200">
+          <a:ln>
+            <a:solidFill>
+              <a:schemeClr val="bg1">
+                <a:lumMod val="75000"/>
+                <a:lumOff val="25000"/>
+                <a:alpha val="10000"/>
+              </a:schemeClr>
+            </a:solidFill>
+          </a:ln>
+          <a:solidFill>
+            <a:schemeClr val="tx2"/>
+          </a:solidFill>
+          <a:effectLst>
+            <a:outerShdw blurRad="9525" dist="25400" dir="14640000" algn="tl" rotWithShape="0">
+              <a:schemeClr val="bg1">
+                <a:alpha val="30000"/>
+              </a:schemeClr>
+            </a:outerShdw>
+          </a:effectLst>
+          <a:latin typeface="+mn-lt"/>
+          <a:ea typeface="+mn-ea"/>
+          <a:cs typeface="+mn-cs"/>
+        </a:defRPr>
+      </a:lvl3pPr>
+      <a:lvl4pPr marL="1386000" indent="-216000" algn="l" defTabSz="457200" rtl="0" eaLnBrk="1" latinLnBrk="0" hangingPunct="1">
+        <a:spcBef>
+          <a:spcPct val="20000"/>
+        </a:spcBef>
+        <a:spcAft>
+          <a:spcPts val="600"/>
+        </a:spcAft>
+        <a:buClr>
+          <a:schemeClr val="tx2"/>
+        </a:buClr>
+        <a:buSzPct val="70000"/>
+        <a:buFont typeface="Wingdings 2" charset="2"/>
+        <a:buChar char=""/>
+        <a:defRPr sz="1400" kern="1200">
+          <a:ln>
+            <a:solidFill>
+              <a:schemeClr val="bg1">
+                <a:lumMod val="75000"/>
+                <a:lumOff val="25000"/>
+                <a:alpha val="10000"/>
+              </a:schemeClr>
+            </a:solidFill>
+          </a:ln>
+          <a:solidFill>
+            <a:schemeClr val="tx2"/>
+          </a:solidFill>
+          <a:effectLst>
+            <a:outerShdw blurRad="9525" dist="25400" dir="14640000" algn="tl" rotWithShape="0">
+              <a:schemeClr val="bg1">
+                <a:alpha val="30000"/>
+              </a:schemeClr>
+            </a:outerShdw>
+          </a:effectLst>
+          <a:latin typeface="+mn-lt"/>
+          <a:ea typeface="+mn-ea"/>
+          <a:cs typeface="+mn-cs"/>
+        </a:defRPr>
+      </a:lvl4pPr>
+      <a:lvl5pPr marL="1674000" indent="-216000" algn="l" defTabSz="457200" rtl="0" eaLnBrk="1" latinLnBrk="0" hangingPunct="1">
+        <a:spcBef>
+          <a:spcPct val="20000"/>
+        </a:spcBef>
+        <a:spcAft>
+          <a:spcPts val="600"/>
+        </a:spcAft>
+        <a:buClr>
+          <a:schemeClr val="tx2"/>
+        </a:buClr>
+        <a:buSzPct val="70000"/>
+        <a:buFont typeface="Wingdings 2" charset="2"/>
+        <a:buChar char=""/>
+        <a:defRPr sz="1400" kern="1200">
+          <a:ln>
+            <a:solidFill>
+              <a:schemeClr val="bg1">
+                <a:lumMod val="75000"/>
+                <a:lumOff val="25000"/>
+                <a:alpha val="10000"/>
+              </a:schemeClr>
+            </a:solidFill>
+          </a:ln>
+          <a:solidFill>
+            <a:schemeClr val="tx2"/>
+          </a:solidFill>
+          <a:effectLst>
+            <a:outerShdw blurRad="9525" dist="25400" dir="14640000" algn="tl" rotWithShape="0">
+              <a:schemeClr val="bg1">
+                <a:alpha val="30000"/>
+              </a:schemeClr>
+            </a:outerShdw>
+          </a:effectLst>
+          <a:latin typeface="+mn-lt"/>
+          <a:ea typeface="+mn-ea"/>
+          <a:cs typeface="+mn-cs"/>
+        </a:defRPr>
+      </a:lvl5pPr>
+      <a:lvl6pPr marL="2014600" indent="-228600" algn="l" defTabSz="457200" rtl="0" eaLnBrk="1" latinLnBrk="0" hangingPunct="1">
+        <a:spcBef>
+          <a:spcPct val="20000"/>
+        </a:spcBef>
+        <a:spcAft>
+          <a:spcPts val="600"/>
+        </a:spcAft>
+        <a:buClr>
+          <a:schemeClr val="tx2"/>
+        </a:buClr>
+        <a:buSzPct val="70000"/>
+        <a:buFont typeface="Wingdings 2" charset="2"/>
+        <a:buChar char=""/>
+        <a:defRPr sz="1400" kern="1200">
+          <a:ln>
+            <a:solidFill>
+              <a:schemeClr val="bg1">
+                <a:lumMod val="75000"/>
+                <a:lumOff val="25000"/>
+                <a:alpha val="10000"/>
+              </a:schemeClr>
+            </a:solidFill>
+          </a:ln>
+          <a:solidFill>
+            <a:schemeClr val="tx2"/>
+          </a:solidFill>
+          <a:effectLst>
+            <a:outerShdw blurRad="9525" dist="25400" dir="14640000" algn="tl" rotWithShape="0">
+              <a:schemeClr val="bg1">
+                <a:alpha val="30000"/>
+              </a:schemeClr>
+            </a:outerShdw>
+          </a:effectLst>
+          <a:latin typeface="+mn-lt"/>
+          <a:ea typeface="+mn-ea"/>
+          <a:cs typeface="+mn-cs"/>
+        </a:defRPr>
+      </a:lvl6pPr>
+      <a:lvl7pPr marL="2401800" indent="-228600" algn="l" defTabSz="457200" rtl="0" eaLnBrk="1" latinLnBrk="0" hangingPunct="1">
+        <a:spcBef>
+          <a:spcPct val="20000"/>
+        </a:spcBef>
+        <a:spcAft>
+          <a:spcPts val="600"/>
+        </a:spcAft>
+        <a:buClr>
+          <a:schemeClr val="tx2"/>
+        </a:buClr>
+        <a:buSzPct val="70000"/>
+        <a:buFont typeface="Wingdings 2" charset="2"/>
+        <a:buChar char=""/>
+        <a:defRPr sz="1400" kern="1200">
+          <a:ln>
+            <a:solidFill>
+              <a:schemeClr val="bg1">
+                <a:lumMod val="75000"/>
+                <a:lumOff val="25000"/>
+                <a:alpha val="10000"/>
+              </a:schemeClr>
+            </a:solidFill>
+          </a:ln>
+          <a:solidFill>
+            <a:schemeClr val="tx2"/>
+          </a:solidFill>
+          <a:effectLst>
+            <a:outerShdw blurRad="9525" dist="25400" dir="14640000" algn="tl" rotWithShape="0">
+              <a:schemeClr val="bg1">
+                <a:alpha val="30000"/>
+              </a:schemeClr>
+            </a:outerShdw>
+          </a:effectLst>
+          <a:latin typeface="+mn-lt"/>
+          <a:ea typeface="+mn-ea"/>
+          <a:cs typeface="+mn-cs"/>
+        </a:defRPr>
+      </a:lvl7pPr>
+      <a:lvl8pPr marL="2789000" indent="-228600" algn="l" defTabSz="457200" rtl="0" eaLnBrk="1" latinLnBrk="0" hangingPunct="1">
+        <a:spcBef>
+          <a:spcPct val="20000"/>
+        </a:spcBef>
+        <a:spcAft>
+          <a:spcPts val="600"/>
+        </a:spcAft>
+        <a:buClr>
+          <a:schemeClr val="tx2"/>
+        </a:buClr>
+        <a:buSzPct val="70000"/>
+        <a:buFont typeface="Wingdings 2" charset="2"/>
+        <a:buChar char=""/>
+        <a:defRPr sz="1400" kern="1200">
+          <a:ln>
+            <a:solidFill>
+              <a:schemeClr val="bg1">
+                <a:lumMod val="75000"/>
+                <a:lumOff val="25000"/>
+                <a:alpha val="10000"/>
+              </a:schemeClr>
+            </a:solidFill>
+          </a:ln>
+          <a:solidFill>
+            <a:schemeClr val="tx2"/>
+          </a:solidFill>
+          <a:effectLst>
+            <a:outerShdw blurRad="9525" dist="25400" dir="14640000" algn="tl" rotWithShape="0">
+              <a:schemeClr val="bg1">
+                <a:alpha val="30000"/>
+              </a:schemeClr>
+            </a:outerShdw>
+          </a:effectLst>
+          <a:latin typeface="+mn-lt"/>
+          <a:ea typeface="+mn-ea"/>
+          <a:cs typeface="+mn-cs"/>
+        </a:defRPr>
+      </a:lvl8pPr>
+      <a:lvl9pPr marL="3106200" indent="-228600" algn="l" defTabSz="457200" rtl="0" eaLnBrk="1" latinLnBrk="0" hangingPunct="1">
+        <a:spcBef>
+          <a:spcPct val="20000"/>
+        </a:spcBef>
+        <a:spcAft>
+          <a:spcPts val="600"/>
+        </a:spcAft>
+        <a:buClr>
+          <a:schemeClr val="tx2"/>
+        </a:buClr>
+        <a:buSzPct val="70000"/>
+        <a:buFont typeface="Wingdings 2" charset="2"/>
+        <a:buChar char=""/>
+        <a:defRPr sz="1400" kern="1200">
+          <a:ln>
+            <a:solidFill>
+              <a:schemeClr val="bg1">
+                <a:lumMod val="75000"/>
+                <a:lumOff val="25000"/>
+                <a:alpha val="10000"/>
+              </a:schemeClr>
+            </a:solidFill>
+          </a:ln>
+          <a:solidFill>
+            <a:schemeClr val="tx2"/>
+          </a:solidFill>
+          <a:effectLst>
+            <a:outerShdw blurRad="9525" dist="25400" dir="14640000" algn="tl" rotWithShape="0">
+              <a:schemeClr val="bg1">
+                <a:alpha val="30000"/>
+              </a:schemeClr>
+            </a:outerShdw>
+          </a:effectLst>
+          <a:latin typeface="+mn-lt"/>
+          <a:ea typeface="+mn-ea"/>
+          <a:cs typeface="+mn-cs"/>
+        </a:defRPr>
+      </a:lvl9pPr>
+    </p:bodyStyle>
+    <p:otherStyle>
+      <a:defPPr>
+        <a:defRPr lang="en-US"/>
+      </a:defPPr>
+      <a:lvl1pPr marL="0" algn="l" defTabSz="457200" rtl="0" eaLnBrk="1" latinLnBrk="0" hangingPunct="1">
+        <a:defRPr sz="1800" kern="1200">
           <a:solidFill>
             <a:schemeClr val="tx1"/>
           </a:solidFill>
@@ -2743,16 +6045,8 @@
           <a:cs typeface="+mn-cs"/>
         </a:defRPr>
       </a:lvl1pPr>
-      <a:lvl2pPr marL="685800" indent="-228600" algn="l" defTabSz="914400" rtl="0" eaLnBrk="1" latinLnBrk="0" hangingPunct="1">
-        <a:lnSpc>
-          <a:spcPct val="90000"/>
-        </a:lnSpc>
-        <a:spcBef>
-          <a:spcPts val="500"/>
-        </a:spcBef>
-        <a:buFont typeface="Arial" panose="020B0604020202020204" pitchFamily="34" charset="0"/>
-        <a:buChar char="•"/>
-        <a:defRPr sz="2400" kern="1200">
+      <a:lvl2pPr marL="457200" algn="l" defTabSz="457200" rtl="0" eaLnBrk="1" latinLnBrk="0" hangingPunct="1">
+        <a:defRPr sz="1800" kern="1200">
           <a:solidFill>
             <a:schemeClr val="tx1"/>
           </a:solidFill>
@@ -2761,16 +6055,8 @@
           <a:cs typeface="+mn-cs"/>
         </a:defRPr>
       </a:lvl2pPr>
-      <a:lvl3pPr marL="1143000" indent="-228600" algn="l" defTabSz="914400" rtl="0" eaLnBrk="1" latinLnBrk="0" hangingPunct="1">
-        <a:lnSpc>
-          <a:spcPct val="90000"/>
-        </a:lnSpc>
-        <a:spcBef>
-          <a:spcPts val="500"/>
-        </a:spcBef>
-        <a:buFont typeface="Arial" panose="020B0604020202020204" pitchFamily="34" charset="0"/>
-        <a:buChar char="•"/>
-        <a:defRPr sz="2000" kern="1200">
+      <a:lvl3pPr marL="914400" algn="l" defTabSz="457200" rtl="0" eaLnBrk="1" latinLnBrk="0" hangingPunct="1">
+        <a:defRPr sz="1800" kern="1200">
           <a:solidFill>
             <a:schemeClr val="tx1"/>
           </a:solidFill>
@@ -2779,15 +6065,7 @@
           <a:cs typeface="+mn-cs"/>
         </a:defRPr>
       </a:lvl3pPr>
-      <a:lvl4pPr marL="1600200" indent="-228600" algn="l" defTabSz="914400" rtl="0" eaLnBrk="1" latinLnBrk="0" hangingPunct="1">
-        <a:lnSpc>
-          <a:spcPct val="90000"/>
-        </a:lnSpc>
-        <a:spcBef>
-          <a:spcPts val="500"/>
-        </a:spcBef>
-        <a:buFont typeface="Arial" panose="020B0604020202020204" pitchFamily="34" charset="0"/>
-        <a:buChar char="•"/>
+      <a:lvl4pPr marL="1371600" algn="l" defTabSz="457200" rtl="0" eaLnBrk="1" latinLnBrk="0" hangingPunct="1">
         <a:defRPr sz="1800" kern="1200">
           <a:solidFill>
             <a:schemeClr val="tx1"/>
@@ -2797,15 +6075,7 @@
           <a:cs typeface="+mn-cs"/>
         </a:defRPr>
       </a:lvl4pPr>
-      <a:lvl5pPr marL="2057400" indent="-228600" algn="l" defTabSz="914400" rtl="0" eaLnBrk="1" latinLnBrk="0" hangingPunct="1">
-        <a:lnSpc>
-          <a:spcPct val="90000"/>
-        </a:lnSpc>
-        <a:spcBef>
-          <a:spcPts val="500"/>
-        </a:spcBef>
-        <a:buFont typeface="Arial" panose="020B0604020202020204" pitchFamily="34" charset="0"/>
-        <a:buChar char="•"/>
+      <a:lvl5pPr marL="1828800" algn="l" defTabSz="457200" rtl="0" eaLnBrk="1" latinLnBrk="0" hangingPunct="1">
         <a:defRPr sz="1800" kern="1200">
           <a:solidFill>
             <a:schemeClr val="tx1"/>
@@ -2815,15 +6085,7 @@
           <a:cs typeface="+mn-cs"/>
         </a:defRPr>
       </a:lvl5pPr>
-      <a:lvl6pPr marL="2514600" indent="-228600" algn="l" defTabSz="914400" rtl="0" eaLnBrk="1" latinLnBrk="0" hangingPunct="1">
-        <a:lnSpc>
-          <a:spcPct val="90000"/>
-        </a:lnSpc>
-        <a:spcBef>
-          <a:spcPts val="500"/>
-        </a:spcBef>
-        <a:buFont typeface="Arial" panose="020B0604020202020204" pitchFamily="34" charset="0"/>
-        <a:buChar char="•"/>
+      <a:lvl6pPr marL="2286000" algn="l" defTabSz="457200" rtl="0" eaLnBrk="1" latinLnBrk="0" hangingPunct="1">
         <a:defRPr sz="1800" kern="1200">
           <a:solidFill>
             <a:schemeClr val="tx1"/>
@@ -2833,15 +6095,7 @@
           <a:cs typeface="+mn-cs"/>
         </a:defRPr>
       </a:lvl6pPr>
-      <a:lvl7pPr marL="2971800" indent="-228600" algn="l" defTabSz="914400" rtl="0" eaLnBrk="1" latinLnBrk="0" hangingPunct="1">
-        <a:lnSpc>
-          <a:spcPct val="90000"/>
-        </a:lnSpc>
-        <a:spcBef>
-          <a:spcPts val="500"/>
-        </a:spcBef>
-        <a:buFont typeface="Arial" panose="020B0604020202020204" pitchFamily="34" charset="0"/>
-        <a:buChar char="•"/>
+      <a:lvl7pPr marL="2743200" algn="l" defTabSz="457200" rtl="0" eaLnBrk="1" latinLnBrk="0" hangingPunct="1">
         <a:defRPr sz="1800" kern="1200">
           <a:solidFill>
             <a:schemeClr val="tx1"/>
@@ -2851,15 +6105,7 @@
           <a:cs typeface="+mn-cs"/>
         </a:defRPr>
       </a:lvl7pPr>
-      <a:lvl8pPr marL="3429000" indent="-228600" algn="l" defTabSz="914400" rtl="0" eaLnBrk="1" latinLnBrk="0" hangingPunct="1">
-        <a:lnSpc>
-          <a:spcPct val="90000"/>
-        </a:lnSpc>
-        <a:spcBef>
-          <a:spcPts val="500"/>
-        </a:spcBef>
-        <a:buFont typeface="Arial" panose="020B0604020202020204" pitchFamily="34" charset="0"/>
-        <a:buChar char="•"/>
+      <a:lvl8pPr marL="3200400" algn="l" defTabSz="457200" rtl="0" eaLnBrk="1" latinLnBrk="0" hangingPunct="1">
         <a:defRPr sz="1800" kern="1200">
           <a:solidFill>
             <a:schemeClr val="tx1"/>
@@ -2869,110 +6115,7 @@
           <a:cs typeface="+mn-cs"/>
         </a:defRPr>
       </a:lvl8pPr>
-      <a:lvl9pPr marL="3886200" indent="-228600" algn="l" defTabSz="914400" rtl="0" eaLnBrk="1" latinLnBrk="0" hangingPunct="1">
-        <a:lnSpc>
-          <a:spcPct val="90000"/>
-        </a:lnSpc>
-        <a:spcBef>
-          <a:spcPts val="500"/>
-        </a:spcBef>
-        <a:buFont typeface="Arial" panose="020B0604020202020204" pitchFamily="34" charset="0"/>
-        <a:buChar char="•"/>
-        <a:defRPr sz="1800" kern="1200">
-          <a:solidFill>
-            <a:schemeClr val="tx1"/>
-          </a:solidFill>
-          <a:latin typeface="+mn-lt"/>
-          <a:ea typeface="+mn-ea"/>
-          <a:cs typeface="+mn-cs"/>
-        </a:defRPr>
-      </a:lvl9pPr>
-    </p:bodyStyle>
-    <p:otherStyle>
-      <a:defPPr>
-        <a:defRPr lang="fr-FR"/>
-      </a:defPPr>
-      <a:lvl1pPr marL="0" algn="l" defTabSz="914400" rtl="0" eaLnBrk="1" latinLnBrk="0" hangingPunct="1">
-        <a:defRPr sz="1800" kern="1200">
-          <a:solidFill>
-            <a:schemeClr val="tx1"/>
-          </a:solidFill>
-          <a:latin typeface="+mn-lt"/>
-          <a:ea typeface="+mn-ea"/>
-          <a:cs typeface="+mn-cs"/>
-        </a:defRPr>
-      </a:lvl1pPr>
-      <a:lvl2pPr marL="457200" algn="l" defTabSz="914400" rtl="0" eaLnBrk="1" latinLnBrk="0" hangingPunct="1">
-        <a:defRPr sz="1800" kern="1200">
-          <a:solidFill>
-            <a:schemeClr val="tx1"/>
-          </a:solidFill>
-          <a:latin typeface="+mn-lt"/>
-          <a:ea typeface="+mn-ea"/>
-          <a:cs typeface="+mn-cs"/>
-        </a:defRPr>
-      </a:lvl2pPr>
-      <a:lvl3pPr marL="914400" algn="l" defTabSz="914400" rtl="0" eaLnBrk="1" latinLnBrk="0" hangingPunct="1">
-        <a:defRPr sz="1800" kern="1200">
-          <a:solidFill>
-            <a:schemeClr val="tx1"/>
-          </a:solidFill>
-          <a:latin typeface="+mn-lt"/>
-          <a:ea typeface="+mn-ea"/>
-          <a:cs typeface="+mn-cs"/>
-        </a:defRPr>
-      </a:lvl3pPr>
-      <a:lvl4pPr marL="1371600" algn="l" defTabSz="914400" rtl="0" eaLnBrk="1" latinLnBrk="0" hangingPunct="1">
-        <a:defRPr sz="1800" kern="1200">
-          <a:solidFill>
-            <a:schemeClr val="tx1"/>
-          </a:solidFill>
-          <a:latin typeface="+mn-lt"/>
-          <a:ea typeface="+mn-ea"/>
-          <a:cs typeface="+mn-cs"/>
-        </a:defRPr>
-      </a:lvl4pPr>
-      <a:lvl5pPr marL="1828800" algn="l" defTabSz="914400" rtl="0" eaLnBrk="1" latinLnBrk="0" hangingPunct="1">
-        <a:defRPr sz="1800" kern="1200">
-          <a:solidFill>
-            <a:schemeClr val="tx1"/>
-          </a:solidFill>
-          <a:latin typeface="+mn-lt"/>
-          <a:ea typeface="+mn-ea"/>
-          <a:cs typeface="+mn-cs"/>
-        </a:defRPr>
-      </a:lvl5pPr>
-      <a:lvl6pPr marL="2286000" algn="l" defTabSz="914400" rtl="0" eaLnBrk="1" latinLnBrk="0" hangingPunct="1">
-        <a:defRPr sz="1800" kern="1200">
-          <a:solidFill>
-            <a:schemeClr val="tx1"/>
-          </a:solidFill>
-          <a:latin typeface="+mn-lt"/>
-          <a:ea typeface="+mn-ea"/>
-          <a:cs typeface="+mn-cs"/>
-        </a:defRPr>
-      </a:lvl6pPr>
-      <a:lvl7pPr marL="2743200" algn="l" defTabSz="914400" rtl="0" eaLnBrk="1" latinLnBrk="0" hangingPunct="1">
-        <a:defRPr sz="1800" kern="1200">
-          <a:solidFill>
-            <a:schemeClr val="tx1"/>
-          </a:solidFill>
-          <a:latin typeface="+mn-lt"/>
-          <a:ea typeface="+mn-ea"/>
-          <a:cs typeface="+mn-cs"/>
-        </a:defRPr>
-      </a:lvl7pPr>
-      <a:lvl8pPr marL="3200400" algn="l" defTabSz="914400" rtl="0" eaLnBrk="1" latinLnBrk="0" hangingPunct="1">
-        <a:defRPr sz="1800" kern="1200">
-          <a:solidFill>
-            <a:schemeClr val="tx1"/>
-          </a:solidFill>
-          <a:latin typeface="+mn-lt"/>
-          <a:ea typeface="+mn-ea"/>
-          <a:cs typeface="+mn-cs"/>
-        </a:defRPr>
-      </a:lvl8pPr>
-      <a:lvl9pPr marL="3657600" algn="l" defTabSz="914400" rtl="0" eaLnBrk="1" latinLnBrk="0" hangingPunct="1">
+      <a:lvl9pPr marL="3657600" algn="l" defTabSz="457200" rtl="0" eaLnBrk="1" latinLnBrk="0" hangingPunct="1">
         <a:defRPr sz="1800" kern="1200">
           <a:solidFill>
             <a:schemeClr val="tx1"/>
@@ -3019,7 +6162,11 @@
           <a:bodyPr/>
           <a:lstStyle/>
           <a:p>
-            <a:endParaRPr lang="fr-CH"/>
+            <a:r>
+              <a:rPr lang="fr-CH" dirty="0" smtClean="0"/>
+              <a:t>P_GestProj2</a:t>
+            </a:r>
+            <a:endParaRPr lang="fr-CH" dirty="0"/>
           </a:p>
         </p:txBody>
       </p:sp>
@@ -3038,7 +6185,11 @@
           <a:bodyPr/>
           <a:lstStyle/>
           <a:p>
-            <a:endParaRPr lang="fr-CH"/>
+            <a:r>
+              <a:rPr lang="fr-CH" dirty="0" smtClean="0"/>
+              <a:t>merkya</a:t>
+            </a:r>
+            <a:endParaRPr lang="fr-CH" dirty="0"/>
           </a:p>
         </p:txBody>
       </p:sp>
@@ -3082,34 +6233,109 @@
           <a:chExt cx="0" cy="0"/>
         </a:xfrm>
       </p:grpSpPr>
-      <p:pic>
-        <p:nvPicPr>
-          <p:cNvPr id="5" name="Image 4"/>
-          <p:cNvPicPr>
-            <a:picLocks noChangeAspect="1"/>
-          </p:cNvPicPr>
-          <p:nvPr/>
-        </p:nvPicPr>
-        <p:blipFill>
-          <a:blip r:embed="rId2"/>
-          <a:stretch>
-            <a:fillRect/>
-          </a:stretch>
-        </p:blipFill>
-        <p:spPr>
-          <a:xfrm>
-            <a:off x="1" y="0"/>
-            <a:ext cx="12125050" cy="6503437"/>
-          </a:xfrm>
-          <a:prstGeom prst="rect">
-            <a:avLst/>
-          </a:prstGeom>
-        </p:spPr>
-      </p:pic>
+      <p:sp>
+        <p:nvSpPr>
+          <p:cNvPr id="117" name="Titre 116"/>
+          <p:cNvSpPr>
+            <a:spLocks noGrp="1"/>
+          </p:cNvSpPr>
+          <p:nvPr>
+            <p:ph type="title"/>
+          </p:nvPr>
+        </p:nvSpPr>
+        <p:spPr/>
+        <p:txBody>
+          <a:bodyPr/>
+          <a:lstStyle/>
+          <a:p>
+            <a:r>
+              <a:rPr lang="fr-CH" dirty="0" smtClean="0"/>
+              <a:t>Sommaire</a:t>
+            </a:r>
+            <a:endParaRPr lang="fr-CH" dirty="0"/>
+          </a:p>
+        </p:txBody>
+      </p:sp>
+      <p:sp>
+        <p:nvSpPr>
+          <p:cNvPr id="118" name="Espace réservé du contenu 117"/>
+          <p:cNvSpPr>
+            <a:spLocks noGrp="1"/>
+          </p:cNvSpPr>
+          <p:nvPr>
+            <p:ph idx="1"/>
+          </p:nvPr>
+        </p:nvSpPr>
+        <p:spPr/>
+        <p:txBody>
+          <a:bodyPr/>
+          <a:lstStyle/>
+          <a:p>
+            <a:r>
+              <a:rPr lang="fr-CH" dirty="0" smtClean="0"/>
+              <a:t>MLD</a:t>
+            </a:r>
+          </a:p>
+          <a:p>
+            <a:r>
+              <a:rPr lang="fr-CH" dirty="0" smtClean="0"/>
+              <a:t>Création de la base de donnée</a:t>
+            </a:r>
+          </a:p>
+          <a:p>
+            <a:r>
+              <a:rPr lang="fr-CH" dirty="0" smtClean="0"/>
+              <a:t>Chargement des données</a:t>
+            </a:r>
+          </a:p>
+          <a:p>
+            <a:r>
+              <a:rPr lang="fr-CH" dirty="0"/>
+              <a:t>Structure et échantillon de </a:t>
+            </a:r>
+            <a:r>
+              <a:rPr lang="fr-CH" dirty="0" smtClean="0"/>
+              <a:t>données</a:t>
+            </a:r>
+          </a:p>
+          <a:p>
+            <a:r>
+              <a:rPr lang="fr-CH" dirty="0" smtClean="0"/>
+              <a:t>GIT</a:t>
+            </a:r>
+          </a:p>
+          <a:p>
+            <a:r>
+              <a:rPr lang="fr-CH" dirty="0" smtClean="0"/>
+              <a:t>Rôle </a:t>
+            </a:r>
+            <a:r>
+              <a:rPr lang="fr-CH" dirty="0" err="1" smtClean="0"/>
+              <a:t>Belbin</a:t>
+            </a:r>
+            <a:endParaRPr lang="fr-CH" dirty="0" smtClean="0"/>
+          </a:p>
+          <a:p>
+            <a:r>
+              <a:rPr lang="fr-CH" dirty="0" smtClean="0"/>
+              <a:t>Exemple d’User Story</a:t>
+            </a:r>
+          </a:p>
+          <a:p>
+            <a:r>
+              <a:rPr lang="fr-CH" dirty="0" smtClean="0"/>
+              <a:t>JDT</a:t>
+            </a:r>
+          </a:p>
+          <a:p>
+            <a:endParaRPr lang="fr-CH" dirty="0"/>
+          </a:p>
+        </p:txBody>
+      </p:sp>
     </p:spTree>
     <p:extLst>
       <p:ext uri="{BB962C8B-B14F-4D97-AF65-F5344CB8AC3E}">
-        <p14:creationId xmlns:p14="http://schemas.microsoft.com/office/powerpoint/2010/main" val="108014278"/>
+        <p14:creationId xmlns:p14="http://schemas.microsoft.com/office/powerpoint/2010/main" val="2209543495"/>
       </p:ext>
     </p:extLst>
   </p:cSld>
@@ -3122,78 +6348,474 @@
   <p:timing>
     <p:tnLst>
       <p:par>
-        <p:cTn id="1" dur="indefinite" restart="never" nodeType="tmRoot"/>
+        <p:cTn id="1" dur="indefinite" restart="never" nodeType="tmRoot">
+          <p:childTnLst>
+            <p:seq concurrent="1" nextAc="seek">
+              <p:cTn id="2" dur="indefinite" nodeType="mainSeq">
+                <p:childTnLst>
+                  <p:par>
+                    <p:cTn id="3" fill="hold">
+                      <p:stCondLst>
+                        <p:cond delay="indefinite"/>
+                      </p:stCondLst>
+                      <p:childTnLst>
+                        <p:par>
+                          <p:cTn id="4" fill="hold">
+                            <p:stCondLst>
+                              <p:cond delay="0"/>
+                            </p:stCondLst>
+                            <p:childTnLst>
+                              <p:par>
+                                <p:cTn id="5" presetID="10" presetClass="entr" presetSubtype="0" fill="hold" grpId="0" nodeType="clickEffect">
+                                  <p:stCondLst>
+                                    <p:cond delay="0"/>
+                                  </p:stCondLst>
+                                  <p:childTnLst>
+                                    <p:set>
+                                      <p:cBhvr>
+                                        <p:cTn id="6" dur="1" fill="hold">
+                                          <p:stCondLst>
+                                            <p:cond delay="0"/>
+                                          </p:stCondLst>
+                                        </p:cTn>
+                                        <p:tgtEl>
+                                          <p:spTgt spid="118">
+                                            <p:txEl>
+                                              <p:pRg st="0" end="0"/>
+                                            </p:txEl>
+                                          </p:spTgt>
+                                        </p:tgtEl>
+                                        <p:attrNameLst>
+                                          <p:attrName>style.visibility</p:attrName>
+                                        </p:attrNameLst>
+                                      </p:cBhvr>
+                                      <p:to>
+                                        <p:strVal val="visible"/>
+                                      </p:to>
+                                    </p:set>
+                                    <p:animEffect transition="in" filter="fade">
+                                      <p:cBhvr>
+                                        <p:cTn id="7" dur="120"/>
+                                        <p:tgtEl>
+                                          <p:spTgt spid="118">
+                                            <p:txEl>
+                                              <p:pRg st="0" end="0"/>
+                                            </p:txEl>
+                                          </p:spTgt>
+                                        </p:tgtEl>
+                                      </p:cBhvr>
+                                    </p:animEffect>
+                                  </p:childTnLst>
+                                </p:cTn>
+                              </p:par>
+                            </p:childTnLst>
+                          </p:cTn>
+                        </p:par>
+                        <p:par>
+                          <p:cTn id="8" fill="hold">
+                            <p:stCondLst>
+                              <p:cond delay="120"/>
+                            </p:stCondLst>
+                            <p:childTnLst>
+                              <p:par>
+                                <p:cTn id="9" presetID="10" presetClass="entr" presetSubtype="0" fill="hold" grpId="0" nodeType="afterEffect">
+                                  <p:stCondLst>
+                                    <p:cond delay="0"/>
+                                  </p:stCondLst>
+                                  <p:childTnLst>
+                                    <p:set>
+                                      <p:cBhvr>
+                                        <p:cTn id="10" dur="1" fill="hold">
+                                          <p:stCondLst>
+                                            <p:cond delay="0"/>
+                                          </p:stCondLst>
+                                        </p:cTn>
+                                        <p:tgtEl>
+                                          <p:spTgt spid="118">
+                                            <p:txEl>
+                                              <p:pRg st="1" end="1"/>
+                                            </p:txEl>
+                                          </p:spTgt>
+                                        </p:tgtEl>
+                                        <p:attrNameLst>
+                                          <p:attrName>style.visibility</p:attrName>
+                                        </p:attrNameLst>
+                                      </p:cBhvr>
+                                      <p:to>
+                                        <p:strVal val="visible"/>
+                                      </p:to>
+                                    </p:set>
+                                    <p:animEffect transition="in" filter="fade">
+                                      <p:cBhvr>
+                                        <p:cTn id="11" dur="120"/>
+                                        <p:tgtEl>
+                                          <p:spTgt spid="118">
+                                            <p:txEl>
+                                              <p:pRg st="1" end="1"/>
+                                            </p:txEl>
+                                          </p:spTgt>
+                                        </p:tgtEl>
+                                      </p:cBhvr>
+                                    </p:animEffect>
+                                  </p:childTnLst>
+                                </p:cTn>
+                              </p:par>
+                            </p:childTnLst>
+                          </p:cTn>
+                        </p:par>
+                        <p:par>
+                          <p:cTn id="12" fill="hold">
+                            <p:stCondLst>
+                              <p:cond delay="240"/>
+                            </p:stCondLst>
+                            <p:childTnLst>
+                              <p:par>
+                                <p:cTn id="13" presetID="10" presetClass="entr" presetSubtype="0" fill="hold" grpId="0" nodeType="afterEffect">
+                                  <p:stCondLst>
+                                    <p:cond delay="0"/>
+                                  </p:stCondLst>
+                                  <p:childTnLst>
+                                    <p:set>
+                                      <p:cBhvr>
+                                        <p:cTn id="14" dur="1" fill="hold">
+                                          <p:stCondLst>
+                                            <p:cond delay="0"/>
+                                          </p:stCondLst>
+                                        </p:cTn>
+                                        <p:tgtEl>
+                                          <p:spTgt spid="118">
+                                            <p:txEl>
+                                              <p:pRg st="2" end="2"/>
+                                            </p:txEl>
+                                          </p:spTgt>
+                                        </p:tgtEl>
+                                        <p:attrNameLst>
+                                          <p:attrName>style.visibility</p:attrName>
+                                        </p:attrNameLst>
+                                      </p:cBhvr>
+                                      <p:to>
+                                        <p:strVal val="visible"/>
+                                      </p:to>
+                                    </p:set>
+                                    <p:animEffect transition="in" filter="fade">
+                                      <p:cBhvr>
+                                        <p:cTn id="15" dur="120"/>
+                                        <p:tgtEl>
+                                          <p:spTgt spid="118">
+                                            <p:txEl>
+                                              <p:pRg st="2" end="2"/>
+                                            </p:txEl>
+                                          </p:spTgt>
+                                        </p:tgtEl>
+                                      </p:cBhvr>
+                                    </p:animEffect>
+                                  </p:childTnLst>
+                                </p:cTn>
+                              </p:par>
+                            </p:childTnLst>
+                          </p:cTn>
+                        </p:par>
+                        <p:par>
+                          <p:cTn id="16" fill="hold">
+                            <p:stCondLst>
+                              <p:cond delay="360"/>
+                            </p:stCondLst>
+                            <p:childTnLst>
+                              <p:par>
+                                <p:cTn id="17" presetID="10" presetClass="entr" presetSubtype="0" fill="hold" grpId="0" nodeType="afterEffect">
+                                  <p:stCondLst>
+                                    <p:cond delay="0"/>
+                                  </p:stCondLst>
+                                  <p:childTnLst>
+                                    <p:set>
+                                      <p:cBhvr>
+                                        <p:cTn id="18" dur="1" fill="hold">
+                                          <p:stCondLst>
+                                            <p:cond delay="0"/>
+                                          </p:stCondLst>
+                                        </p:cTn>
+                                        <p:tgtEl>
+                                          <p:spTgt spid="118">
+                                            <p:txEl>
+                                              <p:pRg st="3" end="3"/>
+                                            </p:txEl>
+                                          </p:spTgt>
+                                        </p:tgtEl>
+                                        <p:attrNameLst>
+                                          <p:attrName>style.visibility</p:attrName>
+                                        </p:attrNameLst>
+                                      </p:cBhvr>
+                                      <p:to>
+                                        <p:strVal val="visible"/>
+                                      </p:to>
+                                    </p:set>
+                                    <p:animEffect transition="in" filter="fade">
+                                      <p:cBhvr>
+                                        <p:cTn id="19" dur="120"/>
+                                        <p:tgtEl>
+                                          <p:spTgt spid="118">
+                                            <p:txEl>
+                                              <p:pRg st="3" end="3"/>
+                                            </p:txEl>
+                                          </p:spTgt>
+                                        </p:tgtEl>
+                                      </p:cBhvr>
+                                    </p:animEffect>
+                                  </p:childTnLst>
+                                </p:cTn>
+                              </p:par>
+                            </p:childTnLst>
+                          </p:cTn>
+                        </p:par>
+                        <p:par>
+                          <p:cTn id="20" fill="hold">
+                            <p:stCondLst>
+                              <p:cond delay="480"/>
+                            </p:stCondLst>
+                            <p:childTnLst>
+                              <p:par>
+                                <p:cTn id="21" presetID="10" presetClass="entr" presetSubtype="0" fill="hold" grpId="0" nodeType="afterEffect">
+                                  <p:stCondLst>
+                                    <p:cond delay="0"/>
+                                  </p:stCondLst>
+                                  <p:childTnLst>
+                                    <p:set>
+                                      <p:cBhvr>
+                                        <p:cTn id="22" dur="1" fill="hold">
+                                          <p:stCondLst>
+                                            <p:cond delay="0"/>
+                                          </p:stCondLst>
+                                        </p:cTn>
+                                        <p:tgtEl>
+                                          <p:spTgt spid="118">
+                                            <p:txEl>
+                                              <p:pRg st="4" end="4"/>
+                                            </p:txEl>
+                                          </p:spTgt>
+                                        </p:tgtEl>
+                                        <p:attrNameLst>
+                                          <p:attrName>style.visibility</p:attrName>
+                                        </p:attrNameLst>
+                                      </p:cBhvr>
+                                      <p:to>
+                                        <p:strVal val="visible"/>
+                                      </p:to>
+                                    </p:set>
+                                    <p:animEffect transition="in" filter="fade">
+                                      <p:cBhvr>
+                                        <p:cTn id="23" dur="120"/>
+                                        <p:tgtEl>
+                                          <p:spTgt spid="118">
+                                            <p:txEl>
+                                              <p:pRg st="4" end="4"/>
+                                            </p:txEl>
+                                          </p:spTgt>
+                                        </p:tgtEl>
+                                      </p:cBhvr>
+                                    </p:animEffect>
+                                  </p:childTnLst>
+                                </p:cTn>
+                              </p:par>
+                            </p:childTnLst>
+                          </p:cTn>
+                        </p:par>
+                        <p:par>
+                          <p:cTn id="24" fill="hold">
+                            <p:stCondLst>
+                              <p:cond delay="600"/>
+                            </p:stCondLst>
+                            <p:childTnLst>
+                              <p:par>
+                                <p:cTn id="25" presetID="10" presetClass="entr" presetSubtype="0" fill="hold" grpId="0" nodeType="afterEffect">
+                                  <p:stCondLst>
+                                    <p:cond delay="0"/>
+                                  </p:stCondLst>
+                                  <p:childTnLst>
+                                    <p:set>
+                                      <p:cBhvr>
+                                        <p:cTn id="26" dur="1" fill="hold">
+                                          <p:stCondLst>
+                                            <p:cond delay="0"/>
+                                          </p:stCondLst>
+                                        </p:cTn>
+                                        <p:tgtEl>
+                                          <p:spTgt spid="118">
+                                            <p:txEl>
+                                              <p:pRg st="5" end="5"/>
+                                            </p:txEl>
+                                          </p:spTgt>
+                                        </p:tgtEl>
+                                        <p:attrNameLst>
+                                          <p:attrName>style.visibility</p:attrName>
+                                        </p:attrNameLst>
+                                      </p:cBhvr>
+                                      <p:to>
+                                        <p:strVal val="visible"/>
+                                      </p:to>
+                                    </p:set>
+                                    <p:animEffect transition="in" filter="fade">
+                                      <p:cBhvr>
+                                        <p:cTn id="27" dur="120"/>
+                                        <p:tgtEl>
+                                          <p:spTgt spid="118">
+                                            <p:txEl>
+                                              <p:pRg st="5" end="5"/>
+                                            </p:txEl>
+                                          </p:spTgt>
+                                        </p:tgtEl>
+                                      </p:cBhvr>
+                                    </p:animEffect>
+                                  </p:childTnLst>
+                                </p:cTn>
+                              </p:par>
+                            </p:childTnLst>
+                          </p:cTn>
+                        </p:par>
+                      </p:childTnLst>
+                    </p:cTn>
+                  </p:par>
+                  <p:par>
+                    <p:cTn id="28" fill="hold">
+                      <p:stCondLst>
+                        <p:cond delay="indefinite"/>
+                      </p:stCondLst>
+                      <p:childTnLst>
+                        <p:par>
+                          <p:cTn id="29" fill="hold">
+                            <p:stCondLst>
+                              <p:cond delay="0"/>
+                            </p:stCondLst>
+                            <p:childTnLst>
+                              <p:par>
+                                <p:cTn id="30" presetID="10" presetClass="entr" presetSubtype="0" fill="hold" grpId="0" nodeType="clickEffect">
+                                  <p:stCondLst>
+                                    <p:cond delay="0"/>
+                                  </p:stCondLst>
+                                  <p:childTnLst>
+                                    <p:set>
+                                      <p:cBhvr>
+                                        <p:cTn id="31" dur="1" fill="hold">
+                                          <p:stCondLst>
+                                            <p:cond delay="0"/>
+                                          </p:stCondLst>
+                                        </p:cTn>
+                                        <p:tgtEl>
+                                          <p:spTgt spid="118">
+                                            <p:txEl>
+                                              <p:pRg st="6" end="6"/>
+                                            </p:txEl>
+                                          </p:spTgt>
+                                        </p:tgtEl>
+                                        <p:attrNameLst>
+                                          <p:attrName>style.visibility</p:attrName>
+                                        </p:attrNameLst>
+                                      </p:cBhvr>
+                                      <p:to>
+                                        <p:strVal val="visible"/>
+                                      </p:to>
+                                    </p:set>
+                                    <p:animEffect transition="in" filter="fade">
+                                      <p:cBhvr>
+                                        <p:cTn id="32" dur="120"/>
+                                        <p:tgtEl>
+                                          <p:spTgt spid="118">
+                                            <p:txEl>
+                                              <p:pRg st="6" end="6"/>
+                                            </p:txEl>
+                                          </p:spTgt>
+                                        </p:tgtEl>
+                                      </p:cBhvr>
+                                    </p:animEffect>
+                                  </p:childTnLst>
+                                </p:cTn>
+                              </p:par>
+                            </p:childTnLst>
+                          </p:cTn>
+                        </p:par>
+                        <p:par>
+                          <p:cTn id="33" fill="hold">
+                            <p:stCondLst>
+                              <p:cond delay="120"/>
+                            </p:stCondLst>
+                            <p:childTnLst>
+                              <p:par>
+                                <p:cTn id="34" presetID="10" presetClass="entr" presetSubtype="0" fill="hold" grpId="0" nodeType="afterEffect">
+                                  <p:stCondLst>
+                                    <p:cond delay="0"/>
+                                  </p:stCondLst>
+                                  <p:childTnLst>
+                                    <p:set>
+                                      <p:cBhvr>
+                                        <p:cTn id="35" dur="1" fill="hold">
+                                          <p:stCondLst>
+                                            <p:cond delay="0"/>
+                                          </p:stCondLst>
+                                        </p:cTn>
+                                        <p:tgtEl>
+                                          <p:spTgt spid="118">
+                                            <p:txEl>
+                                              <p:pRg st="7" end="7"/>
+                                            </p:txEl>
+                                          </p:spTgt>
+                                        </p:tgtEl>
+                                        <p:attrNameLst>
+                                          <p:attrName>style.visibility</p:attrName>
+                                        </p:attrNameLst>
+                                      </p:cBhvr>
+                                      <p:to>
+                                        <p:strVal val="visible"/>
+                                      </p:to>
+                                    </p:set>
+                                    <p:animEffect transition="in" filter="fade">
+                                      <p:cBhvr>
+                                        <p:cTn id="36" dur="120"/>
+                                        <p:tgtEl>
+                                          <p:spTgt spid="118">
+                                            <p:txEl>
+                                              <p:pRg st="7" end="7"/>
+                                            </p:txEl>
+                                          </p:spTgt>
+                                        </p:tgtEl>
+                                      </p:cBhvr>
+                                    </p:animEffect>
+                                  </p:childTnLst>
+                                </p:cTn>
+                              </p:par>
+                            </p:childTnLst>
+                          </p:cTn>
+                        </p:par>
+                      </p:childTnLst>
+                    </p:cTn>
+                  </p:par>
+                </p:childTnLst>
+              </p:cTn>
+              <p:prevCondLst>
+                <p:cond evt="onPrev" delay="0">
+                  <p:tgtEl>
+                    <p:sldTgt/>
+                  </p:tgtEl>
+                </p:cond>
+              </p:prevCondLst>
+              <p:nextCondLst>
+                <p:cond evt="onNext" delay="0">
+                  <p:tgtEl>
+                    <p:sldTgt/>
+                  </p:tgtEl>
+                </p:cond>
+              </p:nextCondLst>
+            </p:seq>
+          </p:childTnLst>
+        </p:cTn>
       </p:par>
     </p:tnLst>
+    <p:bldLst>
+      <p:bldP spid="118" grpId="0" build="p"/>
+    </p:bldLst>
   </p:timing>
 </p:sld>
 </file>
 
 <file path=ppt/slides/slide3.xml><?xml version="1.0" encoding="utf-8"?>
-<p:sld xmlns:a="http://schemas.openxmlformats.org/drawingml/2006/main" xmlns:r="http://schemas.openxmlformats.org/officeDocument/2006/relationships" xmlns:p="http://schemas.openxmlformats.org/presentationml/2006/main">
-  <p:cSld>
-    <p:spTree>
-      <p:nvGrpSpPr>
-        <p:cNvPr id="1" name=""/>
-        <p:cNvGrpSpPr/>
-        <p:nvPr/>
-      </p:nvGrpSpPr>
-      <p:grpSpPr>
-        <a:xfrm>
-          <a:off x="0" y="0"/>
-          <a:ext cx="0" cy="0"/>
-          <a:chOff x="0" y="0"/>
-          <a:chExt cx="0" cy="0"/>
-        </a:xfrm>
-      </p:grpSpPr>
-      <p:pic>
-        <p:nvPicPr>
-          <p:cNvPr id="8" name="Image 7"/>
-          <p:cNvPicPr>
-            <a:picLocks noChangeAspect="1"/>
-          </p:cNvPicPr>
-          <p:nvPr/>
-        </p:nvPicPr>
-        <p:blipFill>
-          <a:blip r:embed="rId2"/>
-          <a:stretch>
-            <a:fillRect/>
-          </a:stretch>
-        </p:blipFill>
-        <p:spPr>
-          <a:xfrm>
-            <a:off x="2746208" y="101600"/>
-            <a:ext cx="6492039" cy="6667500"/>
-          </a:xfrm>
-          <a:prstGeom prst="rect">
-            <a:avLst/>
-          </a:prstGeom>
-        </p:spPr>
-      </p:pic>
-    </p:spTree>
-    <p:extLst>
-      <p:ext uri="{BB962C8B-B14F-4D97-AF65-F5344CB8AC3E}">
-        <p14:creationId xmlns:p14="http://schemas.microsoft.com/office/powerpoint/2010/main" val="2448256056"/>
-      </p:ext>
-    </p:extLst>
-  </p:cSld>
-  <p:clrMapOvr>
-    <a:masterClrMapping/>
-  </p:clrMapOvr>
-  <p:transition>
-    <p:push dir="u"/>
-  </p:transition>
-  <p:timing>
-    <p:tnLst>
-      <p:par>
-        <p:cTn id="1" dur="indefinite" restart="never" nodeType="tmRoot"/>
-      </p:par>
-    </p:tnLst>
-  </p:timing>
-</p:sld>
-</file>
-
-<file path=ppt/slides/slide4.xml><?xml version="1.0" encoding="utf-8"?>
 <p:sld xmlns:a="http://schemas.openxmlformats.org/drawingml/2006/main" xmlns:r="http://schemas.openxmlformats.org/officeDocument/2006/relationships" xmlns:p="http://schemas.openxmlformats.org/presentationml/2006/main">
   <p:cSld>
     <p:spTree>
@@ -3226,18 +6848,47 @@
         </p:blipFill>
         <p:spPr>
           <a:xfrm>
-            <a:off x="0" y="1"/>
-            <a:ext cx="11611429" cy="6852780"/>
+            <a:off x="1" y="0"/>
+            <a:ext cx="12125050" cy="6503437"/>
           </a:xfrm>
           <a:prstGeom prst="rect">
             <a:avLst/>
           </a:prstGeom>
+          <a:solidFill>
+            <a:srgbClr val="FFFFFF">
+              <a:alpha val="50196"/>
+            </a:srgbClr>
+          </a:solidFill>
         </p:spPr>
       </p:pic>
+      <p:sp>
+        <p:nvSpPr>
+          <p:cNvPr id="2" name="Titre 1"/>
+          <p:cNvSpPr>
+            <a:spLocks noGrp="1"/>
+          </p:cNvSpPr>
+          <p:nvPr>
+            <p:ph type="title"/>
+          </p:nvPr>
+        </p:nvSpPr>
+        <p:spPr/>
+        <p:txBody>
+          <a:bodyPr/>
+          <a:lstStyle/>
+          <a:p>
+            <a:pPr algn="ctr"/>
+            <a:r>
+              <a:rPr lang="fr-CH" dirty="0" smtClean="0"/>
+              <a:t>MLD</a:t>
+            </a:r>
+            <a:endParaRPr lang="fr-CH" dirty="0"/>
+          </a:p>
+        </p:txBody>
+      </p:sp>
     </p:spTree>
     <p:extLst>
       <p:ext uri="{BB962C8B-B14F-4D97-AF65-F5344CB8AC3E}">
-        <p14:creationId xmlns:p14="http://schemas.microsoft.com/office/powerpoint/2010/main" val="1767881157"/>
+        <p14:creationId xmlns:p14="http://schemas.microsoft.com/office/powerpoint/2010/main" val="108014278"/>
       </p:ext>
     </p:extLst>
   </p:cSld>
@@ -3250,9 +6901,332 @@
   <p:timing>
     <p:tnLst>
       <p:par>
-        <p:cTn id="1" dur="indefinite" restart="never" nodeType="tmRoot"/>
+        <p:cTn id="1" dur="indefinite" restart="never" nodeType="tmRoot">
+          <p:childTnLst>
+            <p:seq concurrent="1" nextAc="seek">
+              <p:cTn id="2" dur="indefinite" nodeType="mainSeq">
+                <p:childTnLst>
+                  <p:par>
+                    <p:cTn id="3" fill="hold">
+                      <p:stCondLst>
+                        <p:cond delay="indefinite"/>
+                      </p:stCondLst>
+                      <p:childTnLst>
+                        <p:par>
+                          <p:cTn id="4" fill="hold">
+                            <p:stCondLst>
+                              <p:cond delay="0"/>
+                            </p:stCondLst>
+                            <p:childTnLst>
+                              <p:par>
+                                <p:cTn id="5" presetID="10" presetClass="entr" presetSubtype="0" fill="hold" nodeType="clickEffect">
+                                  <p:stCondLst>
+                                    <p:cond delay="0"/>
+                                  </p:stCondLst>
+                                  <p:childTnLst>
+                                    <p:set>
+                                      <p:cBhvr>
+                                        <p:cTn id="6" dur="1" fill="hold">
+                                          <p:stCondLst>
+                                            <p:cond delay="0"/>
+                                          </p:stCondLst>
+                                        </p:cTn>
+                                        <p:tgtEl>
+                                          <p:spTgt spid="5"/>
+                                        </p:tgtEl>
+                                        <p:attrNameLst>
+                                          <p:attrName>style.visibility</p:attrName>
+                                        </p:attrNameLst>
+                                      </p:cBhvr>
+                                      <p:to>
+                                        <p:strVal val="visible"/>
+                                      </p:to>
+                                    </p:set>
+                                    <p:animEffect transition="in" filter="fade">
+                                      <p:cBhvr>
+                                        <p:cTn id="7" dur="250"/>
+                                        <p:tgtEl>
+                                          <p:spTgt spid="5"/>
+                                        </p:tgtEl>
+                                      </p:cBhvr>
+                                    </p:animEffect>
+                                  </p:childTnLst>
+                                </p:cTn>
+                              </p:par>
+                              <p:par>
+                                <p:cTn id="8" presetID="10" presetClass="exit" presetSubtype="0" fill="hold" grpId="0" nodeType="withEffect">
+                                  <p:stCondLst>
+                                    <p:cond delay="0"/>
+                                  </p:stCondLst>
+                                  <p:childTnLst>
+                                    <p:animEffect transition="out" filter="fade">
+                                      <p:cBhvr>
+                                        <p:cTn id="9" dur="250"/>
+                                        <p:tgtEl>
+                                          <p:spTgt spid="2"/>
+                                        </p:tgtEl>
+                                      </p:cBhvr>
+                                    </p:animEffect>
+                                    <p:set>
+                                      <p:cBhvr>
+                                        <p:cTn id="10" dur="1" fill="hold">
+                                          <p:stCondLst>
+                                            <p:cond delay="249"/>
+                                          </p:stCondLst>
+                                        </p:cTn>
+                                        <p:tgtEl>
+                                          <p:spTgt spid="2"/>
+                                        </p:tgtEl>
+                                        <p:attrNameLst>
+                                          <p:attrName>style.visibility</p:attrName>
+                                        </p:attrNameLst>
+                                      </p:cBhvr>
+                                      <p:to>
+                                        <p:strVal val="hidden"/>
+                                      </p:to>
+                                    </p:set>
+                                  </p:childTnLst>
+                                </p:cTn>
+                              </p:par>
+                            </p:childTnLst>
+                          </p:cTn>
+                        </p:par>
+                      </p:childTnLst>
+                    </p:cTn>
+                  </p:par>
+                </p:childTnLst>
+              </p:cTn>
+              <p:prevCondLst>
+                <p:cond evt="onPrev" delay="0">
+                  <p:tgtEl>
+                    <p:sldTgt/>
+                  </p:tgtEl>
+                </p:cond>
+              </p:prevCondLst>
+              <p:nextCondLst>
+                <p:cond evt="onNext" delay="0">
+                  <p:tgtEl>
+                    <p:sldTgt/>
+                  </p:tgtEl>
+                </p:cond>
+              </p:nextCondLst>
+            </p:seq>
+          </p:childTnLst>
+        </p:cTn>
       </p:par>
     </p:tnLst>
+    <p:bldLst>
+      <p:bldP spid="2" grpId="0"/>
+    </p:bldLst>
+  </p:timing>
+</p:sld>
+</file>
+
+<file path=ppt/slides/slide4.xml><?xml version="1.0" encoding="utf-8"?>
+<p:sld xmlns:a="http://schemas.openxmlformats.org/drawingml/2006/main" xmlns:r="http://schemas.openxmlformats.org/officeDocument/2006/relationships" xmlns:p="http://schemas.openxmlformats.org/presentationml/2006/main">
+  <p:cSld>
+    <p:spTree>
+      <p:nvGrpSpPr>
+        <p:cNvPr id="1" name=""/>
+        <p:cNvGrpSpPr/>
+        <p:nvPr/>
+      </p:nvGrpSpPr>
+      <p:grpSpPr>
+        <a:xfrm>
+          <a:off x="0" y="0"/>
+          <a:ext cx="0" cy="0"/>
+          <a:chOff x="0" y="0"/>
+          <a:chExt cx="0" cy="0"/>
+        </a:xfrm>
+      </p:grpSpPr>
+      <p:sp>
+        <p:nvSpPr>
+          <p:cNvPr id="2" name="Titre 1"/>
+          <p:cNvSpPr>
+            <a:spLocks noGrp="1"/>
+          </p:cNvSpPr>
+          <p:nvPr>
+            <p:ph type="title"/>
+          </p:nvPr>
+        </p:nvSpPr>
+        <p:spPr/>
+        <p:txBody>
+          <a:bodyPr/>
+          <a:lstStyle/>
+          <a:p>
+            <a:pPr algn="ctr"/>
+            <a:r>
+              <a:rPr lang="fr-CH" dirty="0" err="1" smtClean="0"/>
+              <a:t>Create</a:t>
+            </a:r>
+            <a:r>
+              <a:rPr lang="fr-CH" dirty="0" smtClean="0"/>
+              <a:t> DB</a:t>
+            </a:r>
+            <a:endParaRPr lang="fr-CH" dirty="0"/>
+          </a:p>
+        </p:txBody>
+      </p:sp>
+      <p:pic>
+        <p:nvPicPr>
+          <p:cNvPr id="8" name="Image 7"/>
+          <p:cNvPicPr>
+            <a:picLocks noChangeAspect="1"/>
+          </p:cNvPicPr>
+          <p:nvPr/>
+        </p:nvPicPr>
+        <p:blipFill>
+          <a:blip r:embed="rId2"/>
+          <a:stretch>
+            <a:fillRect/>
+          </a:stretch>
+        </p:blipFill>
+        <p:spPr>
+          <a:xfrm>
+            <a:off x="2746208" y="101600"/>
+            <a:ext cx="6492039" cy="6667500"/>
+          </a:xfrm>
+          <a:prstGeom prst="rect">
+            <a:avLst/>
+          </a:prstGeom>
+          <a:solidFill>
+            <a:schemeClr val="tx1"/>
+          </a:solidFill>
+        </p:spPr>
+      </p:pic>
+    </p:spTree>
+    <p:extLst>
+      <p:ext uri="{BB962C8B-B14F-4D97-AF65-F5344CB8AC3E}">
+        <p14:creationId xmlns:p14="http://schemas.microsoft.com/office/powerpoint/2010/main" val="2448256056"/>
+      </p:ext>
+    </p:extLst>
+  </p:cSld>
+  <p:clrMapOvr>
+    <a:masterClrMapping/>
+  </p:clrMapOvr>
+  <p:transition>
+    <p:push dir="u"/>
+  </p:transition>
+  <p:timing>
+    <p:tnLst>
+      <p:par>
+        <p:cTn id="1" dur="indefinite" restart="never" nodeType="tmRoot">
+          <p:childTnLst>
+            <p:seq concurrent="1" nextAc="seek">
+              <p:cTn id="2" dur="indefinite" nodeType="mainSeq">
+                <p:childTnLst>
+                  <p:par>
+                    <p:cTn id="3" fill="hold">
+                      <p:stCondLst>
+                        <p:cond delay="indefinite"/>
+                      </p:stCondLst>
+                      <p:childTnLst>
+                        <p:par>
+                          <p:cTn id="4" fill="hold">
+                            <p:stCondLst>
+                              <p:cond delay="0"/>
+                            </p:stCondLst>
+                            <p:childTnLst>
+                              <p:par>
+                                <p:cTn id="5" presetID="10" presetClass="entr" presetSubtype="0" fill="hold" nodeType="clickEffect">
+                                  <p:stCondLst>
+                                    <p:cond delay="0"/>
+                                  </p:stCondLst>
+                                  <p:childTnLst>
+                                    <p:set>
+                                      <p:cBhvr>
+                                        <p:cTn id="6" dur="1" fill="hold">
+                                          <p:stCondLst>
+                                            <p:cond delay="0"/>
+                                          </p:stCondLst>
+                                        </p:cTn>
+                                        <p:tgtEl>
+                                          <p:spTgt spid="8"/>
+                                        </p:tgtEl>
+                                        <p:attrNameLst>
+                                          <p:attrName>style.visibility</p:attrName>
+                                        </p:attrNameLst>
+                                      </p:cBhvr>
+                                      <p:to>
+                                        <p:strVal val="visible"/>
+                                      </p:to>
+                                    </p:set>
+                                    <p:animEffect transition="in" filter="fade">
+                                      <p:cBhvr>
+                                        <p:cTn id="7" dur="250"/>
+                                        <p:tgtEl>
+                                          <p:spTgt spid="8"/>
+                                        </p:tgtEl>
+                                      </p:cBhvr>
+                                    </p:animEffect>
+                                  </p:childTnLst>
+                                </p:cTn>
+                              </p:par>
+                              <p:par>
+                                <p:cTn id="8" presetID="10" presetClass="exit" presetSubtype="0" fill="hold" grpId="0" nodeType="withEffect">
+                                  <p:stCondLst>
+                                    <p:cond delay="0"/>
+                                  </p:stCondLst>
+                                  <p:childTnLst>
+                                    <p:animEffect transition="out" filter="fade">
+                                      <p:cBhvr>
+                                        <p:cTn id="9" dur="250"/>
+                                        <p:tgtEl>
+                                          <p:spTgt spid="2"/>
+                                        </p:tgtEl>
+                                      </p:cBhvr>
+                                    </p:animEffect>
+                                    <p:set>
+                                      <p:cBhvr>
+                                        <p:cTn id="10" dur="1" fill="hold">
+                                          <p:stCondLst>
+                                            <p:cond delay="249"/>
+                                          </p:stCondLst>
+                                        </p:cTn>
+                                        <p:tgtEl>
+                                          <p:spTgt spid="2"/>
+                                        </p:tgtEl>
+                                        <p:attrNameLst>
+                                          <p:attrName>style.visibility</p:attrName>
+                                        </p:attrNameLst>
+                                      </p:cBhvr>
+                                      <p:to>
+                                        <p:strVal val="hidden"/>
+                                      </p:to>
+                                    </p:set>
+                                  </p:childTnLst>
+                                </p:cTn>
+                              </p:par>
+                            </p:childTnLst>
+                          </p:cTn>
+                        </p:par>
+                      </p:childTnLst>
+                    </p:cTn>
+                  </p:par>
+                </p:childTnLst>
+              </p:cTn>
+              <p:prevCondLst>
+                <p:cond evt="onPrev" delay="0">
+                  <p:tgtEl>
+                    <p:sldTgt/>
+                  </p:tgtEl>
+                </p:cond>
+              </p:prevCondLst>
+              <p:nextCondLst>
+                <p:cond evt="onNext" delay="0">
+                  <p:tgtEl>
+                    <p:sldTgt/>
+                  </p:tgtEl>
+                </p:cond>
+              </p:nextCondLst>
+            </p:seq>
+          </p:childTnLst>
+        </p:cTn>
+      </p:par>
+    </p:tnLst>
+    <p:bldLst>
+      <p:bldP spid="2" grpId="0"/>
+    </p:bldLst>
   </p:timing>
 </p:sld>
 </file>
@@ -3274,6 +7248,239 @@
           <a:chExt cx="0" cy="0"/>
         </a:xfrm>
       </p:grpSpPr>
+      <p:sp>
+        <p:nvSpPr>
+          <p:cNvPr id="2" name="Titre 1"/>
+          <p:cNvSpPr>
+            <a:spLocks noGrp="1"/>
+          </p:cNvSpPr>
+          <p:nvPr>
+            <p:ph type="title"/>
+          </p:nvPr>
+        </p:nvSpPr>
+        <p:spPr/>
+        <p:txBody>
+          <a:bodyPr/>
+          <a:lstStyle/>
+          <a:p>
+            <a:pPr algn="ctr"/>
+            <a:r>
+              <a:rPr lang="fr-CH" dirty="0" err="1" smtClean="0"/>
+              <a:t>Load</a:t>
+            </a:r>
+            <a:r>
+              <a:rPr lang="fr-CH" dirty="0" smtClean="0"/>
+              <a:t> Data</a:t>
+            </a:r>
+            <a:endParaRPr lang="fr-CH" dirty="0"/>
+          </a:p>
+        </p:txBody>
+      </p:sp>
+      <p:pic>
+        <p:nvPicPr>
+          <p:cNvPr id="5" name="Image 4"/>
+          <p:cNvPicPr>
+            <a:picLocks noChangeAspect="1"/>
+          </p:cNvPicPr>
+          <p:nvPr/>
+        </p:nvPicPr>
+        <p:blipFill>
+          <a:blip r:embed="rId2"/>
+          <a:stretch>
+            <a:fillRect/>
+          </a:stretch>
+        </p:blipFill>
+        <p:spPr>
+          <a:xfrm>
+            <a:off x="0" y="1"/>
+            <a:ext cx="11611429" cy="6852780"/>
+          </a:xfrm>
+          <a:prstGeom prst="rect">
+            <a:avLst/>
+          </a:prstGeom>
+          <a:solidFill>
+            <a:srgbClr val="FFFFFF"/>
+          </a:solidFill>
+        </p:spPr>
+      </p:pic>
+    </p:spTree>
+    <p:extLst>
+      <p:ext uri="{BB962C8B-B14F-4D97-AF65-F5344CB8AC3E}">
+        <p14:creationId xmlns:p14="http://schemas.microsoft.com/office/powerpoint/2010/main" val="1767881157"/>
+      </p:ext>
+    </p:extLst>
+  </p:cSld>
+  <p:clrMapOvr>
+    <a:masterClrMapping/>
+  </p:clrMapOvr>
+  <p:transition>
+    <p:push dir="u"/>
+  </p:transition>
+  <p:timing>
+    <p:tnLst>
+      <p:par>
+        <p:cTn id="1" dur="indefinite" restart="never" nodeType="tmRoot">
+          <p:childTnLst>
+            <p:seq concurrent="1" nextAc="seek">
+              <p:cTn id="2" dur="indefinite" nodeType="mainSeq">
+                <p:childTnLst>
+                  <p:par>
+                    <p:cTn id="3" fill="hold">
+                      <p:stCondLst>
+                        <p:cond delay="indefinite"/>
+                      </p:stCondLst>
+                      <p:childTnLst>
+                        <p:par>
+                          <p:cTn id="4" fill="hold">
+                            <p:stCondLst>
+                              <p:cond delay="0"/>
+                            </p:stCondLst>
+                            <p:childTnLst>
+                              <p:par>
+                                <p:cTn id="5" presetID="10" presetClass="entr" presetSubtype="0" fill="hold" nodeType="clickEffect">
+                                  <p:stCondLst>
+                                    <p:cond delay="0"/>
+                                  </p:stCondLst>
+                                  <p:childTnLst>
+                                    <p:set>
+                                      <p:cBhvr>
+                                        <p:cTn id="6" dur="1" fill="hold">
+                                          <p:stCondLst>
+                                            <p:cond delay="0"/>
+                                          </p:stCondLst>
+                                        </p:cTn>
+                                        <p:tgtEl>
+                                          <p:spTgt spid="5"/>
+                                        </p:tgtEl>
+                                        <p:attrNameLst>
+                                          <p:attrName>style.visibility</p:attrName>
+                                        </p:attrNameLst>
+                                      </p:cBhvr>
+                                      <p:to>
+                                        <p:strVal val="visible"/>
+                                      </p:to>
+                                    </p:set>
+                                    <p:animEffect transition="in" filter="fade">
+                                      <p:cBhvr>
+                                        <p:cTn id="7" dur="250"/>
+                                        <p:tgtEl>
+                                          <p:spTgt spid="5"/>
+                                        </p:tgtEl>
+                                      </p:cBhvr>
+                                    </p:animEffect>
+                                  </p:childTnLst>
+                                </p:cTn>
+                              </p:par>
+                              <p:par>
+                                <p:cTn id="8" presetID="10" presetClass="exit" presetSubtype="0" fill="hold" grpId="0" nodeType="withEffect">
+                                  <p:stCondLst>
+                                    <p:cond delay="0"/>
+                                  </p:stCondLst>
+                                  <p:childTnLst>
+                                    <p:animEffect transition="out" filter="fade">
+                                      <p:cBhvr>
+                                        <p:cTn id="9" dur="250"/>
+                                        <p:tgtEl>
+                                          <p:spTgt spid="2"/>
+                                        </p:tgtEl>
+                                      </p:cBhvr>
+                                    </p:animEffect>
+                                    <p:set>
+                                      <p:cBhvr>
+                                        <p:cTn id="10" dur="1" fill="hold">
+                                          <p:stCondLst>
+                                            <p:cond delay="249"/>
+                                          </p:stCondLst>
+                                        </p:cTn>
+                                        <p:tgtEl>
+                                          <p:spTgt spid="2"/>
+                                        </p:tgtEl>
+                                        <p:attrNameLst>
+                                          <p:attrName>style.visibility</p:attrName>
+                                        </p:attrNameLst>
+                                      </p:cBhvr>
+                                      <p:to>
+                                        <p:strVal val="hidden"/>
+                                      </p:to>
+                                    </p:set>
+                                  </p:childTnLst>
+                                </p:cTn>
+                              </p:par>
+                            </p:childTnLst>
+                          </p:cTn>
+                        </p:par>
+                      </p:childTnLst>
+                    </p:cTn>
+                  </p:par>
+                </p:childTnLst>
+              </p:cTn>
+              <p:prevCondLst>
+                <p:cond evt="onPrev" delay="0">
+                  <p:tgtEl>
+                    <p:sldTgt/>
+                  </p:tgtEl>
+                </p:cond>
+              </p:prevCondLst>
+              <p:nextCondLst>
+                <p:cond evt="onNext" delay="0">
+                  <p:tgtEl>
+                    <p:sldTgt/>
+                  </p:tgtEl>
+                </p:cond>
+              </p:nextCondLst>
+            </p:seq>
+          </p:childTnLst>
+        </p:cTn>
+      </p:par>
+    </p:tnLst>
+    <p:bldLst>
+      <p:bldP spid="2" grpId="0"/>
+    </p:bldLst>
+  </p:timing>
+</p:sld>
+</file>
+
+<file path=ppt/slides/slide6.xml><?xml version="1.0" encoding="utf-8"?>
+<p:sld xmlns:a="http://schemas.openxmlformats.org/drawingml/2006/main" xmlns:r="http://schemas.openxmlformats.org/officeDocument/2006/relationships" xmlns:p="http://schemas.openxmlformats.org/presentationml/2006/main">
+  <p:cSld>
+    <p:spTree>
+      <p:nvGrpSpPr>
+        <p:cNvPr id="1" name=""/>
+        <p:cNvGrpSpPr/>
+        <p:nvPr/>
+      </p:nvGrpSpPr>
+      <p:grpSpPr>
+        <a:xfrm>
+          <a:off x="0" y="0"/>
+          <a:ext cx="0" cy="0"/>
+          <a:chOff x="0" y="0"/>
+          <a:chExt cx="0" cy="0"/>
+        </a:xfrm>
+      </p:grpSpPr>
+      <p:sp>
+        <p:nvSpPr>
+          <p:cNvPr id="2" name="Titre 1"/>
+          <p:cNvSpPr>
+            <a:spLocks noGrp="1"/>
+          </p:cNvSpPr>
+          <p:nvPr>
+            <p:ph type="title"/>
+          </p:nvPr>
+        </p:nvSpPr>
+        <p:spPr/>
+        <p:txBody>
+          <a:bodyPr/>
+          <a:lstStyle/>
+          <a:p>
+            <a:pPr algn="ctr"/>
+            <a:r>
+              <a:rPr lang="fr-CH" dirty="0" smtClean="0"/>
+              <a:t>Structure et échantillon de données</a:t>
+            </a:r>
+            <a:endParaRPr lang="fr-CH" dirty="0"/>
+          </a:p>
+        </p:txBody>
+      </p:sp>
       <p:pic>
         <p:nvPicPr>
           <p:cNvPr id="21" name="Schéma"/>
@@ -3296,6 +7503,11 @@
           <a:prstGeom prst="rect">
             <a:avLst/>
           </a:prstGeom>
+          <a:solidFill>
+            <a:srgbClr val="FFFFFF">
+              <a:alpha val="50196"/>
+            </a:srgbClr>
+          </a:solidFill>
         </p:spPr>
       </p:pic>
       <p:pic>
@@ -3321,7 +7533,7 @@
             <a:avLst/>
           </a:prstGeom>
           <a:solidFill>
-            <a:schemeClr val="tx1"/>
+            <a:schemeClr val="bg1"/>
           </a:solidFill>
         </p:spPr>
       </p:pic>
@@ -3348,7 +7560,7 @@
             <a:avLst/>
           </a:prstGeom>
           <a:solidFill>
-            <a:schemeClr val="tx1"/>
+            <a:schemeClr val="bg1"/>
           </a:solidFill>
         </p:spPr>
       </p:pic>
@@ -3375,7 +7587,7 @@
             <a:avLst/>
           </a:prstGeom>
           <a:solidFill>
-            <a:schemeClr val="tx1"/>
+            <a:schemeClr val="bg1"/>
           </a:solidFill>
         </p:spPr>
       </p:pic>
@@ -3402,7 +7614,7 @@
             <a:avLst/>
           </a:prstGeom>
           <a:solidFill>
-            <a:schemeClr val="tx1"/>
+            <a:schemeClr val="bg1"/>
           </a:solidFill>
         </p:spPr>
       </p:pic>
@@ -4081,10 +8293,535 @@
 </p:sld>
 </file>
 
+<file path=ppt/slides/slide7.xml><?xml version="1.0" encoding="utf-8"?>
+<p:sld xmlns:a="http://schemas.openxmlformats.org/drawingml/2006/main" xmlns:r="http://schemas.openxmlformats.org/officeDocument/2006/relationships" xmlns:p="http://schemas.openxmlformats.org/presentationml/2006/main">
+  <p:cSld>
+    <p:spTree>
+      <p:nvGrpSpPr>
+        <p:cNvPr id="1" name=""/>
+        <p:cNvGrpSpPr/>
+        <p:nvPr/>
+      </p:nvGrpSpPr>
+      <p:grpSpPr>
+        <a:xfrm>
+          <a:off x="0" y="0"/>
+          <a:ext cx="0" cy="0"/>
+          <a:chOff x="0" y="0"/>
+          <a:chExt cx="0" cy="0"/>
+        </a:xfrm>
+      </p:grpSpPr>
+      <p:sp>
+        <p:nvSpPr>
+          <p:cNvPr id="2" name="Titre 1"/>
+          <p:cNvSpPr>
+            <a:spLocks noGrp="1"/>
+          </p:cNvSpPr>
+          <p:nvPr>
+            <p:ph type="title"/>
+          </p:nvPr>
+        </p:nvSpPr>
+        <p:spPr/>
+        <p:txBody>
+          <a:bodyPr/>
+          <a:lstStyle/>
+          <a:p>
+            <a:r>
+              <a:rPr lang="fr-CH" dirty="0" smtClean="0"/>
+              <a:t>GIT</a:t>
+            </a:r>
+            <a:endParaRPr lang="fr-CH" dirty="0"/>
+          </a:p>
+        </p:txBody>
+      </p:sp>
+      <p:sp>
+        <p:nvSpPr>
+          <p:cNvPr id="3" name="Espace réservé du contenu 2"/>
+          <p:cNvSpPr>
+            <a:spLocks noGrp="1"/>
+          </p:cNvSpPr>
+          <p:nvPr>
+            <p:ph idx="1"/>
+          </p:nvPr>
+        </p:nvSpPr>
+        <p:spPr/>
+        <p:txBody>
+          <a:bodyPr/>
+          <a:lstStyle/>
+          <a:p>
+            <a:endParaRPr lang="fr-CH"/>
+          </a:p>
+        </p:txBody>
+      </p:sp>
+      <p:pic>
+        <p:nvPicPr>
+          <p:cNvPr id="4" name="Image 3"/>
+          <p:cNvPicPr>
+            <a:picLocks noChangeAspect="1"/>
+          </p:cNvPicPr>
+          <p:nvPr/>
+        </p:nvPicPr>
+        <p:blipFill>
+          <a:blip r:embed="rId2"/>
+          <a:stretch>
+            <a:fillRect/>
+          </a:stretch>
+        </p:blipFill>
+        <p:spPr>
+          <a:xfrm>
+            <a:off x="2022933" y="6858000"/>
+            <a:ext cx="8135485" cy="23520507"/>
+          </a:xfrm>
+          <a:prstGeom prst="rect">
+            <a:avLst/>
+          </a:prstGeom>
+        </p:spPr>
+      </p:pic>
+    </p:spTree>
+    <p:extLst>
+      <p:ext uri="{BB962C8B-B14F-4D97-AF65-F5344CB8AC3E}">
+        <p14:creationId xmlns:p14="http://schemas.microsoft.com/office/powerpoint/2010/main" val="4014998503"/>
+      </p:ext>
+    </p:extLst>
+  </p:cSld>
+  <p:clrMapOvr>
+    <a:masterClrMapping/>
+  </p:clrMapOvr>
+  <p:transition>
+    <p:push dir="u"/>
+  </p:transition>
+  <p:timing>
+    <p:tnLst>
+      <p:par>
+        <p:cTn id="1" dur="indefinite" restart="never" nodeType="tmRoot">
+          <p:childTnLst>
+            <p:seq concurrent="1" nextAc="seek">
+              <p:cTn id="2" dur="indefinite" nodeType="mainSeq">
+                <p:childTnLst>
+                  <p:par>
+                    <p:cTn id="3" fill="hold">
+                      <p:stCondLst>
+                        <p:cond delay="indefinite"/>
+                      </p:stCondLst>
+                      <p:childTnLst>
+                        <p:par>
+                          <p:cTn id="4" fill="hold">
+                            <p:stCondLst>
+                              <p:cond delay="0"/>
+                            </p:stCondLst>
+                            <p:childTnLst>
+                              <p:par>
+                                <p:cTn id="5" presetID="42" presetClass="path" presetSubtype="0" fill="hold" nodeType="clickEffect">
+                                  <p:stCondLst>
+                                    <p:cond delay="0"/>
+                                  </p:stCondLst>
+                                  <p:childTnLst>
+                                    <p:animMotion origin="layout" path="M 8.33333E-7 -4.81481E-6 L 8.33333E-7 -4.42592 " pathEditMode="relative" rAng="0" ptsTypes="AA">
+                                      <p:cBhvr>
+                                        <p:cTn id="6" dur="15000" fill="hold"/>
+                                        <p:tgtEl>
+                                          <p:spTgt spid="4"/>
+                                        </p:tgtEl>
+                                        <p:attrNameLst>
+                                          <p:attrName>ppt_x</p:attrName>
+                                          <p:attrName>ppt_y</p:attrName>
+                                        </p:attrNameLst>
+                                      </p:cBhvr>
+                                      <p:rCtr x="0" y="-221296"/>
+                                    </p:animMotion>
+                                  </p:childTnLst>
+                                </p:cTn>
+                              </p:par>
+                              <p:par>
+                                <p:cTn id="7" presetID="42" presetClass="path" presetSubtype="0" fill="hold" grpId="0" nodeType="withEffect">
+                                  <p:stCondLst>
+                                    <p:cond delay="0"/>
+                                  </p:stCondLst>
+                                  <p:childTnLst>
+                                    <p:animMotion origin="layout" path="M 6.25E-7 -7.40741E-7 L 6.25E-7 -2.05949 " pathEditMode="relative" rAng="0" ptsTypes="AA">
+                                      <p:cBhvr>
+                                        <p:cTn id="8" dur="10000" fill="hold"/>
+                                        <p:tgtEl>
+                                          <p:spTgt spid="2"/>
+                                        </p:tgtEl>
+                                        <p:attrNameLst>
+                                          <p:attrName>ppt_x</p:attrName>
+                                          <p:attrName>ppt_y</p:attrName>
+                                        </p:attrNameLst>
+                                      </p:cBhvr>
+                                      <p:rCtr x="0" y="-102963"/>
+                                    </p:animMotion>
+                                  </p:childTnLst>
+                                </p:cTn>
+                              </p:par>
+                            </p:childTnLst>
+                          </p:cTn>
+                        </p:par>
+                      </p:childTnLst>
+                    </p:cTn>
+                  </p:par>
+                </p:childTnLst>
+              </p:cTn>
+              <p:prevCondLst>
+                <p:cond evt="onPrev" delay="0">
+                  <p:tgtEl>
+                    <p:sldTgt/>
+                  </p:tgtEl>
+                </p:cond>
+              </p:prevCondLst>
+              <p:nextCondLst>
+                <p:cond evt="onNext" delay="0">
+                  <p:tgtEl>
+                    <p:sldTgt/>
+                  </p:tgtEl>
+                </p:cond>
+              </p:nextCondLst>
+            </p:seq>
+          </p:childTnLst>
+        </p:cTn>
+      </p:par>
+    </p:tnLst>
+    <p:bldLst>
+      <p:bldP spid="2" grpId="0"/>
+    </p:bldLst>
+  </p:timing>
+</p:sld>
+</file>
+
+<file path=ppt/slides/slide8.xml><?xml version="1.0" encoding="utf-8"?>
+<p:sld xmlns:a="http://schemas.openxmlformats.org/drawingml/2006/main" xmlns:r="http://schemas.openxmlformats.org/officeDocument/2006/relationships" xmlns:p="http://schemas.openxmlformats.org/presentationml/2006/main">
+  <p:cSld>
+    <p:spTree>
+      <p:nvGrpSpPr>
+        <p:cNvPr id="1" name=""/>
+        <p:cNvGrpSpPr/>
+        <p:nvPr/>
+      </p:nvGrpSpPr>
+      <p:grpSpPr>
+        <a:xfrm>
+          <a:off x="0" y="0"/>
+          <a:ext cx="0" cy="0"/>
+          <a:chOff x="0" y="0"/>
+          <a:chExt cx="0" cy="0"/>
+        </a:xfrm>
+      </p:grpSpPr>
+      <p:sp>
+        <p:nvSpPr>
+          <p:cNvPr id="2" name="Titre 1"/>
+          <p:cNvSpPr>
+            <a:spLocks noGrp="1"/>
+          </p:cNvSpPr>
+          <p:nvPr>
+            <p:ph type="title"/>
+          </p:nvPr>
+        </p:nvSpPr>
+        <p:spPr/>
+        <p:txBody>
+          <a:bodyPr/>
+          <a:lstStyle/>
+          <a:p>
+            <a:r>
+              <a:rPr lang="fr-CH" dirty="0" smtClean="0"/>
+              <a:t>Rôle </a:t>
+            </a:r>
+            <a:r>
+              <a:rPr lang="fr-CH" dirty="0" err="1" smtClean="0"/>
+              <a:t>Belbin</a:t>
+            </a:r>
+            <a:endParaRPr lang="fr-CH" dirty="0"/>
+          </a:p>
+        </p:txBody>
+      </p:sp>
+      <p:sp>
+        <p:nvSpPr>
+          <p:cNvPr id="3" name="Espace réservé du contenu 2"/>
+          <p:cNvSpPr>
+            <a:spLocks noGrp="1"/>
+          </p:cNvSpPr>
+          <p:nvPr>
+            <p:ph idx="1"/>
+          </p:nvPr>
+        </p:nvSpPr>
+        <p:spPr/>
+        <p:txBody>
+          <a:bodyPr>
+            <a:normAutofit/>
+          </a:bodyPr>
+          <a:lstStyle/>
+          <a:p>
+            <a:pPr marL="36900" indent="0" algn="ctr">
+              <a:buNone/>
+            </a:pPr>
+            <a:r>
+              <a:rPr lang="fr-CH" sz="3200" dirty="0" smtClean="0"/>
+              <a:t>Réalisateur</a:t>
+            </a:r>
+          </a:p>
+          <a:p>
+            <a:pPr marL="36900" indent="0" algn="ctr">
+              <a:buNone/>
+            </a:pPr>
+            <a:r>
+              <a:rPr lang="fr-CH" sz="3200" dirty="0" smtClean="0"/>
+              <a:t>Coordinateur</a:t>
+            </a:r>
+            <a:endParaRPr lang="fr-CH" sz="3200" dirty="0"/>
+          </a:p>
+        </p:txBody>
+      </p:sp>
+    </p:spTree>
+    <p:extLst>
+      <p:ext uri="{BB962C8B-B14F-4D97-AF65-F5344CB8AC3E}">
+        <p14:creationId xmlns:p14="http://schemas.microsoft.com/office/powerpoint/2010/main" val="2474524305"/>
+      </p:ext>
+    </p:extLst>
+  </p:cSld>
+  <p:clrMapOvr>
+    <a:masterClrMapping/>
+  </p:clrMapOvr>
+  <p:transition>
+    <p:push dir="u"/>
+  </p:transition>
+  <p:timing>
+    <p:tnLst>
+      <p:par>
+        <p:cTn id="1" dur="indefinite" restart="never" nodeType="tmRoot">
+          <p:childTnLst>
+            <p:seq concurrent="1" nextAc="seek">
+              <p:cTn id="2" dur="indefinite" nodeType="mainSeq">
+                <p:childTnLst>
+                  <p:par>
+                    <p:cTn id="3" fill="hold">
+                      <p:stCondLst>
+                        <p:cond delay="indefinite"/>
+                      </p:stCondLst>
+                      <p:childTnLst>
+                        <p:par>
+                          <p:cTn id="4" fill="hold">
+                            <p:stCondLst>
+                              <p:cond delay="0"/>
+                            </p:stCondLst>
+                            <p:childTnLst>
+                              <p:par>
+                                <p:cTn id="5" presetID="10" presetClass="entr" presetSubtype="0" fill="hold" grpId="0" nodeType="clickEffect">
+                                  <p:stCondLst>
+                                    <p:cond delay="0"/>
+                                  </p:stCondLst>
+                                  <p:childTnLst>
+                                    <p:set>
+                                      <p:cBhvr>
+                                        <p:cTn id="6" dur="1" fill="hold">
+                                          <p:stCondLst>
+                                            <p:cond delay="0"/>
+                                          </p:stCondLst>
+                                        </p:cTn>
+                                        <p:tgtEl>
+                                          <p:spTgt spid="3">
+                                            <p:txEl>
+                                              <p:pRg st="0" end="0"/>
+                                            </p:txEl>
+                                          </p:spTgt>
+                                        </p:tgtEl>
+                                        <p:attrNameLst>
+                                          <p:attrName>style.visibility</p:attrName>
+                                        </p:attrNameLst>
+                                      </p:cBhvr>
+                                      <p:to>
+                                        <p:strVal val="visible"/>
+                                      </p:to>
+                                    </p:set>
+                                    <p:animEffect transition="in" filter="fade">
+                                      <p:cBhvr>
+                                        <p:cTn id="7" dur="1000"/>
+                                        <p:tgtEl>
+                                          <p:spTgt spid="3">
+                                            <p:txEl>
+                                              <p:pRg st="0" end="0"/>
+                                            </p:txEl>
+                                          </p:spTgt>
+                                        </p:tgtEl>
+                                      </p:cBhvr>
+                                    </p:animEffect>
+                                  </p:childTnLst>
+                                </p:cTn>
+                              </p:par>
+                            </p:childTnLst>
+                          </p:cTn>
+                        </p:par>
+                        <p:par>
+                          <p:cTn id="8" fill="hold">
+                            <p:stCondLst>
+                              <p:cond delay="1000"/>
+                            </p:stCondLst>
+                            <p:childTnLst>
+                              <p:par>
+                                <p:cTn id="9" presetID="10" presetClass="entr" presetSubtype="0" fill="hold" grpId="0" nodeType="afterEffect">
+                                  <p:stCondLst>
+                                    <p:cond delay="0"/>
+                                  </p:stCondLst>
+                                  <p:childTnLst>
+                                    <p:set>
+                                      <p:cBhvr>
+                                        <p:cTn id="10" dur="1" fill="hold">
+                                          <p:stCondLst>
+                                            <p:cond delay="0"/>
+                                          </p:stCondLst>
+                                        </p:cTn>
+                                        <p:tgtEl>
+                                          <p:spTgt spid="3">
+                                            <p:txEl>
+                                              <p:pRg st="1" end="1"/>
+                                            </p:txEl>
+                                          </p:spTgt>
+                                        </p:tgtEl>
+                                        <p:attrNameLst>
+                                          <p:attrName>style.visibility</p:attrName>
+                                        </p:attrNameLst>
+                                      </p:cBhvr>
+                                      <p:to>
+                                        <p:strVal val="visible"/>
+                                      </p:to>
+                                    </p:set>
+                                    <p:animEffect transition="in" filter="fade">
+                                      <p:cBhvr>
+                                        <p:cTn id="11" dur="1000"/>
+                                        <p:tgtEl>
+                                          <p:spTgt spid="3">
+                                            <p:txEl>
+                                              <p:pRg st="1" end="1"/>
+                                            </p:txEl>
+                                          </p:spTgt>
+                                        </p:tgtEl>
+                                      </p:cBhvr>
+                                    </p:animEffect>
+                                  </p:childTnLst>
+                                </p:cTn>
+                              </p:par>
+                            </p:childTnLst>
+                          </p:cTn>
+                        </p:par>
+                      </p:childTnLst>
+                    </p:cTn>
+                  </p:par>
+                </p:childTnLst>
+              </p:cTn>
+              <p:prevCondLst>
+                <p:cond evt="onPrev" delay="0">
+                  <p:tgtEl>
+                    <p:sldTgt/>
+                  </p:tgtEl>
+                </p:cond>
+              </p:prevCondLst>
+              <p:nextCondLst>
+                <p:cond evt="onNext" delay="0">
+                  <p:tgtEl>
+                    <p:sldTgt/>
+                  </p:tgtEl>
+                </p:cond>
+              </p:nextCondLst>
+            </p:seq>
+          </p:childTnLst>
+        </p:cTn>
+      </p:par>
+    </p:tnLst>
+    <p:bldLst>
+      <p:bldP spid="3" grpId="0" uiExpand="1" build="p"/>
+    </p:bldLst>
+  </p:timing>
+</p:sld>
+</file>
+
+<file path=ppt/slides/slide9.xml><?xml version="1.0" encoding="utf-8"?>
+<p:sld xmlns:a="http://schemas.openxmlformats.org/drawingml/2006/main" xmlns:r="http://schemas.openxmlformats.org/officeDocument/2006/relationships" xmlns:p="http://schemas.openxmlformats.org/presentationml/2006/main">
+  <p:cSld>
+    <p:spTree>
+      <p:nvGrpSpPr>
+        <p:cNvPr id="1" name=""/>
+        <p:cNvGrpSpPr/>
+        <p:nvPr/>
+      </p:nvGrpSpPr>
+      <p:grpSpPr>
+        <a:xfrm>
+          <a:off x="0" y="0"/>
+          <a:ext cx="0" cy="0"/>
+          <a:chOff x="0" y="0"/>
+          <a:chExt cx="0" cy="0"/>
+        </a:xfrm>
+      </p:grpSpPr>
+      <p:sp>
+        <p:nvSpPr>
+          <p:cNvPr id="2" name="Titre 1"/>
+          <p:cNvSpPr>
+            <a:spLocks noGrp="1"/>
+          </p:cNvSpPr>
+          <p:nvPr>
+            <p:ph type="title"/>
+          </p:nvPr>
+        </p:nvSpPr>
+        <p:spPr/>
+        <p:txBody>
+          <a:bodyPr/>
+          <a:lstStyle/>
+          <a:p>
+            <a:pPr algn="ctr"/>
+            <a:r>
+              <a:rPr lang="fr-CH" dirty="0" smtClean="0"/>
+              <a:t>JDT</a:t>
+            </a:r>
+            <a:endParaRPr lang="fr-CH" dirty="0"/>
+          </a:p>
+        </p:txBody>
+      </p:sp>
+      <p:pic>
+        <p:nvPicPr>
+          <p:cNvPr id="6" name="Image 5"/>
+          <p:cNvPicPr>
+            <a:picLocks noChangeAspect="1"/>
+          </p:cNvPicPr>
+          <p:nvPr/>
+        </p:nvPicPr>
+        <p:blipFill>
+          <a:blip r:embed="rId2"/>
+          <a:stretch>
+            <a:fillRect/>
+          </a:stretch>
+        </p:blipFill>
+        <p:spPr>
+          <a:xfrm>
+            <a:off x="-178723" y="2255520"/>
+            <a:ext cx="12438258" cy="2326166"/>
+          </a:xfrm>
+          <a:prstGeom prst="rect">
+            <a:avLst/>
+          </a:prstGeom>
+        </p:spPr>
+      </p:pic>
+    </p:spTree>
+    <p:extLst>
+      <p:ext uri="{BB962C8B-B14F-4D97-AF65-F5344CB8AC3E}">
+        <p14:creationId xmlns:p14="http://schemas.microsoft.com/office/powerpoint/2010/main" val="4147630261"/>
+      </p:ext>
+    </p:extLst>
+  </p:cSld>
+  <p:clrMapOvr>
+    <a:masterClrMapping/>
+  </p:clrMapOvr>
+  <p:transition>
+    <p:push dir="u"/>
+  </p:transition>
+  <p:timing>
+    <p:tnLst>
+      <p:par>
+        <p:cTn id="1" dur="indefinite" restart="never" nodeType="tmRoot"/>
+      </p:par>
+    </p:tnLst>
+  </p:timing>
+</p:sld>
+</file>
+
 <file path=ppt/theme/theme1.xml><?xml version="1.0" encoding="utf-8"?>
-<a:theme xmlns:a="http://schemas.openxmlformats.org/drawingml/2006/main" name="Thème Office">
+<a:theme xmlns:a="http://schemas.openxmlformats.org/drawingml/2006/main" name="Ardoise">
   <a:themeElements>
-    <a:clrScheme name="Office">
+    <a:clrScheme name="Ardoise">
       <a:dk1>
         <a:sysClr val="windowText" lastClr="000000"/>
       </a:dk1>
@@ -4092,52 +8829,52 @@
         <a:sysClr val="window" lastClr="FFFFFF"/>
       </a:lt1>
       <a:dk2>
-        <a:srgbClr val="44546A"/>
+        <a:srgbClr val="212123"/>
       </a:dk2>
       <a:lt2>
-        <a:srgbClr val="E7E6E6"/>
+        <a:srgbClr val="DADADA"/>
       </a:lt2>
       <a:accent1>
-        <a:srgbClr val="5B9BD5"/>
+        <a:srgbClr val="BC451B"/>
       </a:accent1>
       <a:accent2>
-        <a:srgbClr val="ED7D31"/>
+        <a:srgbClr val="D3BA68"/>
       </a:accent2>
       <a:accent3>
-        <a:srgbClr val="A5A5A5"/>
+        <a:srgbClr val="BB8640"/>
       </a:accent3>
       <a:accent4>
-        <a:srgbClr val="FFC000"/>
+        <a:srgbClr val="AD9277"/>
       </a:accent4>
       <a:accent5>
-        <a:srgbClr val="4472C4"/>
+        <a:srgbClr val="A55A43"/>
       </a:accent5>
       <a:accent6>
-        <a:srgbClr val="70AD47"/>
+        <a:srgbClr val="AD9D7B"/>
       </a:accent6>
       <a:hlink>
-        <a:srgbClr val="0563C1"/>
+        <a:srgbClr val="E98052"/>
       </a:hlink>
       <a:folHlink>
-        <a:srgbClr val="954F72"/>
+        <a:srgbClr val="F4B69B"/>
       </a:folHlink>
     </a:clrScheme>
-    <a:fontScheme name="Office">
+    <a:fontScheme name="Ardoise">
       <a:majorFont>
-        <a:latin typeface="Calibri Light" panose="020F0302020204030204"/>
+        <a:latin typeface="Calisto MT" panose="02040603050505030304"/>
         <a:ea typeface=""/>
         <a:cs typeface=""/>
-        <a:font script="Jpan" typeface="游ゴシック Light"/>
-        <a:font script="Hang" typeface="맑은 고딕"/>
-        <a:font script="Hans" typeface="等线 Light"/>
-        <a:font script="Hant" typeface="新細明體"/>
-        <a:font script="Arab" typeface="Times New Roman"/>
-        <a:font script="Hebr" typeface="Times New Roman"/>
-        <a:font script="Thai" typeface="Angsana New"/>
+        <a:font script="Jpan" typeface="ＭＳ Ｐゴシック"/>
+        <a:font script="Hang" typeface="돋움"/>
+        <a:font script="Hans" typeface="方正舒体"/>
+        <a:font script="Hant" typeface="微軟正黑體"/>
+        <a:font script="Arab" typeface="Arial"/>
+        <a:font script="Hebr" typeface="Arial"/>
+        <a:font script="Thai" typeface="Cordia New"/>
         <a:font script="Ethi" typeface="Nyala"/>
         <a:font script="Beng" typeface="Vrinda"/>
         <a:font script="Gujr" typeface="Shruti"/>
-        <a:font script="Khmr" typeface="MoolBoran"/>
+        <a:font script="Khmr" typeface="DaunPenh"/>
         <a:font script="Knda" typeface="Tunga"/>
         <a:font script="Guru" typeface="Raavi"/>
         <a:font script="Cans" typeface="Euphemia"/>
@@ -4154,18 +8891,18 @@
         <a:font script="Laoo" typeface="DokChampa"/>
         <a:font script="Sinh" typeface="Iskoola Pota"/>
         <a:font script="Mong" typeface="Mongolian Baiti"/>
-        <a:font script="Viet" typeface="Times New Roman"/>
+        <a:font script="Viet" typeface="Arial"/>
         <a:font script="Uigh" typeface="Microsoft Uighur"/>
         <a:font script="Geor" typeface="Sylfaen"/>
       </a:majorFont>
       <a:minorFont>
-        <a:latin typeface="Calibri" panose="020F0502020204030204"/>
+        <a:latin typeface="Calisto MT" panose="02040603050505030304"/>
         <a:ea typeface=""/>
         <a:cs typeface=""/>
-        <a:font script="Jpan" typeface="游ゴシック"/>
-        <a:font script="Hang" typeface="맑은 고딕"/>
-        <a:font script="Hans" typeface="等线"/>
-        <a:font script="Hant" typeface="新細明體"/>
+        <a:font script="Jpan" typeface="ＭＳ Ｐゴシック"/>
+        <a:font script="Hang" typeface="돋움"/>
+        <a:font script="Hans" typeface="方正舒体"/>
+        <a:font script="Hant" typeface="微軟正黑體"/>
         <a:font script="Arab" typeface="Arial"/>
         <a:font script="Hebr" typeface="Arial"/>
         <a:font script="Thai" typeface="Cordia New"/>
@@ -4194,7 +8931,7 @@
         <a:font script="Geor" typeface="Sylfaen"/>
       </a:minorFont>
     </a:fontScheme>
-    <a:fmtScheme name="Office">
+    <a:fmtScheme name="Ardoise">
       <a:fillStyleLst>
         <a:solidFill>
           <a:schemeClr val="phClr"/>
@@ -4203,23 +8940,13 @@
           <a:gsLst>
             <a:gs pos="0">
               <a:schemeClr val="phClr">
+                <a:tint val="60000"/>
                 <a:lumMod val="110000"/>
-                <a:satMod val="105000"/>
-                <a:tint val="67000"/>
-              </a:schemeClr>
-            </a:gs>
-            <a:gs pos="50000">
-              <a:schemeClr val="phClr">
-                <a:lumMod val="105000"/>
-                <a:satMod val="103000"/>
-                <a:tint val="73000"/>
               </a:schemeClr>
             </a:gs>
             <a:gs pos="100000">
               <a:schemeClr val="phClr">
-                <a:lumMod val="105000"/>
-                <a:satMod val="109000"/>
-                <a:tint val="81000"/>
+                <a:tint val="88000"/>
               </a:schemeClr>
             </a:gs>
           </a:gsLst>
@@ -4229,23 +8956,14 @@
           <a:gsLst>
             <a:gs pos="0">
               <a:schemeClr val="phClr">
-                <a:satMod val="103000"/>
-                <a:lumMod val="102000"/>
-                <a:tint val="94000"/>
-              </a:schemeClr>
-            </a:gs>
-            <a:gs pos="50000">
-              <a:schemeClr val="phClr">
-                <a:satMod val="110000"/>
-                <a:lumMod val="100000"/>
-                <a:shade val="100000"/>
+                <a:tint val="96000"/>
+                <a:lumMod val="104000"/>
               </a:schemeClr>
             </a:gs>
             <a:gs pos="100000">
               <a:schemeClr val="phClr">
-                <a:lumMod val="99000"/>
-                <a:satMod val="120000"/>
-                <a:shade val="78000"/>
+                <a:shade val="90000"/>
+                <a:lumMod val="90000"/>
               </a:schemeClr>
             </a:gs>
           </a:gsLst>
@@ -4253,26 +8971,25 @@
         </a:gradFill>
       </a:fillStyleLst>
       <a:lnStyleLst>
-        <a:ln w="6350" cap="flat" cmpd="sng" algn="ctr">
+        <a:ln w="9525" cap="rnd" cmpd="sng" algn="ctr">
+          <a:solidFill>
+            <a:schemeClr val="phClr">
+              <a:shade val="90000"/>
+            </a:schemeClr>
+          </a:solidFill>
+          <a:prstDash val="solid"/>
+        </a:ln>
+        <a:ln w="15875" cap="rnd" cmpd="sng" algn="ctr">
           <a:solidFill>
             <a:schemeClr val="phClr"/>
           </a:solidFill>
           <a:prstDash val="solid"/>
-          <a:miter lim="800000"/>
         </a:ln>
-        <a:ln w="12700" cap="flat" cmpd="sng" algn="ctr">
+        <a:ln w="25400" cap="rnd" cmpd="sng" algn="ctr">
           <a:solidFill>
             <a:schemeClr val="phClr"/>
           </a:solidFill>
           <a:prstDash val="solid"/>
-          <a:miter lim="800000"/>
-        </a:ln>
-        <a:ln w="19050" cap="flat" cmpd="sng" algn="ctr">
-          <a:solidFill>
-            <a:schemeClr val="phClr"/>
-          </a:solidFill>
-          <a:prstDash val="solid"/>
-          <a:miter lim="800000"/>
         </a:ln>
       </a:lnStyleLst>
       <a:effectStyleLst>
@@ -4280,16 +8997,33 @@
           <a:effectLst/>
         </a:effectStyle>
         <a:effectStyle>
-          <a:effectLst/>
+          <a:effectLst>
+            <a:outerShdw blurRad="63500" dist="25400" dir="5400000" rotWithShape="0">
+              <a:srgbClr val="000000">
+                <a:alpha val="60000"/>
+              </a:srgbClr>
+            </a:outerShdw>
+          </a:effectLst>
         </a:effectStyle>
         <a:effectStyle>
           <a:effectLst>
-            <a:outerShdw blurRad="57150" dist="19050" dir="5400000" algn="ctr" rotWithShape="0">
+            <a:outerShdw blurRad="76200" dist="38100" dir="5400000" rotWithShape="0">
               <a:srgbClr val="000000">
-                <a:alpha val="63000"/>
+                <a:alpha val="75000"/>
               </a:srgbClr>
             </a:outerShdw>
           </a:effectLst>
+          <a:scene3d>
+            <a:camera prst="orthographicFront">
+              <a:rot lat="0" lon="0" rev="0"/>
+            </a:camera>
+            <a:lightRig rig="threePt" dir="t">
+              <a:rot lat="0" lon="0" rev="1200000"/>
+            </a:lightRig>
+          </a:scene3d>
+          <a:sp3d>
+            <a:bevelT w="63500" h="25400" prst="hardEdge"/>
+          </a:sp3d>
         </a:effectStyle>
       </a:effectStyleLst>
       <a:bgFillStyleLst>
@@ -4297,38 +9031,22 @@
           <a:schemeClr val="phClr"/>
         </a:solidFill>
         <a:solidFill>
-          <a:schemeClr val="phClr">
-            <a:tint val="95000"/>
-            <a:satMod val="170000"/>
-          </a:schemeClr>
+          <a:schemeClr val="phClr"/>
         </a:solidFill>
-        <a:gradFill rotWithShape="1">
-          <a:gsLst>
-            <a:gs pos="0">
+        <a:blipFill rotWithShape="1">
+          <a:blip xmlns:r="http://schemas.openxmlformats.org/officeDocument/2006/relationships" r:embed="rId1">
+            <a:duotone>
               <a:schemeClr val="phClr">
-                <a:tint val="93000"/>
-                <a:satMod val="150000"/>
-                <a:shade val="98000"/>
-                <a:lumMod val="102000"/>
+                <a:shade val="80000"/>
+                <a:lumMod val="80000"/>
               </a:schemeClr>
-            </a:gs>
-            <a:gs pos="50000">
               <a:schemeClr val="phClr">
                 <a:tint val="98000"/>
-                <a:satMod val="130000"/>
-                <a:shade val="90000"/>
-                <a:lumMod val="103000"/>
               </a:schemeClr>
-            </a:gs>
-            <a:gs pos="100000">
-              <a:schemeClr val="phClr">
-                <a:shade val="63000"/>
-                <a:satMod val="120000"/>
-              </a:schemeClr>
-            </a:gs>
-          </a:gsLst>
-          <a:lin ang="5400000" scaled="0"/>
-        </a:gradFill>
+            </a:duotone>
+          </a:blip>
+          <a:stretch/>
+        </a:blipFill>
       </a:bgFillStyleLst>
     </a:fmtScheme>
   </a:themeElements>
@@ -4336,7 +9054,7 @@
   <a:extraClrSchemeLst/>
   <a:extLst>
     <a:ext uri="{05A4C25C-085E-4340-85A3-A5531E510DB2}">
-      <thm15:themeFamily xmlns:thm15="http://schemas.microsoft.com/office/thememl/2012/main" name="Office Theme" id="{62F939B6-93AF-4DB8-9C6B-D6C7DFDC589F}" vid="{4A3C46E8-61CC-4603-A589-7422A47A8E4A}"/>
+      <thm15:themeFamily xmlns:thm15="http://schemas.microsoft.com/office/thememl/2012/main" name="Slate" id="{C3F70B94-7CE9-428E-ADC1-3269CC2C3385}" vid="{3F2DE9A5-64E6-437C-A389-CC4477E817E8}"/>
     </a:ext>
   </a:extLst>
 </a:theme>

--- a/Présentation/merkya.pptx
+++ b/Présentation/merkya.pptx
@@ -4,6 +4,9 @@
   <p:sldMasterIdLst>
     <p:sldMasterId id="2147483660" r:id="rId1"/>
   </p:sldMasterIdLst>
+  <p:notesMasterIdLst>
+    <p:notesMasterId r:id="rId12"/>
+  </p:notesMasterIdLst>
   <p:sldIdLst>
     <p:sldId id="256" r:id="rId2"/>
     <p:sldId id="263" r:id="rId3"/>
@@ -13,7 +16,8 @@
     <p:sldId id="260" r:id="rId7"/>
     <p:sldId id="262" r:id="rId8"/>
     <p:sldId id="264" r:id="rId9"/>
-    <p:sldId id="261" r:id="rId10"/>
+    <p:sldId id="265" r:id="rId10"/>
+    <p:sldId id="261" r:id="rId11"/>
   </p:sldIdLst>
   <p:sldSz cx="12192000" cy="6858000"/>
   <p:notesSz cx="6858000" cy="9144000"/>
@@ -120,6 +124,440 @@
 </p:presentation>
 </file>
 
+<file path=ppt/notesMasters/notesMaster1.xml><?xml version="1.0" encoding="utf-8"?>
+<p:notesMaster xmlns:a="http://schemas.openxmlformats.org/drawingml/2006/main" xmlns:r="http://schemas.openxmlformats.org/officeDocument/2006/relationships" xmlns:p="http://schemas.openxmlformats.org/presentationml/2006/main">
+  <p:cSld>
+    <p:bg>
+      <p:bgRef idx="1001">
+        <a:schemeClr val="bg1"/>
+      </p:bgRef>
+    </p:bg>
+    <p:spTree>
+      <p:nvGrpSpPr>
+        <p:cNvPr id="1" name=""/>
+        <p:cNvGrpSpPr/>
+        <p:nvPr/>
+      </p:nvGrpSpPr>
+      <p:grpSpPr>
+        <a:xfrm>
+          <a:off x="0" y="0"/>
+          <a:ext cx="0" cy="0"/>
+          <a:chOff x="0" y="0"/>
+          <a:chExt cx="0" cy="0"/>
+        </a:xfrm>
+      </p:grpSpPr>
+      <p:sp>
+        <p:nvSpPr>
+          <p:cNvPr id="2" name="Espace réservé de l'en-tête 1"/>
+          <p:cNvSpPr>
+            <a:spLocks noGrp="1"/>
+          </p:cNvSpPr>
+          <p:nvPr>
+            <p:ph type="hdr" sz="quarter"/>
+          </p:nvPr>
+        </p:nvSpPr>
+        <p:spPr>
+          <a:xfrm>
+            <a:off x="0" y="0"/>
+            <a:ext cx="2971800" cy="458788"/>
+          </a:xfrm>
+          <a:prstGeom prst="rect">
+            <a:avLst/>
+          </a:prstGeom>
+        </p:spPr>
+        <p:txBody>
+          <a:bodyPr vert="horz" lIns="91440" tIns="45720" rIns="91440" bIns="45720" rtlCol="0"/>
+          <a:lstStyle>
+            <a:lvl1pPr algn="l">
+              <a:defRPr sz="1200"/>
+            </a:lvl1pPr>
+          </a:lstStyle>
+          <a:p>
+            <a:endParaRPr lang="fr-CH"/>
+          </a:p>
+        </p:txBody>
+      </p:sp>
+      <p:sp>
+        <p:nvSpPr>
+          <p:cNvPr id="3" name="Espace réservé de la date 2"/>
+          <p:cNvSpPr>
+            <a:spLocks noGrp="1"/>
+          </p:cNvSpPr>
+          <p:nvPr>
+            <p:ph type="dt" idx="1"/>
+          </p:nvPr>
+        </p:nvSpPr>
+        <p:spPr>
+          <a:xfrm>
+            <a:off x="3884613" y="0"/>
+            <a:ext cx="2971800" cy="458788"/>
+          </a:xfrm>
+          <a:prstGeom prst="rect">
+            <a:avLst/>
+          </a:prstGeom>
+        </p:spPr>
+        <p:txBody>
+          <a:bodyPr vert="horz" lIns="91440" tIns="45720" rIns="91440" bIns="45720" rtlCol="0"/>
+          <a:lstStyle>
+            <a:lvl1pPr algn="r">
+              <a:defRPr sz="1200"/>
+            </a:lvl1pPr>
+          </a:lstStyle>
+          <a:p>
+            <a:fld id="{5C88DEFE-52DC-490C-9332-511E95F513DE}" type="datetimeFigureOut">
+              <a:rPr lang="fr-CH" smtClean="0"/>
+              <a:t>16.12.2016</a:t>
+            </a:fld>
+            <a:endParaRPr lang="fr-CH"/>
+          </a:p>
+        </p:txBody>
+      </p:sp>
+      <p:sp>
+        <p:nvSpPr>
+          <p:cNvPr id="4" name="Espace réservé de l'image des diapositives 3"/>
+          <p:cNvSpPr>
+            <a:spLocks noGrp="1" noRot="1" noChangeAspect="1"/>
+          </p:cNvSpPr>
+          <p:nvPr>
+            <p:ph type="sldImg" idx="2"/>
+          </p:nvPr>
+        </p:nvSpPr>
+        <p:spPr>
+          <a:xfrm>
+            <a:off x="685800" y="1143000"/>
+            <a:ext cx="5486400" cy="3086100"/>
+          </a:xfrm>
+          <a:prstGeom prst="rect">
+            <a:avLst/>
+          </a:prstGeom>
+          <a:noFill/>
+          <a:ln w="12700">
+            <a:solidFill>
+              <a:prstClr val="black"/>
+            </a:solidFill>
+          </a:ln>
+        </p:spPr>
+        <p:txBody>
+          <a:bodyPr vert="horz" lIns="91440" tIns="45720" rIns="91440" bIns="45720" rtlCol="0" anchor="ctr"/>
+          <a:lstStyle/>
+          <a:p>
+            <a:endParaRPr lang="fr-CH"/>
+          </a:p>
+        </p:txBody>
+      </p:sp>
+      <p:sp>
+        <p:nvSpPr>
+          <p:cNvPr id="5" name="Espace réservé des notes 4"/>
+          <p:cNvSpPr>
+            <a:spLocks noGrp="1"/>
+          </p:cNvSpPr>
+          <p:nvPr>
+            <p:ph type="body" sz="quarter" idx="3"/>
+          </p:nvPr>
+        </p:nvSpPr>
+        <p:spPr>
+          <a:xfrm>
+            <a:off x="685800" y="4400550"/>
+            <a:ext cx="5486400" cy="3600450"/>
+          </a:xfrm>
+          <a:prstGeom prst="rect">
+            <a:avLst/>
+          </a:prstGeom>
+        </p:spPr>
+        <p:txBody>
+          <a:bodyPr vert="horz" lIns="91440" tIns="45720" rIns="91440" bIns="45720" rtlCol="0"/>
+          <a:lstStyle/>
+          <a:p>
+            <a:pPr lvl="0"/>
+            <a:r>
+              <a:rPr lang="fr-FR" smtClean="0"/>
+              <a:t>Modifier les styles du texte du masque</a:t>
+            </a:r>
+          </a:p>
+          <a:p>
+            <a:pPr lvl="1"/>
+            <a:r>
+              <a:rPr lang="fr-FR" smtClean="0"/>
+              <a:t>Deuxième niveau</a:t>
+            </a:r>
+          </a:p>
+          <a:p>
+            <a:pPr lvl="2"/>
+            <a:r>
+              <a:rPr lang="fr-FR" smtClean="0"/>
+              <a:t>Troisième niveau</a:t>
+            </a:r>
+          </a:p>
+          <a:p>
+            <a:pPr lvl="3"/>
+            <a:r>
+              <a:rPr lang="fr-FR" smtClean="0"/>
+              <a:t>Quatrième niveau</a:t>
+            </a:r>
+          </a:p>
+          <a:p>
+            <a:pPr lvl="4"/>
+            <a:r>
+              <a:rPr lang="fr-FR" smtClean="0"/>
+              <a:t>Cinquième niveau</a:t>
+            </a:r>
+            <a:endParaRPr lang="fr-CH"/>
+          </a:p>
+        </p:txBody>
+      </p:sp>
+      <p:sp>
+        <p:nvSpPr>
+          <p:cNvPr id="6" name="Espace réservé du pied de page 5"/>
+          <p:cNvSpPr>
+            <a:spLocks noGrp="1"/>
+          </p:cNvSpPr>
+          <p:nvPr>
+            <p:ph type="ftr" sz="quarter" idx="4"/>
+          </p:nvPr>
+        </p:nvSpPr>
+        <p:spPr>
+          <a:xfrm>
+            <a:off x="0" y="8685213"/>
+            <a:ext cx="2971800" cy="458787"/>
+          </a:xfrm>
+          <a:prstGeom prst="rect">
+            <a:avLst/>
+          </a:prstGeom>
+        </p:spPr>
+        <p:txBody>
+          <a:bodyPr vert="horz" lIns="91440" tIns="45720" rIns="91440" bIns="45720" rtlCol="0" anchor="b"/>
+          <a:lstStyle>
+            <a:lvl1pPr algn="l">
+              <a:defRPr sz="1200"/>
+            </a:lvl1pPr>
+          </a:lstStyle>
+          <a:p>
+            <a:endParaRPr lang="fr-CH"/>
+          </a:p>
+        </p:txBody>
+      </p:sp>
+      <p:sp>
+        <p:nvSpPr>
+          <p:cNvPr id="7" name="Espace réservé du numéro de diapositive 6"/>
+          <p:cNvSpPr>
+            <a:spLocks noGrp="1"/>
+          </p:cNvSpPr>
+          <p:nvPr>
+            <p:ph type="sldNum" sz="quarter" idx="5"/>
+          </p:nvPr>
+        </p:nvSpPr>
+        <p:spPr>
+          <a:xfrm>
+            <a:off x="3884613" y="8685213"/>
+            <a:ext cx="2971800" cy="458787"/>
+          </a:xfrm>
+          <a:prstGeom prst="rect">
+            <a:avLst/>
+          </a:prstGeom>
+        </p:spPr>
+        <p:txBody>
+          <a:bodyPr vert="horz" lIns="91440" tIns="45720" rIns="91440" bIns="45720" rtlCol="0" anchor="b"/>
+          <a:lstStyle>
+            <a:lvl1pPr algn="r">
+              <a:defRPr sz="1200"/>
+            </a:lvl1pPr>
+          </a:lstStyle>
+          <a:p>
+            <a:fld id="{BFDFC339-FBEA-4475-A1B4-789B53904622}" type="slidenum">
+              <a:rPr lang="fr-CH" smtClean="0"/>
+              <a:t>‹N°›</a:t>
+            </a:fld>
+            <a:endParaRPr lang="fr-CH"/>
+          </a:p>
+        </p:txBody>
+      </p:sp>
+    </p:spTree>
+    <p:extLst>
+      <p:ext uri="{BB962C8B-B14F-4D97-AF65-F5344CB8AC3E}">
+        <p14:creationId xmlns:p14="http://schemas.microsoft.com/office/powerpoint/2010/main" val="1971855407"/>
+      </p:ext>
+    </p:extLst>
+  </p:cSld>
+  <p:clrMap bg1="lt1" tx1="dk1" bg2="lt2" tx2="dk2" accent1="accent1" accent2="accent2" accent3="accent3" accent4="accent4" accent5="accent5" accent6="accent6" hlink="hlink" folHlink="folHlink"/>
+  <p:notesStyle>
+    <a:lvl1pPr marL="0" algn="l" defTabSz="914400" rtl="0" eaLnBrk="1" latinLnBrk="0" hangingPunct="1">
+      <a:defRPr sz="1200" kern="1200">
+        <a:solidFill>
+          <a:schemeClr val="tx1"/>
+        </a:solidFill>
+        <a:latin typeface="+mn-lt"/>
+        <a:ea typeface="+mn-ea"/>
+        <a:cs typeface="+mn-cs"/>
+      </a:defRPr>
+    </a:lvl1pPr>
+    <a:lvl2pPr marL="457200" algn="l" defTabSz="914400" rtl="0" eaLnBrk="1" latinLnBrk="0" hangingPunct="1">
+      <a:defRPr sz="1200" kern="1200">
+        <a:solidFill>
+          <a:schemeClr val="tx1"/>
+        </a:solidFill>
+        <a:latin typeface="+mn-lt"/>
+        <a:ea typeface="+mn-ea"/>
+        <a:cs typeface="+mn-cs"/>
+      </a:defRPr>
+    </a:lvl2pPr>
+    <a:lvl3pPr marL="914400" algn="l" defTabSz="914400" rtl="0" eaLnBrk="1" latinLnBrk="0" hangingPunct="1">
+      <a:defRPr sz="1200" kern="1200">
+        <a:solidFill>
+          <a:schemeClr val="tx1"/>
+        </a:solidFill>
+        <a:latin typeface="+mn-lt"/>
+        <a:ea typeface="+mn-ea"/>
+        <a:cs typeface="+mn-cs"/>
+      </a:defRPr>
+    </a:lvl3pPr>
+    <a:lvl4pPr marL="1371600" algn="l" defTabSz="914400" rtl="0" eaLnBrk="1" latinLnBrk="0" hangingPunct="1">
+      <a:defRPr sz="1200" kern="1200">
+        <a:solidFill>
+          <a:schemeClr val="tx1"/>
+        </a:solidFill>
+        <a:latin typeface="+mn-lt"/>
+        <a:ea typeface="+mn-ea"/>
+        <a:cs typeface="+mn-cs"/>
+      </a:defRPr>
+    </a:lvl4pPr>
+    <a:lvl5pPr marL="1828800" algn="l" defTabSz="914400" rtl="0" eaLnBrk="1" latinLnBrk="0" hangingPunct="1">
+      <a:defRPr sz="1200" kern="1200">
+        <a:solidFill>
+          <a:schemeClr val="tx1"/>
+        </a:solidFill>
+        <a:latin typeface="+mn-lt"/>
+        <a:ea typeface="+mn-ea"/>
+        <a:cs typeface="+mn-cs"/>
+      </a:defRPr>
+    </a:lvl5pPr>
+    <a:lvl6pPr marL="2286000" algn="l" defTabSz="914400" rtl="0" eaLnBrk="1" latinLnBrk="0" hangingPunct="1">
+      <a:defRPr sz="1200" kern="1200">
+        <a:solidFill>
+          <a:schemeClr val="tx1"/>
+        </a:solidFill>
+        <a:latin typeface="+mn-lt"/>
+        <a:ea typeface="+mn-ea"/>
+        <a:cs typeface="+mn-cs"/>
+      </a:defRPr>
+    </a:lvl6pPr>
+    <a:lvl7pPr marL="2743200" algn="l" defTabSz="914400" rtl="0" eaLnBrk="1" latinLnBrk="0" hangingPunct="1">
+      <a:defRPr sz="1200" kern="1200">
+        <a:solidFill>
+          <a:schemeClr val="tx1"/>
+        </a:solidFill>
+        <a:latin typeface="+mn-lt"/>
+        <a:ea typeface="+mn-ea"/>
+        <a:cs typeface="+mn-cs"/>
+      </a:defRPr>
+    </a:lvl7pPr>
+    <a:lvl8pPr marL="3200400" algn="l" defTabSz="914400" rtl="0" eaLnBrk="1" latinLnBrk="0" hangingPunct="1">
+      <a:defRPr sz="1200" kern="1200">
+        <a:solidFill>
+          <a:schemeClr val="tx1"/>
+        </a:solidFill>
+        <a:latin typeface="+mn-lt"/>
+        <a:ea typeface="+mn-ea"/>
+        <a:cs typeface="+mn-cs"/>
+      </a:defRPr>
+    </a:lvl8pPr>
+    <a:lvl9pPr marL="3657600" algn="l" defTabSz="914400" rtl="0" eaLnBrk="1" latinLnBrk="0" hangingPunct="1">
+      <a:defRPr sz="1200" kern="1200">
+        <a:solidFill>
+          <a:schemeClr val="tx1"/>
+        </a:solidFill>
+        <a:latin typeface="+mn-lt"/>
+        <a:ea typeface="+mn-ea"/>
+        <a:cs typeface="+mn-cs"/>
+      </a:defRPr>
+    </a:lvl9pPr>
+  </p:notesStyle>
+</p:notesMaster>
+</file>
+
+<file path=ppt/notesSlides/notesSlide1.xml><?xml version="1.0" encoding="utf-8"?>
+<p:notes xmlns:a="http://schemas.openxmlformats.org/drawingml/2006/main" xmlns:r="http://schemas.openxmlformats.org/officeDocument/2006/relationships" xmlns:p="http://schemas.openxmlformats.org/presentationml/2006/main">
+  <p:cSld>
+    <p:spTree>
+      <p:nvGrpSpPr>
+        <p:cNvPr id="1" name=""/>
+        <p:cNvGrpSpPr/>
+        <p:nvPr/>
+      </p:nvGrpSpPr>
+      <p:grpSpPr>
+        <a:xfrm>
+          <a:off x="0" y="0"/>
+          <a:ext cx="0" cy="0"/>
+          <a:chOff x="0" y="0"/>
+          <a:chExt cx="0" cy="0"/>
+        </a:xfrm>
+      </p:grpSpPr>
+      <p:sp>
+        <p:nvSpPr>
+          <p:cNvPr id="2" name="Espace réservé de l'image des diapositives 1"/>
+          <p:cNvSpPr>
+            <a:spLocks noGrp="1" noRot="1" noChangeAspect="1"/>
+          </p:cNvSpPr>
+          <p:nvPr>
+            <p:ph type="sldImg"/>
+          </p:nvPr>
+        </p:nvSpPr>
+        <p:spPr/>
+      </p:sp>
+      <p:sp>
+        <p:nvSpPr>
+          <p:cNvPr id="3" name="Espace réservé des notes 2"/>
+          <p:cNvSpPr>
+            <a:spLocks noGrp="1"/>
+          </p:cNvSpPr>
+          <p:nvPr>
+            <p:ph type="body" idx="1"/>
+          </p:nvPr>
+        </p:nvSpPr>
+        <p:spPr/>
+        <p:txBody>
+          <a:bodyPr/>
+          <a:lstStyle/>
+          <a:p>
+            <a:endParaRPr lang="fr-CH" dirty="0"/>
+          </a:p>
+        </p:txBody>
+      </p:sp>
+      <p:sp>
+        <p:nvSpPr>
+          <p:cNvPr id="4" name="Espace réservé du numéro de diapositive 3"/>
+          <p:cNvSpPr>
+            <a:spLocks noGrp="1"/>
+          </p:cNvSpPr>
+          <p:nvPr>
+            <p:ph type="sldNum" sz="quarter" idx="10"/>
+          </p:nvPr>
+        </p:nvSpPr>
+        <p:spPr/>
+        <p:txBody>
+          <a:bodyPr/>
+          <a:lstStyle/>
+          <a:p>
+            <a:fld id="{BFDFC339-FBEA-4475-A1B4-789B53904622}" type="slidenum">
+              <a:rPr lang="fr-CH" smtClean="0"/>
+              <a:t>7</a:t>
+            </a:fld>
+            <a:endParaRPr lang="fr-CH"/>
+          </a:p>
+        </p:txBody>
+      </p:sp>
+    </p:spTree>
+    <p:extLst>
+      <p:ext uri="{BB962C8B-B14F-4D97-AF65-F5344CB8AC3E}">
+        <p14:creationId xmlns:p14="http://schemas.microsoft.com/office/powerpoint/2010/main" val="2536130498"/>
+      </p:ext>
+    </p:extLst>
+  </p:cSld>
+  <p:clrMapOvr>
+    <a:masterClrMapping/>
+  </p:clrMapOvr>
+</p:notes>
+</file>
+
 <file path=ppt/slideLayouts/slideLayout1.xml><?xml version="1.0" encoding="utf-8"?>
 <p:sldLayout xmlns:a="http://schemas.openxmlformats.org/drawingml/2006/main" xmlns:r="http://schemas.openxmlformats.org/officeDocument/2006/relationships" xmlns:p="http://schemas.openxmlformats.org/presentationml/2006/main" type="title" preserve="1">
   <p:cSld name="Diapositive de titre">
@@ -305,7 +743,7 @@
           <a:p>
             <a:fld id="{FF38B628-3581-4A00-9B3B-E92F5EBE601F}" type="datetimeFigureOut">
               <a:rPr lang="fr-CH" smtClean="0"/>
-              <a:t>14.12.2016</a:t>
+              <a:t>16.12.2016</a:t>
             </a:fld>
             <a:endParaRPr lang="fr-CH"/>
           </a:p>
@@ -613,7 +1051,7 @@
           <a:p>
             <a:fld id="{FF38B628-3581-4A00-9B3B-E92F5EBE601F}" type="datetimeFigureOut">
               <a:rPr lang="fr-CH" smtClean="0"/>
-              <a:t>14.12.2016</a:t>
+              <a:t>16.12.2016</a:t>
             </a:fld>
             <a:endParaRPr lang="fr-CH"/>
           </a:p>
@@ -805,7 +1243,7 @@
           <a:p>
             <a:fld id="{FF38B628-3581-4A00-9B3B-E92F5EBE601F}" type="datetimeFigureOut">
               <a:rPr lang="fr-CH" smtClean="0"/>
-              <a:t>14.12.2016</a:t>
+              <a:t>16.12.2016</a:t>
             </a:fld>
             <a:endParaRPr lang="fr-CH"/>
           </a:p>
@@ -1066,7 +1504,7 @@
           <a:p>
             <a:fld id="{FF38B628-3581-4A00-9B3B-E92F5EBE601F}" type="datetimeFigureOut">
               <a:rPr lang="fr-CH" smtClean="0"/>
-              <a:t>14.12.2016</a:t>
+              <a:t>16.12.2016</a:t>
             </a:fld>
             <a:endParaRPr lang="fr-CH"/>
           </a:p>
@@ -1490,7 +1928,7 @@
           <a:p>
             <a:fld id="{FF38B628-3581-4A00-9B3B-E92F5EBE601F}" type="datetimeFigureOut">
               <a:rPr lang="fr-CH" smtClean="0"/>
-              <a:t>14.12.2016</a:t>
+              <a:t>16.12.2016</a:t>
             </a:fld>
             <a:endParaRPr lang="fr-CH"/>
           </a:p>
@@ -2027,7 +2465,7 @@
           <a:p>
             <a:fld id="{FF38B628-3581-4A00-9B3B-E92F5EBE601F}" type="datetimeFigureOut">
               <a:rPr lang="fr-CH" smtClean="0"/>
-              <a:t>14.12.2016</a:t>
+              <a:t>16.12.2016</a:t>
             </a:fld>
             <a:endParaRPr lang="fr-CH"/>
           </a:p>
@@ -2891,7 +3329,7 @@
           <a:p>
             <a:fld id="{FF38B628-3581-4A00-9B3B-E92F5EBE601F}" type="datetimeFigureOut">
               <a:rPr lang="fr-CH" smtClean="0"/>
-              <a:t>14.12.2016</a:t>
+              <a:t>16.12.2016</a:t>
             </a:fld>
             <a:endParaRPr lang="fr-CH"/>
           </a:p>
@@ -3061,7 +3499,7 @@
           <a:p>
             <a:fld id="{FF38B628-3581-4A00-9B3B-E92F5EBE601F}" type="datetimeFigureOut">
               <a:rPr lang="fr-CH" smtClean="0"/>
-              <a:t>14.12.2016</a:t>
+              <a:t>16.12.2016</a:t>
             </a:fld>
             <a:endParaRPr lang="fr-CH"/>
           </a:p>
@@ -3255,7 +3693,7 @@
           <a:p>
             <a:fld id="{FF38B628-3581-4A00-9B3B-E92F5EBE601F}" type="datetimeFigureOut">
               <a:rPr lang="fr-CH" smtClean="0"/>
-              <a:t>14.12.2016</a:t>
+              <a:t>16.12.2016</a:t>
             </a:fld>
             <a:endParaRPr lang="fr-CH"/>
           </a:p>
@@ -3435,7 +3873,7 @@
           <a:p>
             <a:fld id="{FF38B628-3581-4A00-9B3B-E92F5EBE601F}" type="datetimeFigureOut">
               <a:rPr lang="fr-CH" smtClean="0"/>
-              <a:t>14.12.2016</a:t>
+              <a:t>16.12.2016</a:t>
             </a:fld>
             <a:endParaRPr lang="fr-CH"/>
           </a:p>
@@ -3689,7 +4127,7 @@
           <a:p>
             <a:fld id="{FF38B628-3581-4A00-9B3B-E92F5EBE601F}" type="datetimeFigureOut">
               <a:rPr lang="fr-CH" smtClean="0"/>
-              <a:t>14.12.2016</a:t>
+              <a:t>16.12.2016</a:t>
             </a:fld>
             <a:endParaRPr lang="fr-CH"/>
           </a:p>
@@ -3935,7 +4373,7 @@
           <a:p>
             <a:fld id="{FF38B628-3581-4A00-9B3B-E92F5EBE601F}" type="datetimeFigureOut">
               <a:rPr lang="fr-CH" smtClean="0"/>
-              <a:t>14.12.2016</a:t>
+              <a:t>16.12.2016</a:t>
             </a:fld>
             <a:endParaRPr lang="fr-CH"/>
           </a:p>
@@ -4411,7 +4849,7 @@
           <a:p>
             <a:fld id="{FF38B628-3581-4A00-9B3B-E92F5EBE601F}" type="datetimeFigureOut">
               <a:rPr lang="fr-CH" smtClean="0"/>
-              <a:t>14.12.2016</a:t>
+              <a:t>16.12.2016</a:t>
             </a:fld>
             <a:endParaRPr lang="fr-CH"/>
           </a:p>
@@ -4539,7 +4977,7 @@
           <a:p>
             <a:fld id="{FF38B628-3581-4A00-9B3B-E92F5EBE601F}" type="datetimeFigureOut">
               <a:rPr lang="fr-CH" smtClean="0"/>
-              <a:t>14.12.2016</a:t>
+              <a:t>16.12.2016</a:t>
             </a:fld>
             <a:endParaRPr lang="fr-CH"/>
           </a:p>
@@ -4644,7 +5082,7 @@
           <a:p>
             <a:fld id="{FF38B628-3581-4A00-9B3B-E92F5EBE601F}" type="datetimeFigureOut">
               <a:rPr lang="fr-CH" smtClean="0"/>
-              <a:t>14.12.2016</a:t>
+              <a:t>16.12.2016</a:t>
             </a:fld>
             <a:endParaRPr lang="fr-CH"/>
           </a:p>
@@ -4909,7 +5347,7 @@
           <a:p>
             <a:fld id="{FF38B628-3581-4A00-9B3B-E92F5EBE601F}" type="datetimeFigureOut">
               <a:rPr lang="fr-CH" smtClean="0"/>
-              <a:t>14.12.2016</a:t>
+              <a:t>16.12.2016</a:t>
             </a:fld>
             <a:endParaRPr lang="fr-CH"/>
           </a:p>
@@ -5219,7 +5657,7 @@
           <a:p>
             <a:fld id="{FF38B628-3581-4A00-9B3B-E92F5EBE601F}" type="datetimeFigureOut">
               <a:rPr lang="fr-CH" smtClean="0"/>
-              <a:t>14.12.2016</a:t>
+              <a:t>16.12.2016</a:t>
             </a:fld>
             <a:endParaRPr lang="fr-CH"/>
           </a:p>
@@ -5463,7 +5901,7 @@
           <a:p>
             <a:fld id="{FF38B628-3581-4A00-9B3B-E92F5EBE601F}" type="datetimeFigureOut">
               <a:rPr lang="fr-CH" smtClean="0"/>
-              <a:t>14.12.2016</a:t>
+              <a:t>16.12.2016</a:t>
             </a:fld>
             <a:endParaRPr lang="fr-CH"/>
           </a:p>
@@ -6216,6 +6654,170 @@
 </p:sld>
 </file>
 
+<file path=ppt/slides/slide10.xml><?xml version="1.0" encoding="utf-8"?>
+<p:sld xmlns:a="http://schemas.openxmlformats.org/drawingml/2006/main" xmlns:r="http://schemas.openxmlformats.org/officeDocument/2006/relationships" xmlns:p="http://schemas.openxmlformats.org/presentationml/2006/main">
+  <p:cSld>
+    <p:spTree>
+      <p:nvGrpSpPr>
+        <p:cNvPr id="1" name=""/>
+        <p:cNvGrpSpPr/>
+        <p:nvPr/>
+      </p:nvGrpSpPr>
+      <p:grpSpPr>
+        <a:xfrm>
+          <a:off x="0" y="0"/>
+          <a:ext cx="0" cy="0"/>
+          <a:chOff x="0" y="0"/>
+          <a:chExt cx="0" cy="0"/>
+        </a:xfrm>
+      </p:grpSpPr>
+      <p:sp>
+        <p:nvSpPr>
+          <p:cNvPr id="2" name="Titre 1"/>
+          <p:cNvSpPr>
+            <a:spLocks noGrp="1"/>
+          </p:cNvSpPr>
+          <p:nvPr>
+            <p:ph type="title"/>
+          </p:nvPr>
+        </p:nvSpPr>
+        <p:spPr/>
+        <p:txBody>
+          <a:bodyPr/>
+          <a:lstStyle/>
+          <a:p>
+            <a:pPr algn="ctr"/>
+            <a:r>
+              <a:rPr lang="fr-CH" dirty="0" smtClean="0"/>
+              <a:t>JDT</a:t>
+            </a:r>
+            <a:endParaRPr lang="fr-CH" dirty="0"/>
+          </a:p>
+        </p:txBody>
+      </p:sp>
+      <p:pic>
+        <p:nvPicPr>
+          <p:cNvPr id="6" name="Image 5"/>
+          <p:cNvPicPr>
+            <a:picLocks noChangeAspect="1"/>
+          </p:cNvPicPr>
+          <p:nvPr/>
+        </p:nvPicPr>
+        <p:blipFill>
+          <a:blip r:embed="rId2"/>
+          <a:stretch>
+            <a:fillRect/>
+          </a:stretch>
+        </p:blipFill>
+        <p:spPr>
+          <a:xfrm>
+            <a:off x="113308" y="2345946"/>
+            <a:ext cx="11954735" cy="2235739"/>
+          </a:xfrm>
+          <a:prstGeom prst="rect">
+            <a:avLst/>
+          </a:prstGeom>
+        </p:spPr>
+      </p:pic>
+    </p:spTree>
+    <p:extLst>
+      <p:ext uri="{BB962C8B-B14F-4D97-AF65-F5344CB8AC3E}">
+        <p14:creationId xmlns:p14="http://schemas.microsoft.com/office/powerpoint/2010/main" val="4147630261"/>
+      </p:ext>
+    </p:extLst>
+  </p:cSld>
+  <p:clrMapOvr>
+    <a:masterClrMapping/>
+  </p:clrMapOvr>
+  <p:transition>
+    <p:push dir="u"/>
+  </p:transition>
+  <p:timing>
+    <p:tnLst>
+      <p:par>
+        <p:cTn id="1" dur="indefinite" restart="never" nodeType="tmRoot">
+          <p:childTnLst>
+            <p:seq concurrent="1" nextAc="seek">
+              <p:cTn id="2" dur="indefinite" nodeType="mainSeq">
+                <p:childTnLst>
+                  <p:par>
+                    <p:cTn id="3" fill="hold">
+                      <p:stCondLst>
+                        <p:cond delay="indefinite"/>
+                      </p:stCondLst>
+                      <p:childTnLst>
+                        <p:par>
+                          <p:cTn id="4" fill="hold">
+                            <p:stCondLst>
+                              <p:cond delay="0"/>
+                            </p:stCondLst>
+                            <p:childTnLst>
+                              <p:par>
+                                <p:cTn id="5" presetID="10" presetClass="entr" presetSubtype="0" fill="hold" nodeType="clickEffect">
+                                  <p:stCondLst>
+                                    <p:cond delay="0"/>
+                                  </p:stCondLst>
+                                  <p:childTnLst>
+                                    <p:set>
+                                      <p:cBhvr>
+                                        <p:cTn id="6" dur="1" fill="hold">
+                                          <p:stCondLst>
+                                            <p:cond delay="0"/>
+                                          </p:stCondLst>
+                                        </p:cTn>
+                                        <p:tgtEl>
+                                          <p:spTgt spid="6"/>
+                                        </p:tgtEl>
+                                        <p:attrNameLst>
+                                          <p:attrName>style.visibility</p:attrName>
+                                        </p:attrNameLst>
+                                      </p:cBhvr>
+                                      <p:to>
+                                        <p:strVal val="visible"/>
+                                      </p:to>
+                                    </p:set>
+                                    <p:animEffect transition="in" filter="fade">
+                                      <p:cBhvr>
+                                        <p:cTn id="7" dur="250"/>
+                                        <p:tgtEl>
+                                          <p:spTgt spid="6"/>
+                                        </p:tgtEl>
+                                      </p:cBhvr>
+                                    </p:animEffect>
+                                  </p:childTnLst>
+                                </p:cTn>
+                              </p:par>
+                            </p:childTnLst>
+                          </p:cTn>
+                        </p:par>
+                      </p:childTnLst>
+                    </p:cTn>
+                  </p:par>
+                </p:childTnLst>
+              </p:cTn>
+              <p:prevCondLst>
+                <p:cond evt="onPrev" delay="0">
+                  <p:tgtEl>
+                    <p:sldTgt/>
+                  </p:tgtEl>
+                </p:cond>
+              </p:prevCondLst>
+              <p:nextCondLst>
+                <p:cond evt="onNext" delay="0">
+                  <p:tgtEl>
+                    <p:sldTgt/>
+                  </p:tgtEl>
+                </p:cond>
+              </p:nextCondLst>
+            </p:seq>
+          </p:childTnLst>
+        </p:cTn>
+      </p:par>
+    </p:tnLst>
+  </p:timing>
+</p:sld>
+</file>
+
 <file path=ppt/slides/slide2.xml><?xml version="1.0" encoding="utf-8"?>
 <p:sld xmlns:a="http://schemas.openxmlformats.org/drawingml/2006/main" xmlns:r="http://schemas.openxmlformats.org/officeDocument/2006/relationships" xmlns:p="http://schemas.openxmlformats.org/presentationml/2006/main">
   <p:cSld>
@@ -6671,30 +7273,21 @@
                             </p:childTnLst>
                           </p:cTn>
                         </p:par>
-                      </p:childTnLst>
-                    </p:cTn>
-                  </p:par>
-                  <p:par>
-                    <p:cTn id="28" fill="hold">
-                      <p:stCondLst>
-                        <p:cond delay="indefinite"/>
-                      </p:stCondLst>
-                      <p:childTnLst>
                         <p:par>
-                          <p:cTn id="29" fill="hold">
+                          <p:cTn id="28" fill="hold">
                             <p:stCondLst>
-                              <p:cond delay="0"/>
+                              <p:cond delay="720"/>
                             </p:stCondLst>
                             <p:childTnLst>
                               <p:par>
-                                <p:cTn id="30" presetID="10" presetClass="entr" presetSubtype="0" fill="hold" grpId="0" nodeType="clickEffect">
+                                <p:cTn id="29" presetID="10" presetClass="entr" presetSubtype="0" fill="hold" grpId="0" nodeType="afterEffect">
                                   <p:stCondLst>
                                     <p:cond delay="0"/>
                                   </p:stCondLst>
                                   <p:childTnLst>
                                     <p:set>
                                       <p:cBhvr>
-                                        <p:cTn id="31" dur="1" fill="hold">
+                                        <p:cTn id="30" dur="1" fill="hold">
                                           <p:stCondLst>
                                             <p:cond delay="0"/>
                                           </p:stCondLst>
@@ -6716,7 +7309,7 @@
                                     </p:set>
                                     <p:animEffect transition="in" filter="fade">
                                       <p:cBhvr>
-                                        <p:cTn id="32" dur="120"/>
+                                        <p:cTn id="31" dur="120"/>
                                         <p:tgtEl>
                                           <p:spTgt spid="118">
                                             <p:txEl>
@@ -6733,20 +7326,20 @@
                           </p:cTn>
                         </p:par>
                         <p:par>
-                          <p:cTn id="33" fill="hold">
+                          <p:cTn id="32" fill="hold">
                             <p:stCondLst>
-                              <p:cond delay="120"/>
+                              <p:cond delay="840"/>
                             </p:stCondLst>
                             <p:childTnLst>
                               <p:par>
-                                <p:cTn id="34" presetID="10" presetClass="entr" presetSubtype="0" fill="hold" grpId="0" nodeType="afterEffect">
+                                <p:cTn id="33" presetID="10" presetClass="entr" presetSubtype="0" fill="hold" grpId="0" nodeType="afterEffect">
                                   <p:stCondLst>
                                     <p:cond delay="0"/>
                                   </p:stCondLst>
                                   <p:childTnLst>
                                     <p:set>
                                       <p:cBhvr>
-                                        <p:cTn id="35" dur="1" fill="hold">
+                                        <p:cTn id="34" dur="1" fill="hold">
                                           <p:stCondLst>
                                             <p:cond delay="0"/>
                                           </p:stCondLst>
@@ -6768,7 +7361,7 @@
                                     </p:set>
                                     <p:animEffect transition="in" filter="fade">
                                       <p:cBhvr>
-                                        <p:cTn id="36" dur="120"/>
+                                        <p:cTn id="35" dur="120"/>
                                         <p:tgtEl>
                                           <p:spTgt spid="118">
                                             <p:txEl>
@@ -6809,7 +7402,7 @@
       </p:par>
     </p:tnLst>
     <p:bldLst>
-      <p:bldP spid="118" grpId="0" build="p"/>
+      <p:bldP spid="118" grpId="0" uiExpand="1" build="p"/>
     </p:bldLst>
   </p:timing>
 </p:sld>
@@ -8029,7 +8622,7 @@
                                           </p:stCondLst>
                                         </p:cTn>
                                         <p:tgtEl>
-                                          <p:spTgt spid="10"/>
+                                          <p:spTgt spid="12"/>
                                         </p:tgtEl>
                                         <p:attrNameLst>
                                           <p:attrName>style.visibility</p:attrName>
@@ -8043,7 +8636,7 @@
                                       <p:cBhvr>
                                         <p:cTn id="27" dur="250"/>
                                         <p:tgtEl>
-                                          <p:spTgt spid="10"/>
+                                          <p:spTgt spid="12"/>
                                         </p:tgtEl>
                                       </p:cBhvr>
                                     </p:animEffect>
@@ -8082,7 +8675,7 @@
                                           </p:stCondLst>
                                         </p:cTn>
                                         <p:tgtEl>
-                                          <p:spTgt spid="12"/>
+                                          <p:spTgt spid="10"/>
                                         </p:tgtEl>
                                         <p:attrNameLst>
                                           <p:attrName>style.visibility</p:attrName>
@@ -8096,7 +8689,7 @@
                                       <p:cBhvr>
                                         <p:cTn id="32" dur="250"/>
                                         <p:tgtEl>
-                                          <p:spTgt spid="12"/>
+                                          <p:spTgt spid="10"/>
                                         </p:tgtEl>
                                       </p:cBhvr>
                                     </p:animEffect>
@@ -8188,7 +8781,7 @@
                                           </p:stCondLst>
                                         </p:cTn>
                                         <p:tgtEl>
-                                          <p:spTgt spid="27"/>
+                                          <p:spTgt spid="16"/>
                                         </p:tgtEl>
                                         <p:attrNameLst>
                                           <p:attrName>style.visibility</p:attrName>
@@ -8202,7 +8795,7 @@
                                       <p:cBhvr>
                                         <p:cTn id="42" dur="250"/>
                                         <p:tgtEl>
-                                          <p:spTgt spid="27"/>
+                                          <p:spTgt spid="16"/>
                                         </p:tgtEl>
                                       </p:cBhvr>
                                     </p:animEffect>
@@ -8241,7 +8834,7 @@
                                           </p:stCondLst>
                                         </p:cTn>
                                         <p:tgtEl>
-                                          <p:spTgt spid="16"/>
+                                          <p:spTgt spid="27"/>
                                         </p:tgtEl>
                                         <p:attrNameLst>
                                           <p:attrName>style.visibility</p:attrName>
@@ -8255,7 +8848,7 @@
                                       <p:cBhvr>
                                         <p:cTn id="47" dur="250"/>
                                         <p:tgtEl>
-                                          <p:spTgt spid="16"/>
+                                          <p:spTgt spid="27"/>
                                         </p:tgtEl>
                                       </p:cBhvr>
                                     </p:animEffect>
@@ -8310,6 +8903,30 @@
           <a:chExt cx="0" cy="0"/>
         </a:xfrm>
       </p:grpSpPr>
+      <p:pic>
+        <p:nvPicPr>
+          <p:cNvPr id="5" name="Image 4"/>
+          <p:cNvPicPr>
+            <a:picLocks noChangeAspect="1"/>
+          </p:cNvPicPr>
+          <p:nvPr/>
+        </p:nvPicPr>
+        <p:blipFill>
+          <a:blip r:embed="rId3"/>
+          <a:stretch>
+            <a:fillRect/>
+          </a:stretch>
+        </p:blipFill>
+        <p:spPr>
+          <a:xfrm>
+            <a:off x="444890" y="6858000"/>
+            <a:ext cx="9107171" cy="69389784"/>
+          </a:xfrm>
+          <a:prstGeom prst="rect">
+            <a:avLst/>
+          </a:prstGeom>
+        </p:spPr>
+      </p:pic>
       <p:sp>
         <p:nvSpPr>
           <p:cNvPr id="2" name="Titre 1"/>
@@ -8348,7 +8965,7 @@
           <a:bodyPr/>
           <a:lstStyle/>
           <a:p>
-            <a:endParaRPr lang="fr-CH"/>
+            <a:endParaRPr lang="fr-CH" dirty="0"/>
           </a:p>
         </p:txBody>
       </p:sp>
@@ -8361,14 +8978,14 @@
           <p:nvPr/>
         </p:nvPicPr>
         <p:blipFill>
-          <a:blip r:embed="rId2"/>
+          <a:blip r:embed="rId4"/>
           <a:stretch>
             <a:fillRect/>
           </a:stretch>
         </p:blipFill>
         <p:spPr>
           <a:xfrm>
-            <a:off x="2022933" y="6858000"/>
+            <a:off x="4056515" y="6858000"/>
             <a:ext cx="8135485" cy="23520507"/>
           </a:xfrm>
           <a:prstGeom prst="rect">
@@ -8410,14 +9027,36 @@
                             </p:stCondLst>
                             <p:childTnLst>
                               <p:par>
-                                <p:cTn id="5" presetID="42" presetClass="path" presetSubtype="0" fill="hold" nodeType="clickEffect">
+                                <p:cTn id="5" presetID="42" presetClass="path" presetSubtype="0" fill="hold" grpId="0" nodeType="clickEffect">
                                   <p:stCondLst>
                                     <p:cond delay="0"/>
                                   </p:stCondLst>
                                   <p:childTnLst>
-                                    <p:animMotion origin="layout" path="M 8.33333E-7 -4.81481E-6 L 8.33333E-7 -4.42592 " pathEditMode="relative" rAng="0" ptsTypes="AA">
+                                    <p:animMotion origin="layout" path="M 6.25E-7 -7.40741E-7 L 6.25E-7 -2.05949 " pathEditMode="relative" rAng="0" ptsTypes="AA">
                                       <p:cBhvr>
-                                        <p:cTn id="6" dur="15000" fill="hold"/>
+                                        <p:cTn id="6" dur="4000" fill="hold"/>
+                                        <p:tgtEl>
+                                          <p:spTgt spid="2"/>
+                                        </p:tgtEl>
+                                        <p:attrNameLst>
+                                          <p:attrName>ppt_x</p:attrName>
+                                          <p:attrName>ppt_y</p:attrName>
+                                        </p:attrNameLst>
+                                      </p:cBhvr>
+                                      <p:rCtr x="0" y="-102963"/>
+                                    </p:animMotion>
+                                  </p:childTnLst>
+                                </p:cTn>
+                              </p:par>
+                              <p:par>
+                                <p:cTn id="7" presetID="42" presetClass="path" presetSubtype="0" fill="hold" nodeType="withEffect">
+                                  <p:stCondLst>
+                                    <p:cond delay="0"/>
+                                  </p:stCondLst>
+                                  <p:childTnLst>
+                                    <p:animMotion origin="layout" path="M 3.95833E-6 -4.81481E-6 L 3.95833E-6 -4.42592 " pathEditMode="relative" rAng="0" ptsTypes="AA">
+                                      <p:cBhvr>
+                                        <p:cTn id="8" dur="4000" fill="hold"/>
                                         <p:tgtEl>
                                           <p:spTgt spid="4"/>
                                         </p:tgtEl>
@@ -8432,23 +9071,23 @@
                                 </p:cTn>
                               </p:par>
                               <p:par>
-                                <p:cTn id="7" presetID="42" presetClass="path" presetSubtype="0" fill="hold" grpId="0" nodeType="withEffect">
+                                <p:cTn id="9" presetID="42" presetClass="path" presetSubtype="0" fill="hold" nodeType="withEffect">
                                   <p:stCondLst>
                                     <p:cond delay="0"/>
                                   </p:stCondLst>
                                   <p:childTnLst>
-                                    <p:animMotion origin="layout" path="M 6.25E-7 -7.40741E-7 L 6.25E-7 -2.05949 " pathEditMode="relative" rAng="0" ptsTypes="AA">
+                                    <p:animMotion origin="layout" path="M 4.16667E-6 2.22222E-6 L 4.16667E-6 -11.1382 " pathEditMode="relative" rAng="0" ptsTypes="AA">
                                       <p:cBhvr>
-                                        <p:cTn id="8" dur="10000" fill="hold"/>
+                                        <p:cTn id="10" dur="4000" fill="hold"/>
                                         <p:tgtEl>
-                                          <p:spTgt spid="2"/>
+                                          <p:spTgt spid="5"/>
                                         </p:tgtEl>
                                         <p:attrNameLst>
                                           <p:attrName>ppt_x</p:attrName>
                                           <p:attrName>ppt_y</p:attrName>
                                         </p:attrNameLst>
                                       </p:cBhvr>
-                                      <p:rCtr x="0" y="-102963"/>
+                                      <p:rCtr x="0" y="-556921"/>
                                     </p:animMotion>
                                   </p:childTnLst>
                                 </p:cTn>
@@ -8541,7 +9180,12 @@
             <p:ph idx="1"/>
           </p:nvPr>
         </p:nvSpPr>
-        <p:spPr/>
+        <p:spPr>
+          <a:xfrm>
+            <a:off x="913795" y="2799249"/>
+            <a:ext cx="10353762" cy="4058751"/>
+          </a:xfrm>
+        </p:spPr>
         <p:txBody>
           <a:bodyPr>
             <a:normAutofit/>
@@ -8555,6 +9199,12 @@
               <a:rPr lang="fr-CH" sz="3200" dirty="0" smtClean="0"/>
               <a:t>Réalisateur</a:t>
             </a:r>
+          </a:p>
+          <a:p>
+            <a:pPr marL="36900" indent="0" algn="ctr">
+              <a:buNone/>
+            </a:pPr>
+            <a:endParaRPr lang="fr-CH" sz="3200" dirty="0" smtClean="0"/>
           </a:p>
           <a:p>
             <a:pPr marL="36900" indent="0" algn="ctr">
@@ -8669,7 +9319,7 @@
                                         <p:tgtEl>
                                           <p:spTgt spid="3">
                                             <p:txEl>
-                                              <p:pRg st="1" end="1"/>
+                                              <p:pRg st="2" end="2"/>
                                             </p:txEl>
                                           </p:spTgt>
                                         </p:tgtEl>
@@ -8687,7 +9337,7 @@
                                         <p:tgtEl>
                                           <p:spTgt spid="3">
                                             <p:txEl>
-                                              <p:pRg st="1" end="1"/>
+                                              <p:pRg st="2" end="2"/>
                                             </p:txEl>
                                           </p:spTgt>
                                         </p:tgtEl>
@@ -8762,18 +9412,36 @@
           <a:bodyPr/>
           <a:lstStyle/>
           <a:p>
-            <a:pPr algn="ctr"/>
             <a:r>
               <a:rPr lang="fr-CH" dirty="0" smtClean="0"/>
-              <a:t>JDT</a:t>
+              <a:t>Exemple d’User Story</a:t>
             </a:r>
             <a:endParaRPr lang="fr-CH" dirty="0"/>
+          </a:p>
+        </p:txBody>
+      </p:sp>
+      <p:sp>
+        <p:nvSpPr>
+          <p:cNvPr id="3" name="Espace réservé du contenu 2"/>
+          <p:cNvSpPr>
+            <a:spLocks noGrp="1"/>
+          </p:cNvSpPr>
+          <p:nvPr>
+            <p:ph idx="1"/>
+          </p:nvPr>
+        </p:nvSpPr>
+        <p:spPr/>
+        <p:txBody>
+          <a:bodyPr/>
+          <a:lstStyle/>
+          <a:p>
+            <a:endParaRPr lang="fr-CH"/>
           </a:p>
         </p:txBody>
       </p:sp>
       <p:pic>
         <p:nvPicPr>
-          <p:cNvPr id="6" name="Image 5"/>
+          <p:cNvPr id="8" name="Image 7"/>
           <p:cNvPicPr>
             <a:picLocks noChangeAspect="1"/>
           </p:cNvPicPr>
@@ -8787,8 +9455,8 @@
         </p:blipFill>
         <p:spPr>
           <a:xfrm>
-            <a:off x="-178723" y="2255520"/>
-            <a:ext cx="12438258" cy="2326166"/>
+            <a:off x="3162300" y="0"/>
+            <a:ext cx="6396409" cy="6556606"/>
           </a:xfrm>
           <a:prstGeom prst="rect">
             <a:avLst/>
@@ -8798,7 +9466,7 @@
     </p:spTree>
     <p:extLst>
       <p:ext uri="{BB962C8B-B14F-4D97-AF65-F5344CB8AC3E}">
-        <p14:creationId xmlns:p14="http://schemas.microsoft.com/office/powerpoint/2010/main" val="4147630261"/>
+        <p14:creationId xmlns:p14="http://schemas.microsoft.com/office/powerpoint/2010/main" val="3377595523"/>
       </p:ext>
     </p:extLst>
   </p:cSld>
@@ -8811,7 +9479,83 @@
   <p:timing>
     <p:tnLst>
       <p:par>
-        <p:cTn id="1" dur="indefinite" restart="never" nodeType="tmRoot"/>
+        <p:cTn id="1" dur="indefinite" restart="never" nodeType="tmRoot">
+          <p:childTnLst>
+            <p:seq concurrent="1" nextAc="seek">
+              <p:cTn id="2" dur="indefinite" nodeType="mainSeq">
+                <p:childTnLst>
+                  <p:par>
+                    <p:cTn id="3" fill="hold">
+                      <p:stCondLst>
+                        <p:cond delay="indefinite"/>
+                      </p:stCondLst>
+                      <p:childTnLst>
+                        <p:par>
+                          <p:cTn id="4" fill="hold">
+                            <p:stCondLst>
+                              <p:cond delay="0"/>
+                            </p:stCondLst>
+                            <p:childTnLst>
+                              <p:par>
+                                <p:cTn id="5" presetID="10" presetClass="entr" presetSubtype="0" fill="hold" nodeType="clickEffect">
+                                  <p:stCondLst>
+                                    <p:cond delay="0"/>
+                                  </p:stCondLst>
+                                  <p:childTnLst>
+                                    <p:set>
+                                      <p:cBhvr>
+                                        <p:cTn id="6" dur="1" fill="hold">
+                                          <p:stCondLst>
+                                            <p:cond delay="0"/>
+                                          </p:stCondLst>
+                                        </p:cTn>
+                                        <p:tgtEl>
+                                          <p:spTgt spid="8"/>
+                                        </p:tgtEl>
+                                        <p:attrNameLst>
+                                          <p:attrName>style.visibility</p:attrName>
+                                        </p:attrNameLst>
+                                      </p:cBhvr>
+                                      <p:to>
+                                        <p:strVal val="visible"/>
+                                      </p:to>
+                                    </p:set>
+                                    <p:animEffect transition="in" filter="fade">
+                                      <p:cBhvr>
+                                        <p:cTn id="7" dur="250"/>
+                                        <p:tgtEl>
+                                          <p:spTgt spid="8"/>
+                                        </p:tgtEl>
+                                      </p:cBhvr>
+                                    </p:animEffect>
+                                  </p:childTnLst>
+                                </p:cTn>
+                              </p:par>
+                            </p:childTnLst>
+                          </p:cTn>
+                        </p:par>
+                      </p:childTnLst>
+                    </p:cTn>
+                  </p:par>
+                </p:childTnLst>
+              </p:cTn>
+              <p:prevCondLst>
+                <p:cond evt="onPrev" delay="0">
+                  <p:tgtEl>
+                    <p:sldTgt/>
+                  </p:tgtEl>
+                </p:cond>
+              </p:prevCondLst>
+              <p:nextCondLst>
+                <p:cond evt="onNext" delay="0">
+                  <p:tgtEl>
+                    <p:sldTgt/>
+                  </p:tgtEl>
+                </p:cond>
+              </p:nextCondLst>
+            </p:seq>
+          </p:childTnLst>
+        </p:cTn>
       </p:par>
     </p:tnLst>
   </p:timing>
@@ -9058,4 +9802,265 @@
     </a:ext>
   </a:extLst>
 </a:theme>
+</file>
+
+<file path=ppt/theme/theme2.xml><?xml version="1.0" encoding="utf-8"?>
+<a:theme xmlns:a="http://schemas.openxmlformats.org/drawingml/2006/main" name="Thème Office">
+  <a:themeElements>
+    <a:clrScheme name="Office">
+      <a:dk1>
+        <a:sysClr val="windowText" lastClr="000000"/>
+      </a:dk1>
+      <a:lt1>
+        <a:sysClr val="window" lastClr="FFFFFF"/>
+      </a:lt1>
+      <a:dk2>
+        <a:srgbClr val="44546A"/>
+      </a:dk2>
+      <a:lt2>
+        <a:srgbClr val="E7E6E6"/>
+      </a:lt2>
+      <a:accent1>
+        <a:srgbClr val="5B9BD5"/>
+      </a:accent1>
+      <a:accent2>
+        <a:srgbClr val="ED7D31"/>
+      </a:accent2>
+      <a:accent3>
+        <a:srgbClr val="A5A5A5"/>
+      </a:accent3>
+      <a:accent4>
+        <a:srgbClr val="FFC000"/>
+      </a:accent4>
+      <a:accent5>
+        <a:srgbClr val="4472C4"/>
+      </a:accent5>
+      <a:accent6>
+        <a:srgbClr val="70AD47"/>
+      </a:accent6>
+      <a:hlink>
+        <a:srgbClr val="0563C1"/>
+      </a:hlink>
+      <a:folHlink>
+        <a:srgbClr val="954F72"/>
+      </a:folHlink>
+    </a:clrScheme>
+    <a:fontScheme name="Office">
+      <a:majorFont>
+        <a:latin typeface="Calibri Light" panose="020F0302020204030204"/>
+        <a:ea typeface=""/>
+        <a:cs typeface=""/>
+        <a:font script="Jpan" typeface="游ゴシック Light"/>
+        <a:font script="Hang" typeface="맑은 고딕"/>
+        <a:font script="Hans" typeface="等线 Light"/>
+        <a:font script="Hant" typeface="新細明體"/>
+        <a:font script="Arab" typeface="Times New Roman"/>
+        <a:font script="Hebr" typeface="Times New Roman"/>
+        <a:font script="Thai" typeface="Angsana New"/>
+        <a:font script="Ethi" typeface="Nyala"/>
+        <a:font script="Beng" typeface="Vrinda"/>
+        <a:font script="Gujr" typeface="Shruti"/>
+        <a:font script="Khmr" typeface="MoolBoran"/>
+        <a:font script="Knda" typeface="Tunga"/>
+        <a:font script="Guru" typeface="Raavi"/>
+        <a:font script="Cans" typeface="Euphemia"/>
+        <a:font script="Cher" typeface="Plantagenet Cherokee"/>
+        <a:font script="Yiii" typeface="Microsoft Yi Baiti"/>
+        <a:font script="Tibt" typeface="Microsoft Himalaya"/>
+        <a:font script="Thaa" typeface="MV Boli"/>
+        <a:font script="Deva" typeface="Mangal"/>
+        <a:font script="Telu" typeface="Gautami"/>
+        <a:font script="Taml" typeface="Latha"/>
+        <a:font script="Syrc" typeface="Estrangelo Edessa"/>
+        <a:font script="Orya" typeface="Kalinga"/>
+        <a:font script="Mlym" typeface="Kartika"/>
+        <a:font script="Laoo" typeface="DokChampa"/>
+        <a:font script="Sinh" typeface="Iskoola Pota"/>
+        <a:font script="Mong" typeface="Mongolian Baiti"/>
+        <a:font script="Viet" typeface="Times New Roman"/>
+        <a:font script="Uigh" typeface="Microsoft Uighur"/>
+        <a:font script="Geor" typeface="Sylfaen"/>
+      </a:majorFont>
+      <a:minorFont>
+        <a:latin typeface="Calibri" panose="020F0502020204030204"/>
+        <a:ea typeface=""/>
+        <a:cs typeface=""/>
+        <a:font script="Jpan" typeface="游ゴシック"/>
+        <a:font script="Hang" typeface="맑은 고딕"/>
+        <a:font script="Hans" typeface="等线"/>
+        <a:font script="Hant" typeface="新細明體"/>
+        <a:font script="Arab" typeface="Arial"/>
+        <a:font script="Hebr" typeface="Arial"/>
+        <a:font script="Thai" typeface="Cordia New"/>
+        <a:font script="Ethi" typeface="Nyala"/>
+        <a:font script="Beng" typeface="Vrinda"/>
+        <a:font script="Gujr" typeface="Shruti"/>
+        <a:font script="Khmr" typeface="DaunPenh"/>
+        <a:font script="Knda" typeface="Tunga"/>
+        <a:font script="Guru" typeface="Raavi"/>
+        <a:font script="Cans" typeface="Euphemia"/>
+        <a:font script="Cher" typeface="Plantagenet Cherokee"/>
+        <a:font script="Yiii" typeface="Microsoft Yi Baiti"/>
+        <a:font script="Tibt" typeface="Microsoft Himalaya"/>
+        <a:font script="Thaa" typeface="MV Boli"/>
+        <a:font script="Deva" typeface="Mangal"/>
+        <a:font script="Telu" typeface="Gautami"/>
+        <a:font script="Taml" typeface="Latha"/>
+        <a:font script="Syrc" typeface="Estrangelo Edessa"/>
+        <a:font script="Orya" typeface="Kalinga"/>
+        <a:font script="Mlym" typeface="Kartika"/>
+        <a:font script="Laoo" typeface="DokChampa"/>
+        <a:font script="Sinh" typeface="Iskoola Pota"/>
+        <a:font script="Mong" typeface="Mongolian Baiti"/>
+        <a:font script="Viet" typeface="Arial"/>
+        <a:font script="Uigh" typeface="Microsoft Uighur"/>
+        <a:font script="Geor" typeface="Sylfaen"/>
+      </a:minorFont>
+    </a:fontScheme>
+    <a:fmtScheme name="Office">
+      <a:fillStyleLst>
+        <a:solidFill>
+          <a:schemeClr val="phClr"/>
+        </a:solidFill>
+        <a:gradFill rotWithShape="1">
+          <a:gsLst>
+            <a:gs pos="0">
+              <a:schemeClr val="phClr">
+                <a:lumMod val="110000"/>
+                <a:satMod val="105000"/>
+                <a:tint val="67000"/>
+              </a:schemeClr>
+            </a:gs>
+            <a:gs pos="50000">
+              <a:schemeClr val="phClr">
+                <a:lumMod val="105000"/>
+                <a:satMod val="103000"/>
+                <a:tint val="73000"/>
+              </a:schemeClr>
+            </a:gs>
+            <a:gs pos="100000">
+              <a:schemeClr val="phClr">
+                <a:lumMod val="105000"/>
+                <a:satMod val="109000"/>
+                <a:tint val="81000"/>
+              </a:schemeClr>
+            </a:gs>
+          </a:gsLst>
+          <a:lin ang="5400000" scaled="0"/>
+        </a:gradFill>
+        <a:gradFill rotWithShape="1">
+          <a:gsLst>
+            <a:gs pos="0">
+              <a:schemeClr val="phClr">
+                <a:satMod val="103000"/>
+                <a:lumMod val="102000"/>
+                <a:tint val="94000"/>
+              </a:schemeClr>
+            </a:gs>
+            <a:gs pos="50000">
+              <a:schemeClr val="phClr">
+                <a:satMod val="110000"/>
+                <a:lumMod val="100000"/>
+                <a:shade val="100000"/>
+              </a:schemeClr>
+            </a:gs>
+            <a:gs pos="100000">
+              <a:schemeClr val="phClr">
+                <a:lumMod val="99000"/>
+                <a:satMod val="120000"/>
+                <a:shade val="78000"/>
+              </a:schemeClr>
+            </a:gs>
+          </a:gsLst>
+          <a:lin ang="5400000" scaled="0"/>
+        </a:gradFill>
+      </a:fillStyleLst>
+      <a:lnStyleLst>
+        <a:ln w="6350" cap="flat" cmpd="sng" algn="ctr">
+          <a:solidFill>
+            <a:schemeClr val="phClr"/>
+          </a:solidFill>
+          <a:prstDash val="solid"/>
+          <a:miter lim="800000"/>
+        </a:ln>
+        <a:ln w="12700" cap="flat" cmpd="sng" algn="ctr">
+          <a:solidFill>
+            <a:schemeClr val="phClr"/>
+          </a:solidFill>
+          <a:prstDash val="solid"/>
+          <a:miter lim="800000"/>
+        </a:ln>
+        <a:ln w="19050" cap="flat" cmpd="sng" algn="ctr">
+          <a:solidFill>
+            <a:schemeClr val="phClr"/>
+          </a:solidFill>
+          <a:prstDash val="solid"/>
+          <a:miter lim="800000"/>
+        </a:ln>
+      </a:lnStyleLst>
+      <a:effectStyleLst>
+        <a:effectStyle>
+          <a:effectLst/>
+        </a:effectStyle>
+        <a:effectStyle>
+          <a:effectLst/>
+        </a:effectStyle>
+        <a:effectStyle>
+          <a:effectLst>
+            <a:outerShdw blurRad="57150" dist="19050" dir="5400000" algn="ctr" rotWithShape="0">
+              <a:srgbClr val="000000">
+                <a:alpha val="63000"/>
+              </a:srgbClr>
+            </a:outerShdw>
+          </a:effectLst>
+        </a:effectStyle>
+      </a:effectStyleLst>
+      <a:bgFillStyleLst>
+        <a:solidFill>
+          <a:schemeClr val="phClr"/>
+        </a:solidFill>
+        <a:solidFill>
+          <a:schemeClr val="phClr">
+            <a:tint val="95000"/>
+            <a:satMod val="170000"/>
+          </a:schemeClr>
+        </a:solidFill>
+        <a:gradFill rotWithShape="1">
+          <a:gsLst>
+            <a:gs pos="0">
+              <a:schemeClr val="phClr">
+                <a:tint val="93000"/>
+                <a:satMod val="150000"/>
+                <a:shade val="98000"/>
+                <a:lumMod val="102000"/>
+              </a:schemeClr>
+            </a:gs>
+            <a:gs pos="50000">
+              <a:schemeClr val="phClr">
+                <a:tint val="98000"/>
+                <a:satMod val="130000"/>
+                <a:shade val="90000"/>
+                <a:lumMod val="103000"/>
+              </a:schemeClr>
+            </a:gs>
+            <a:gs pos="100000">
+              <a:schemeClr val="phClr">
+                <a:shade val="63000"/>
+                <a:satMod val="120000"/>
+              </a:schemeClr>
+            </a:gs>
+          </a:gsLst>
+          <a:lin ang="5400000" scaled="0"/>
+        </a:gradFill>
+      </a:bgFillStyleLst>
+    </a:fmtScheme>
+  </a:themeElements>
+  <a:objectDefaults/>
+  <a:extraClrSchemeLst/>
+  <a:extLst>
+    <a:ext uri="{05A4C25C-085E-4340-85A3-A5531E510DB2}">
+      <thm15:themeFamily xmlns:thm15="http://schemas.microsoft.com/office/thememl/2012/main" name="Office Theme" id="{62F939B6-93AF-4DB8-9C6B-D6C7DFDC589F}" vid="{4A3C46E8-61CC-4603-A589-7422A47A8E4A}"/>
+    </a:ext>
+  </a:extLst>
+</a:theme>
 </file>